--- a/Documentação/PPT/FastTech.pptx
+++ b/Documentação/PPT/FastTech.pptx
@@ -1,82 +1,63 @@
 
 <file path=ppt/presentation.xml><?xml version="1.0" encoding="utf-8"?>
-<p:presentation xmlns:a="http://schemas.openxmlformats.org/drawingml/2006/main" xmlns:r="http://schemas.openxmlformats.org/officeDocument/2006/relationships" xmlns:p="http://schemas.openxmlformats.org/presentationml/2006/main" saveSubsetFonts="1" embedTrueTypeFonts="true">
+<p:presentation xmlns:a="http://schemas.openxmlformats.org/drawingml/2006/main" xmlns:r="http://schemas.openxmlformats.org/officeDocument/2006/relationships" xmlns:p="http://schemas.openxmlformats.org/presentationml/2006/main" embedTrueTypeFonts="1" saveSubsetFonts="1">
   <p:sldMasterIdLst>
     <p:sldMasterId id="2147483648" r:id="rId1"/>
   </p:sldMasterIdLst>
   <p:sldIdLst>
-    <p:sldId id="256" r:id="rId20"/>
-    <p:sldId id="257" r:id="rId21"/>
-    <p:sldId id="258" r:id="rId22"/>
-    <p:sldId id="259" r:id="rId23"/>
-    <p:sldId id="260" r:id="rId24"/>
-    <p:sldId id="261" r:id="rId25"/>
-    <p:sldId id="262" r:id="rId26"/>
-    <p:sldId id="263" r:id="rId27"/>
-    <p:sldId id="264" r:id="rId28"/>
-    <p:sldId id="265" r:id="rId29"/>
-    <p:sldId id="266" r:id="rId30"/>
-    <p:sldId id="267" r:id="rId31"/>
-    <p:sldId id="268" r:id="rId32"/>
+    <p:sldId id="256" r:id="rId2"/>
+    <p:sldId id="257" r:id="rId3"/>
+    <p:sldId id="258" r:id="rId4"/>
+    <p:sldId id="259" r:id="rId5"/>
+    <p:sldId id="260" r:id="rId6"/>
+    <p:sldId id="261" r:id="rId7"/>
+    <p:sldId id="262" r:id="rId8"/>
+    <p:sldId id="263" r:id="rId9"/>
+    <p:sldId id="264" r:id="rId10"/>
+    <p:sldId id="265" r:id="rId11"/>
+    <p:sldId id="266" r:id="rId12"/>
+    <p:sldId id="267" r:id="rId13"/>
+    <p:sldId id="268" r:id="rId14"/>
   </p:sldIdLst>
   <p:sldSz cx="18288000" cy="10287000"/>
   <p:notesSz cx="6858000" cy="9144000"/>
   <p:embeddedFontLst>
     <p:embeddedFont>
-      <p:font typeface="Glacial Indifference" charset="1" panose="00000000000000000000"/>
-      <p:regular r:id="rId6"/>
+      <p:font typeface="Calibri" panose="020F0502020204030204" pitchFamily="34" charset="0"/>
+      <p:regular r:id="rId15"/>
+      <p:bold r:id="rId16"/>
+      <p:italic r:id="rId17"/>
+      <p:boldItalic r:id="rId18"/>
     </p:embeddedFont>
     <p:embeddedFont>
-      <p:font typeface="Glacial Indifference Bold" charset="1" panose="00000800000000000000"/>
-      <p:regular r:id="rId7"/>
+      <p:font typeface="Glacial Indifference" panose="020B0604020202020204" charset="0"/>
+      <p:regular r:id="rId19"/>
     </p:embeddedFont>
     <p:embeddedFont>
-      <p:font typeface="Glacial Indifference Italics" charset="1" panose="00000000000000000000"/>
-      <p:regular r:id="rId8"/>
+      <p:font typeface="Nunito" pitchFamily="2" charset="0"/>
+      <p:regular r:id="rId20"/>
+      <p:bold r:id="rId21"/>
+      <p:italic r:id="rId22"/>
+      <p:boldItalic r:id="rId23"/>
     </p:embeddedFont>
     <p:embeddedFont>
-      <p:font typeface="Glacial Indifference Bold Italics" charset="1" panose="00000800000000000000"/>
-      <p:regular r:id="rId9"/>
+      <p:font typeface="Nunito Bold" charset="0"/>
+      <p:regular r:id="rId24"/>
     </p:embeddedFont>
     <p:embeddedFont>
-      <p:font typeface="Nunito" charset="1" panose="00000500000000000000"/>
-      <p:regular r:id="rId10"/>
+      <p:font typeface="Nunito Sans Bold" panose="020B0604020202020204" charset="0"/>
+      <p:regular r:id="rId25"/>
     </p:embeddedFont>
     <p:embeddedFont>
-      <p:font typeface="Nunito Bold" charset="1" panose="00000800000000000000"/>
-      <p:regular r:id="rId11"/>
+      <p:font typeface="Open Sans" panose="020B0606030504020204" pitchFamily="34" charset="0"/>
+      <p:regular r:id="rId26"/>
+      <p:bold r:id="rId27"/>
+      <p:italic r:id="rId28"/>
+      <p:boldItalic r:id="rId29"/>
     </p:embeddedFont>
     <p:embeddedFont>
-      <p:font typeface="Arimo" charset="1" panose="020B0604020202020204"/>
-      <p:regular r:id="rId12"/>
-    </p:embeddedFont>
-    <p:embeddedFont>
-      <p:font typeface="Arimo Bold" charset="1" panose="020B0704020202020204"/>
-      <p:regular r:id="rId13"/>
-    </p:embeddedFont>
-    <p:embeddedFont>
-      <p:font typeface="Arimo Italics" charset="1" panose="020B0604020202090204"/>
-      <p:regular r:id="rId14"/>
-    </p:embeddedFont>
-    <p:embeddedFont>
-      <p:font typeface="Arimo Bold Italics" charset="1" panose="020B0704020202090204"/>
-      <p:regular r:id="rId15"/>
-    </p:embeddedFont>
-    <p:embeddedFont>
-      <p:font typeface="Nunito Sans Bold" charset="1" panose="00000800000000000000"/>
-      <p:regular r:id="rId16"/>
-    </p:embeddedFont>
-    <p:embeddedFont>
-      <p:font typeface="Nunito Sans Bold Bold" charset="1" panose="00000900000000000000"/>
-      <p:regular r:id="rId17"/>
-    </p:embeddedFont>
-    <p:embeddedFont>
-      <p:font typeface="Nunito Sans Bold Italics" charset="1" panose="00000800000000000000"/>
-      <p:regular r:id="rId18"/>
-    </p:embeddedFont>
-    <p:embeddedFont>
-      <p:font typeface="Nunito Sans Bold Bold Italics" charset="1" panose="00000900000000000000"/>
-      <p:regular r:id="rId19"/>
+      <p:font typeface="Open Sans Extra Bold" panose="020B0604020202020204" charset="0"/>
+      <p:regular r:id="rId30"/>
     </p:embeddedFont>
   </p:embeddedFontLst>
   <p:defaultTextStyle>
@@ -174,6 +155,22 @@
       </a:defRPr>
     </a:lvl9pPr>
   </p:defaultTextStyle>
+  <p:extLst>
+    <p:ext uri="{EFAFB233-063F-42B5-8137-9DF3F51BA10A}">
+      <p15:sldGuideLst xmlns:p15="http://schemas.microsoft.com/office/powerpoint/2012/main">
+        <p15:guide id="1" orient="horz" pos="2160">
+          <p15:clr>
+            <a:srgbClr val="A4A3A4"/>
+          </p15:clr>
+        </p15:guide>
+        <p15:guide id="2" pos="2880">
+          <p15:clr>
+            <a:srgbClr val="A4A3A4"/>
+          </p15:clr>
+        </p15:guide>
+      </p15:sldGuideLst>
+    </p:ext>
+  </p:extLst>
 </p:presentation>
 </file>
 
@@ -215,10 +212,9 @@
           <a:lstStyle/>
           <a:p>
             <a:r>
-              <a:rPr lang="en-US" smtClean="0"/>
+              <a:rPr lang="en-US"/>
               <a:t>Click to edit Master title style</a:t>
             </a:r>
-            <a:endParaRPr lang="en-US"/>
           </a:p>
         </p:txBody>
       </p:sp>
@@ -334,10 +330,9 @@
           </a:lstStyle>
           <a:p>
             <a:r>
-              <a:rPr lang="en-US" smtClean="0"/>
+              <a:rPr lang="en-US"/>
               <a:t>Click to edit Master subtitle style</a:t>
             </a:r>
-            <a:endParaRPr lang="en-US"/>
           </a:p>
         </p:txBody>
       </p:sp>
@@ -359,7 +354,7 @@
             <a:fld id="{1D8BD707-D9CF-40AE-B4C6-C98DA3205C09}" type="datetimeFigureOut">
               <a:rPr lang="en-US" smtClean="0"/>
               <a:pPr/>
-              <a:t>8/1/2011</a:t>
+              <a:t>10/18/2021</a:t>
             </a:fld>
             <a:endParaRPr lang="en-US"/>
           </a:p>
@@ -449,10 +444,9 @@
           <a:lstStyle/>
           <a:p>
             <a:r>
-              <a:rPr lang="en-US" smtClean="0"/>
+              <a:rPr lang="en-US"/>
               <a:t>Click to edit Master title style</a:t>
             </a:r>
-            <a:endParaRPr lang="en-US"/>
           </a:p>
         </p:txBody>
       </p:sp>
@@ -473,38 +467,37 @@
           <a:p>
             <a:pPr lvl="0"/>
             <a:r>
-              <a:rPr lang="en-US" smtClean="0"/>
+              <a:rPr lang="en-US"/>
               <a:t>Click to edit Master text styles</a:t>
             </a:r>
           </a:p>
           <a:p>
             <a:pPr lvl="1"/>
             <a:r>
-              <a:rPr lang="en-US" smtClean="0"/>
+              <a:rPr lang="en-US"/>
               <a:t>Second level</a:t>
             </a:r>
           </a:p>
           <a:p>
             <a:pPr lvl="2"/>
             <a:r>
-              <a:rPr lang="en-US" smtClean="0"/>
+              <a:rPr lang="en-US"/>
               <a:t>Third level</a:t>
             </a:r>
           </a:p>
           <a:p>
             <a:pPr lvl="3"/>
             <a:r>
-              <a:rPr lang="en-US" smtClean="0"/>
+              <a:rPr lang="en-US"/>
               <a:t>Fourth level</a:t>
             </a:r>
           </a:p>
           <a:p>
             <a:pPr lvl="4"/>
             <a:r>
-              <a:rPr lang="en-US" smtClean="0"/>
+              <a:rPr lang="en-US"/>
               <a:t>Fifth level</a:t>
             </a:r>
-            <a:endParaRPr lang="en-US"/>
           </a:p>
         </p:txBody>
       </p:sp>
@@ -526,7 +519,7 @@
             <a:fld id="{1D8BD707-D9CF-40AE-B4C6-C98DA3205C09}" type="datetimeFigureOut">
               <a:rPr lang="en-US" smtClean="0"/>
               <a:pPr/>
-              <a:t>8/1/2011</a:t>
+              <a:t>10/18/2021</a:t>
             </a:fld>
             <a:endParaRPr lang="en-US"/>
           </a:p>
@@ -621,10 +614,9 @@
           <a:lstStyle/>
           <a:p>
             <a:r>
-              <a:rPr lang="en-US" smtClean="0"/>
+              <a:rPr lang="en-US"/>
               <a:t>Click to edit Master title style</a:t>
             </a:r>
-            <a:endParaRPr lang="en-US"/>
           </a:p>
         </p:txBody>
       </p:sp>
@@ -650,38 +642,37 @@
           <a:p>
             <a:pPr lvl="0"/>
             <a:r>
-              <a:rPr lang="en-US" smtClean="0"/>
+              <a:rPr lang="en-US"/>
               <a:t>Click to edit Master text styles</a:t>
             </a:r>
           </a:p>
           <a:p>
             <a:pPr lvl="1"/>
             <a:r>
-              <a:rPr lang="en-US" smtClean="0"/>
+              <a:rPr lang="en-US"/>
               <a:t>Second level</a:t>
             </a:r>
           </a:p>
           <a:p>
             <a:pPr lvl="2"/>
             <a:r>
-              <a:rPr lang="en-US" smtClean="0"/>
+              <a:rPr lang="en-US"/>
               <a:t>Third level</a:t>
             </a:r>
           </a:p>
           <a:p>
             <a:pPr lvl="3"/>
             <a:r>
-              <a:rPr lang="en-US" smtClean="0"/>
+              <a:rPr lang="en-US"/>
               <a:t>Fourth level</a:t>
             </a:r>
           </a:p>
           <a:p>
             <a:pPr lvl="4"/>
             <a:r>
-              <a:rPr lang="en-US" smtClean="0"/>
+              <a:rPr lang="en-US"/>
               <a:t>Fifth level</a:t>
             </a:r>
-            <a:endParaRPr lang="en-US"/>
           </a:p>
         </p:txBody>
       </p:sp>
@@ -703,7 +694,7 @@
             <a:fld id="{1D8BD707-D9CF-40AE-B4C6-C98DA3205C09}" type="datetimeFigureOut">
               <a:rPr lang="en-US" smtClean="0"/>
               <a:pPr/>
-              <a:t>8/1/2011</a:t>
+              <a:t>10/18/2021</a:t>
             </a:fld>
             <a:endParaRPr lang="en-US"/>
           </a:p>
@@ -793,10 +784,9 @@
           <a:lstStyle/>
           <a:p>
             <a:r>
-              <a:rPr lang="en-US" smtClean="0"/>
+              <a:rPr lang="en-US"/>
               <a:t>Click to edit Master title style</a:t>
             </a:r>
-            <a:endParaRPr lang="en-US"/>
           </a:p>
         </p:txBody>
       </p:sp>
@@ -817,38 +807,37 @@
           <a:p>
             <a:pPr lvl="0"/>
             <a:r>
-              <a:rPr lang="en-US" smtClean="0"/>
+              <a:rPr lang="en-US"/>
               <a:t>Click to edit Master text styles</a:t>
             </a:r>
           </a:p>
           <a:p>
             <a:pPr lvl="1"/>
             <a:r>
-              <a:rPr lang="en-US" smtClean="0"/>
+              <a:rPr lang="en-US"/>
               <a:t>Second level</a:t>
             </a:r>
           </a:p>
           <a:p>
             <a:pPr lvl="2"/>
             <a:r>
-              <a:rPr lang="en-US" smtClean="0"/>
+              <a:rPr lang="en-US"/>
               <a:t>Third level</a:t>
             </a:r>
           </a:p>
           <a:p>
             <a:pPr lvl="3"/>
             <a:r>
-              <a:rPr lang="en-US" smtClean="0"/>
+              <a:rPr lang="en-US"/>
               <a:t>Fourth level</a:t>
             </a:r>
           </a:p>
           <a:p>
             <a:pPr lvl="4"/>
             <a:r>
-              <a:rPr lang="en-US" smtClean="0"/>
+              <a:rPr lang="en-US"/>
               <a:t>Fifth level</a:t>
             </a:r>
-            <a:endParaRPr lang="en-US"/>
           </a:p>
         </p:txBody>
       </p:sp>
@@ -870,7 +859,7 @@
             <a:fld id="{1D8BD707-D9CF-40AE-B4C6-C98DA3205C09}" type="datetimeFigureOut">
               <a:rPr lang="en-US" smtClean="0"/>
               <a:pPr/>
-              <a:t>8/1/2011</a:t>
+              <a:t>10/18/2021</a:t>
             </a:fld>
             <a:endParaRPr lang="en-US"/>
           </a:p>
@@ -969,10 +958,9 @@
           </a:lstStyle>
           <a:p>
             <a:r>
-              <a:rPr lang="en-US" smtClean="0"/>
+              <a:rPr lang="en-US"/>
               <a:t>Click to edit Master title style</a:t>
             </a:r>
-            <a:endParaRPr lang="en-US"/>
           </a:p>
         </p:txBody>
       </p:sp>
@@ -1089,7 +1077,7 @@
           <a:p>
             <a:pPr lvl="0"/>
             <a:r>
-              <a:rPr lang="en-US" smtClean="0"/>
+              <a:rPr lang="en-US"/>
               <a:t>Click to edit Master text styles</a:t>
             </a:r>
           </a:p>
@@ -1113,7 +1101,7 @@
             <a:fld id="{1D8BD707-D9CF-40AE-B4C6-C98DA3205C09}" type="datetimeFigureOut">
               <a:rPr lang="en-US" smtClean="0"/>
               <a:pPr/>
-              <a:t>8/1/2011</a:t>
+              <a:t>10/18/2021</a:t>
             </a:fld>
             <a:endParaRPr lang="en-US"/>
           </a:p>
@@ -1203,10 +1191,9 @@
           <a:lstStyle/>
           <a:p>
             <a:r>
-              <a:rPr lang="en-US" smtClean="0"/>
+              <a:rPr lang="en-US"/>
               <a:t>Click to edit Master title style</a:t>
             </a:r>
-            <a:endParaRPr lang="en-US"/>
           </a:p>
         </p:txBody>
       </p:sp>
@@ -1260,38 +1247,37 @@
           <a:p>
             <a:pPr lvl="0"/>
             <a:r>
-              <a:rPr lang="en-US" smtClean="0"/>
+              <a:rPr lang="en-US"/>
               <a:t>Click to edit Master text styles</a:t>
             </a:r>
           </a:p>
           <a:p>
             <a:pPr lvl="1"/>
             <a:r>
-              <a:rPr lang="en-US" smtClean="0"/>
+              <a:rPr lang="en-US"/>
               <a:t>Second level</a:t>
             </a:r>
           </a:p>
           <a:p>
             <a:pPr lvl="2"/>
             <a:r>
-              <a:rPr lang="en-US" smtClean="0"/>
+              <a:rPr lang="en-US"/>
               <a:t>Third level</a:t>
             </a:r>
           </a:p>
           <a:p>
             <a:pPr lvl="3"/>
             <a:r>
-              <a:rPr lang="en-US" smtClean="0"/>
+              <a:rPr lang="en-US"/>
               <a:t>Fourth level</a:t>
             </a:r>
           </a:p>
           <a:p>
             <a:pPr lvl="4"/>
             <a:r>
-              <a:rPr lang="en-US" smtClean="0"/>
+              <a:rPr lang="en-US"/>
               <a:t>Fifth level</a:t>
             </a:r>
-            <a:endParaRPr lang="en-US"/>
           </a:p>
         </p:txBody>
       </p:sp>
@@ -1345,38 +1331,37 @@
           <a:p>
             <a:pPr lvl="0"/>
             <a:r>
-              <a:rPr lang="en-US" smtClean="0"/>
+              <a:rPr lang="en-US"/>
               <a:t>Click to edit Master text styles</a:t>
             </a:r>
           </a:p>
           <a:p>
             <a:pPr lvl="1"/>
             <a:r>
-              <a:rPr lang="en-US" smtClean="0"/>
+              <a:rPr lang="en-US"/>
               <a:t>Second level</a:t>
             </a:r>
           </a:p>
           <a:p>
             <a:pPr lvl="2"/>
             <a:r>
-              <a:rPr lang="en-US" smtClean="0"/>
+              <a:rPr lang="en-US"/>
               <a:t>Third level</a:t>
             </a:r>
           </a:p>
           <a:p>
             <a:pPr lvl="3"/>
             <a:r>
-              <a:rPr lang="en-US" smtClean="0"/>
+              <a:rPr lang="en-US"/>
               <a:t>Fourth level</a:t>
             </a:r>
           </a:p>
           <a:p>
             <a:pPr lvl="4"/>
             <a:r>
-              <a:rPr lang="en-US" smtClean="0"/>
+              <a:rPr lang="en-US"/>
               <a:t>Fifth level</a:t>
             </a:r>
-            <a:endParaRPr lang="en-US"/>
           </a:p>
         </p:txBody>
       </p:sp>
@@ -1398,7 +1383,7 @@
             <a:fld id="{1D8BD707-D9CF-40AE-B4C6-C98DA3205C09}" type="datetimeFigureOut">
               <a:rPr lang="en-US" smtClean="0"/>
               <a:pPr/>
-              <a:t>8/1/2011</a:t>
+              <a:t>10/18/2021</a:t>
             </a:fld>
             <a:endParaRPr lang="en-US"/>
           </a:p>
@@ -1492,10 +1477,9 @@
           </a:lstStyle>
           <a:p>
             <a:r>
-              <a:rPr lang="en-US" smtClean="0"/>
+              <a:rPr lang="en-US"/>
               <a:t>Click to edit Master title style</a:t>
             </a:r>
-            <a:endParaRPr lang="en-US"/>
           </a:p>
         </p:txBody>
       </p:sp>
@@ -1558,7 +1542,7 @@
           <a:p>
             <a:pPr lvl="0"/>
             <a:r>
-              <a:rPr lang="en-US" smtClean="0"/>
+              <a:rPr lang="en-US"/>
               <a:t>Click to edit Master text styles</a:t>
             </a:r>
           </a:p>
@@ -1614,38 +1598,37 @@
           <a:p>
             <a:pPr lvl="0"/>
             <a:r>
-              <a:rPr lang="en-US" smtClean="0"/>
+              <a:rPr lang="en-US"/>
               <a:t>Click to edit Master text styles</a:t>
             </a:r>
           </a:p>
           <a:p>
             <a:pPr lvl="1"/>
             <a:r>
-              <a:rPr lang="en-US" smtClean="0"/>
+              <a:rPr lang="en-US"/>
               <a:t>Second level</a:t>
             </a:r>
           </a:p>
           <a:p>
             <a:pPr lvl="2"/>
             <a:r>
-              <a:rPr lang="en-US" smtClean="0"/>
+              <a:rPr lang="en-US"/>
               <a:t>Third level</a:t>
             </a:r>
           </a:p>
           <a:p>
             <a:pPr lvl="3"/>
             <a:r>
-              <a:rPr lang="en-US" smtClean="0"/>
+              <a:rPr lang="en-US"/>
               <a:t>Fourth level</a:t>
             </a:r>
           </a:p>
           <a:p>
             <a:pPr lvl="4"/>
             <a:r>
-              <a:rPr lang="en-US" smtClean="0"/>
+              <a:rPr lang="en-US"/>
               <a:t>Fifth level</a:t>
             </a:r>
-            <a:endParaRPr lang="en-US"/>
           </a:p>
         </p:txBody>
       </p:sp>
@@ -1708,7 +1691,7 @@
           <a:p>
             <a:pPr lvl="0"/>
             <a:r>
-              <a:rPr lang="en-US" smtClean="0"/>
+              <a:rPr lang="en-US"/>
               <a:t>Click to edit Master text styles</a:t>
             </a:r>
           </a:p>
@@ -1764,38 +1747,37 @@
           <a:p>
             <a:pPr lvl="0"/>
             <a:r>
-              <a:rPr lang="en-US" smtClean="0"/>
+              <a:rPr lang="en-US"/>
               <a:t>Click to edit Master text styles</a:t>
             </a:r>
           </a:p>
           <a:p>
             <a:pPr lvl="1"/>
             <a:r>
-              <a:rPr lang="en-US" smtClean="0"/>
+              <a:rPr lang="en-US"/>
               <a:t>Second level</a:t>
             </a:r>
           </a:p>
           <a:p>
             <a:pPr lvl="2"/>
             <a:r>
-              <a:rPr lang="en-US" smtClean="0"/>
+              <a:rPr lang="en-US"/>
               <a:t>Third level</a:t>
             </a:r>
           </a:p>
           <a:p>
             <a:pPr lvl="3"/>
             <a:r>
-              <a:rPr lang="en-US" smtClean="0"/>
+              <a:rPr lang="en-US"/>
               <a:t>Fourth level</a:t>
             </a:r>
           </a:p>
           <a:p>
             <a:pPr lvl="4"/>
             <a:r>
-              <a:rPr lang="en-US" smtClean="0"/>
+              <a:rPr lang="en-US"/>
               <a:t>Fifth level</a:t>
             </a:r>
-            <a:endParaRPr lang="en-US"/>
           </a:p>
         </p:txBody>
       </p:sp>
@@ -1817,7 +1799,7 @@
             <a:fld id="{1D8BD707-D9CF-40AE-B4C6-C98DA3205C09}" type="datetimeFigureOut">
               <a:rPr lang="en-US" smtClean="0"/>
               <a:pPr/>
-              <a:t>8/1/2011</a:t>
+              <a:t>10/18/2021</a:t>
             </a:fld>
             <a:endParaRPr lang="en-US"/>
           </a:p>
@@ -1907,10 +1889,9 @@
           <a:lstStyle/>
           <a:p>
             <a:r>
-              <a:rPr lang="en-US" smtClean="0"/>
+              <a:rPr lang="en-US"/>
               <a:t>Click to edit Master title style</a:t>
             </a:r>
-            <a:endParaRPr lang="en-US"/>
           </a:p>
         </p:txBody>
       </p:sp>
@@ -1932,7 +1913,7 @@
             <a:fld id="{1D8BD707-D9CF-40AE-B4C6-C98DA3205C09}" type="datetimeFigureOut">
               <a:rPr lang="en-US" smtClean="0"/>
               <a:pPr/>
-              <a:t>8/1/2011</a:t>
+              <a:t>10/18/2021</a:t>
             </a:fld>
             <a:endParaRPr lang="en-US"/>
           </a:p>
@@ -2024,7 +2005,7 @@
             <a:fld id="{1D8BD707-D9CF-40AE-B4C6-C98DA3205C09}" type="datetimeFigureOut">
               <a:rPr lang="en-US" smtClean="0"/>
               <a:pPr/>
-              <a:t>8/1/2011</a:t>
+              <a:t>10/18/2021</a:t>
             </a:fld>
             <a:endParaRPr lang="en-US"/>
           </a:p>
@@ -2123,10 +2104,9 @@
           </a:lstStyle>
           <a:p>
             <a:r>
-              <a:rPr lang="en-US" smtClean="0"/>
+              <a:rPr lang="en-US"/>
               <a:t>Click to edit Master title style</a:t>
             </a:r>
-            <a:endParaRPr lang="en-US"/>
           </a:p>
         </p:txBody>
       </p:sp>
@@ -2180,38 +2160,37 @@
           <a:p>
             <a:pPr lvl="0"/>
             <a:r>
-              <a:rPr lang="en-US" smtClean="0"/>
+              <a:rPr lang="en-US"/>
               <a:t>Click to edit Master text styles</a:t>
             </a:r>
           </a:p>
           <a:p>
             <a:pPr lvl="1"/>
             <a:r>
-              <a:rPr lang="en-US" smtClean="0"/>
+              <a:rPr lang="en-US"/>
               <a:t>Second level</a:t>
             </a:r>
           </a:p>
           <a:p>
             <a:pPr lvl="2"/>
             <a:r>
-              <a:rPr lang="en-US" smtClean="0"/>
+              <a:rPr lang="en-US"/>
               <a:t>Third level</a:t>
             </a:r>
           </a:p>
           <a:p>
             <a:pPr lvl="3"/>
             <a:r>
-              <a:rPr lang="en-US" smtClean="0"/>
+              <a:rPr lang="en-US"/>
               <a:t>Fourth level</a:t>
             </a:r>
           </a:p>
           <a:p>
             <a:pPr lvl="4"/>
             <a:r>
-              <a:rPr lang="en-US" smtClean="0"/>
+              <a:rPr lang="en-US"/>
               <a:t>Fifth level</a:t>
             </a:r>
-            <a:endParaRPr lang="en-US"/>
           </a:p>
         </p:txBody>
       </p:sp>
@@ -2274,7 +2253,7 @@
           <a:p>
             <a:pPr lvl="0"/>
             <a:r>
-              <a:rPr lang="en-US" smtClean="0"/>
+              <a:rPr lang="en-US"/>
               <a:t>Click to edit Master text styles</a:t>
             </a:r>
           </a:p>
@@ -2298,7 +2277,7 @@
             <a:fld id="{1D8BD707-D9CF-40AE-B4C6-C98DA3205C09}" type="datetimeFigureOut">
               <a:rPr lang="en-US" smtClean="0"/>
               <a:pPr/>
-              <a:t>8/1/2011</a:t>
+              <a:t>10/18/2021</a:t>
             </a:fld>
             <a:endParaRPr lang="en-US"/>
           </a:p>
@@ -2397,10 +2376,9 @@
           </a:lstStyle>
           <a:p>
             <a:r>
-              <a:rPr lang="en-US" smtClean="0"/>
+              <a:rPr lang="en-US"/>
               <a:t>Click to edit Master title style</a:t>
             </a:r>
-            <a:endParaRPr lang="en-US"/>
           </a:p>
         </p:txBody>
       </p:sp>
@@ -2524,7 +2502,7 @@
           <a:p>
             <a:pPr lvl="0"/>
             <a:r>
-              <a:rPr lang="en-US" smtClean="0"/>
+              <a:rPr lang="en-US"/>
               <a:t>Click to edit Master text styles</a:t>
             </a:r>
           </a:p>
@@ -2548,7 +2526,7 @@
             <a:fld id="{1D8BD707-D9CF-40AE-B4C6-C98DA3205C09}" type="datetimeFigureOut">
               <a:rPr lang="en-US" smtClean="0"/>
               <a:pPr/>
-              <a:t>8/1/2011</a:t>
+              <a:t>10/18/2021</a:t>
             </a:fld>
             <a:endParaRPr lang="en-US"/>
           </a:p>
@@ -2653,10 +2631,9 @@
           <a:lstStyle/>
           <a:p>
             <a:r>
-              <a:rPr lang="en-US" smtClean="0"/>
+              <a:rPr lang="en-US"/>
               <a:t>Click to edit Master title style</a:t>
             </a:r>
-            <a:endParaRPr lang="en-US"/>
           </a:p>
         </p:txBody>
       </p:sp>
@@ -2687,38 +2664,37 @@
           <a:p>
             <a:pPr lvl="0"/>
             <a:r>
-              <a:rPr lang="en-US" smtClean="0"/>
+              <a:rPr lang="en-US"/>
               <a:t>Click to edit Master text styles</a:t>
             </a:r>
           </a:p>
           <a:p>
             <a:pPr lvl="1"/>
             <a:r>
-              <a:rPr lang="en-US" smtClean="0"/>
+              <a:rPr lang="en-US"/>
               <a:t>Second level</a:t>
             </a:r>
           </a:p>
           <a:p>
             <a:pPr lvl="2"/>
             <a:r>
-              <a:rPr lang="en-US" smtClean="0"/>
+              <a:rPr lang="en-US"/>
               <a:t>Third level</a:t>
             </a:r>
           </a:p>
           <a:p>
             <a:pPr lvl="3"/>
             <a:r>
-              <a:rPr lang="en-US" smtClean="0"/>
+              <a:rPr lang="en-US"/>
               <a:t>Fourth level</a:t>
             </a:r>
           </a:p>
           <a:p>
             <a:pPr lvl="4"/>
             <a:r>
-              <a:rPr lang="en-US" smtClean="0"/>
+              <a:rPr lang="en-US"/>
               <a:t>Fifth level</a:t>
             </a:r>
-            <a:endParaRPr lang="en-US"/>
           </a:p>
         </p:txBody>
       </p:sp>
@@ -2758,7 +2734,7 @@
             <a:fld id="{1D8BD707-D9CF-40AE-B4C6-C98DA3205C09}" type="datetimeFigureOut">
               <a:rPr lang="en-US" smtClean="0"/>
               <a:pPr/>
-              <a:t>8/1/2011</a:t>
+              <a:t>10/18/2021</a:t>
             </a:fld>
             <a:endParaRPr lang="en-US"/>
           </a:p>
@@ -3113,7 +3089,7 @@
 </file>
 
 <file path=ppt/slides/slide1.xml><?xml version="1.0" encoding="utf-8"?>
-<p:sld xmlns:p="http://schemas.openxmlformats.org/presentationml/2006/main" xmlns:a="http://schemas.openxmlformats.org/drawingml/2006/main" xmlns:r="http://schemas.openxmlformats.org/officeDocument/2006/relationships">
+<p:sld xmlns:a="http://schemas.openxmlformats.org/drawingml/2006/main" xmlns:r="http://schemas.openxmlformats.org/officeDocument/2006/relationships" xmlns:p="http://schemas.openxmlformats.org/presentationml/2006/main">
   <p:cSld>
     <p:spTree>
       <p:nvGrpSpPr>
@@ -3131,33 +3107,33 @@
       </p:grpSpPr>
       <p:sp>
         <p:nvSpPr>
-          <p:cNvPr name="AutoShape 2" id="2"/>
+          <p:cNvPr id="2" name="AutoShape 2"/>
           <p:cNvSpPr/>
           <p:nvPr/>
         </p:nvSpPr>
         <p:spPr>
-          <a:xfrm rot="0">
+          <a:xfrm>
             <a:off x="9798087" y="9320212"/>
             <a:ext cx="7589385" cy="0"/>
           </a:xfrm>
           <a:prstGeom prst="line">
             <a:avLst/>
           </a:prstGeom>
-          <a:ln cap="rnd" w="19050">
+          <a:ln w="19050" cap="rnd">
             <a:solidFill>
               <a:srgbClr val="243762"/>
             </a:solidFill>
             <a:prstDash val="solid"/>
-            <a:headEnd type="none" len="sm" w="sm"/>
-            <a:tailEnd type="none" len="sm" w="sm"/>
+            <a:headEnd type="none" w="sm" len="sm"/>
+            <a:tailEnd type="none" w="sm" len="sm"/>
           </a:ln>
         </p:spPr>
       </p:sp>
       <p:pic>
         <p:nvPicPr>
-          <p:cNvPr name="Picture 3" id="3"/>
+          <p:cNvPr id="3" name="Picture 3"/>
           <p:cNvPicPr>
-            <a:picLocks noChangeAspect="true"/>
+            <a:picLocks noChangeAspect="1"/>
           </p:cNvPicPr>
           <p:nvPr/>
         </p:nvPicPr>
@@ -3172,13 +3148,13 @@
               </a:ext>
             </a:extLst>
           </a:blip>
-          <a:srcRect l="0" t="0" r="0" b="0"/>
+          <a:srcRect/>
           <a:stretch>
             <a:fillRect/>
           </a:stretch>
         </p:blipFill>
         <p:spPr>
-          <a:xfrm flipH="true" flipV="false" rot="0">
+          <a:xfrm flipH="1">
             <a:off x="10348704" y="2485005"/>
             <a:ext cx="6910596" cy="6835208"/>
           </a:xfrm>
@@ -3189,22 +3165,22 @@
       </p:pic>
       <p:pic>
         <p:nvPicPr>
-          <p:cNvPr name="Picture 4" id="4"/>
+          <p:cNvPr id="4" name="Picture 4"/>
           <p:cNvPicPr>
-            <a:picLocks noChangeAspect="true"/>
+            <a:picLocks noChangeAspect="1"/>
           </p:cNvPicPr>
           <p:nvPr/>
         </p:nvPicPr>
         <p:blipFill>
           <a:blip r:embed="rId4"/>
-          <a:srcRect l="0" t="0" r="0" b="0"/>
+          <a:srcRect/>
           <a:stretch>
             <a:fillRect/>
           </a:stretch>
         </p:blipFill>
         <p:spPr>
-          <a:xfrm flipH="false" flipV="false" rot="0">
-            <a:off x="309315" y="2549623"/>
+          <a:xfrm>
+            <a:off x="419633" y="2553538"/>
             <a:ext cx="1438770" cy="1431659"/>
           </a:xfrm>
           <a:prstGeom prst="rect">
@@ -3214,35 +3190,35 @@
       </p:pic>
       <p:grpSp>
         <p:nvGrpSpPr>
-          <p:cNvPr name="Group 5" id="5"/>
+          <p:cNvPr id="5" name="Group 5"/>
           <p:cNvGrpSpPr/>
           <p:nvPr/>
         </p:nvGrpSpPr>
         <p:grpSpPr>
-          <a:xfrm rot="0">
-            <a:off x="2044910" y="2549623"/>
-            <a:ext cx="6877429" cy="2593877"/>
-            <a:chOff x="0" y="0"/>
-            <a:chExt cx="9169906" cy="3458502"/>
+          <a:xfrm>
+            <a:off x="2044910" y="2553538"/>
+            <a:ext cx="7099090" cy="2578344"/>
+            <a:chOff x="0" y="5220"/>
+            <a:chExt cx="9465454" cy="3437791"/>
           </a:xfrm>
         </p:grpSpPr>
         <p:sp>
           <p:nvSpPr>
-            <p:cNvPr name="TextBox 6" id="6"/>
-            <p:cNvSpPr txBox="true"/>
+            <p:cNvPr id="6" name="TextBox 6"/>
+            <p:cNvSpPr txBox="1"/>
             <p:nvPr/>
           </p:nvSpPr>
           <p:spPr>
-            <a:xfrm rot="0">
-              <a:off x="0" y="123825"/>
-              <a:ext cx="9169906" cy="2351792"/>
+            <a:xfrm>
+              <a:off x="295548" y="5220"/>
+              <a:ext cx="9169906" cy="2351793"/>
             </a:xfrm>
             <a:prstGeom prst="rect">
               <a:avLst/>
             </a:prstGeom>
           </p:spPr>
           <p:txBody>
-            <a:bodyPr anchor="t" rtlCol="false" tIns="0" lIns="0" bIns="0" rIns="0">
+            <a:bodyPr lIns="0" tIns="0" rIns="0" bIns="0" rtlCol="0" anchor="t">
               <a:spAutoFit/>
             </a:bodyPr>
             <a:lstStyle/>
@@ -3253,7 +3229,7 @@
                 </a:lnSpc>
               </a:pPr>
               <a:r>
-                <a:rPr lang="en-US" sz="12197" spc="-121">
+                <a:rPr lang="en-US" sz="12197" spc="-121" dirty="0">
                   <a:solidFill>
                     <a:srgbClr val="5879FA"/>
                   </a:solidFill>
@@ -3266,12 +3242,12 @@
         </p:sp>
         <p:sp>
           <p:nvSpPr>
-            <p:cNvPr name="TextBox 7" id="7"/>
-            <p:cNvSpPr txBox="true"/>
+            <p:cNvPr id="7" name="TextBox 7"/>
+            <p:cNvSpPr txBox="1"/>
             <p:nvPr/>
           </p:nvSpPr>
           <p:spPr>
-            <a:xfrm rot="0">
+            <a:xfrm>
               <a:off x="0" y="2843667"/>
               <a:ext cx="9169906" cy="599344"/>
             </a:xfrm>
@@ -3280,7 +3256,7 @@
             </a:prstGeom>
           </p:spPr>
           <p:txBody>
-            <a:bodyPr anchor="t" rtlCol="false" tIns="0" lIns="0" bIns="0" rIns="0">
+            <a:bodyPr lIns="0" tIns="0" rIns="0" bIns="0" rtlCol="0" anchor="t">
               <a:spAutoFit/>
             </a:bodyPr>
             <a:lstStyle/>
@@ -3290,19 +3266,20 @@
                   <a:spcPts val="3811"/>
                 </a:lnSpc>
               </a:pPr>
+              <a:endParaRPr/>
             </a:p>
           </p:txBody>
         </p:sp>
       </p:grpSp>
       <p:sp>
         <p:nvSpPr>
-          <p:cNvPr name="TextBox 8" id="8"/>
-          <p:cNvSpPr txBox="true"/>
-          <p:nvPr/>
-        </p:nvSpPr>
-        <p:spPr>
-          <a:xfrm rot="0">
-            <a:off x="309315" y="4317382"/>
+          <p:cNvPr id="8" name="TextBox 8"/>
+          <p:cNvSpPr txBox="1"/>
+          <p:nvPr/>
+        </p:nvSpPr>
+        <p:spPr>
+          <a:xfrm>
+            <a:off x="519701" y="4317383"/>
             <a:ext cx="8402638" cy="482600"/>
           </a:xfrm>
           <a:prstGeom prst="rect">
@@ -3310,7 +3287,7 @@
           </a:prstGeom>
         </p:spPr>
         <p:txBody>
-          <a:bodyPr anchor="t" rtlCol="false" tIns="0" lIns="0" bIns="0" rIns="0">
+          <a:bodyPr lIns="0" tIns="0" rIns="0" bIns="0" rtlCol="0" anchor="t">
             <a:spAutoFit/>
           </a:bodyPr>
           <a:lstStyle/>
@@ -3324,13 +3301,58 @@
               </a:spcBef>
             </a:pPr>
             <a:r>
-              <a:rPr lang="en-US" sz="3200">
+              <a:rPr lang="en-US" sz="3200" dirty="0" err="1">
                 <a:solidFill>
                   <a:srgbClr val="545454"/>
                 </a:solidFill>
                 <a:latin typeface="Nunito Sans Bold"/>
               </a:rPr>
-              <a:t>Facilitando a gestão de trabalho home office </a:t>
+              <a:t>Facilitando</a:t>
+            </a:r>
+            <a:r>
+              <a:rPr lang="en-US" sz="3200" dirty="0">
+                <a:solidFill>
+                  <a:srgbClr val="545454"/>
+                </a:solidFill>
+                <a:latin typeface="Nunito Sans Bold"/>
+              </a:rPr>
+              <a:t> a </a:t>
+            </a:r>
+            <a:r>
+              <a:rPr lang="en-US" sz="3200" dirty="0" err="1">
+                <a:solidFill>
+                  <a:srgbClr val="545454"/>
+                </a:solidFill>
+                <a:latin typeface="Nunito Sans Bold"/>
+              </a:rPr>
+              <a:t>gestão</a:t>
+            </a:r>
+            <a:r>
+              <a:rPr lang="en-US" sz="3200" dirty="0">
+                <a:solidFill>
+                  <a:srgbClr val="545454"/>
+                </a:solidFill>
+                <a:latin typeface="Nunito Sans Bold"/>
+              </a:rPr>
+              <a:t> de </a:t>
+            </a:r>
+            <a:r>
+              <a:rPr lang="en-US" sz="3200" dirty="0" err="1">
+                <a:solidFill>
+                  <a:srgbClr val="545454"/>
+                </a:solidFill>
+                <a:latin typeface="Nunito Sans Bold"/>
+              </a:rPr>
+              <a:t>trabalho</a:t>
+            </a:r>
+            <a:r>
+              <a:rPr lang="en-US" sz="3200" dirty="0">
+                <a:solidFill>
+                  <a:srgbClr val="545454"/>
+                </a:solidFill>
+                <a:latin typeface="Nunito Sans Bold"/>
+              </a:rPr>
+              <a:t> home office </a:t>
             </a:r>
           </a:p>
         </p:txBody>
@@ -3340,11 +3362,14 @@
   <p:clrMapOvr>
     <a:masterClrMapping/>
   </p:clrMapOvr>
+  <p:transition spd="slow">
+    <p:push dir="u"/>
+  </p:transition>
 </p:sld>
 </file>
 
 <file path=ppt/slides/slide10.xml><?xml version="1.0" encoding="utf-8"?>
-<p:sld xmlns:p="http://schemas.openxmlformats.org/presentationml/2006/main" xmlns:a="http://schemas.openxmlformats.org/drawingml/2006/main" xmlns:r="http://schemas.openxmlformats.org/officeDocument/2006/relationships">
+<p:sld xmlns:a="http://schemas.openxmlformats.org/drawingml/2006/main" xmlns:r="http://schemas.openxmlformats.org/officeDocument/2006/relationships" xmlns:p="http://schemas.openxmlformats.org/presentationml/2006/main">
   <p:cSld>
     <p:spTree>
       <p:nvGrpSpPr>
@@ -3360,307 +3385,189 @@
           <a:chExt cx="0" cy="0"/>
         </a:xfrm>
       </p:grpSpPr>
-      <p:pic>
-        <p:nvPicPr>
-          <p:cNvPr name="Picture 2" id="2"/>
-          <p:cNvPicPr>
-            <a:picLocks noChangeAspect="true"/>
-          </p:cNvPicPr>
-          <p:nvPr/>
-        </p:nvPicPr>
-        <p:blipFill>
-          <a:blip r:embed="rId2">
-            <a:extLst>
-              <a:ext uri="{28A0092B-C50C-407E-A947-70E740481C1C}">
-                <a14:useLocalDpi xmlns:a14="http://schemas.microsoft.com/office/drawing/2010/main" val="0"/>
-              </a:ext>
-              <a:ext uri="{96DAC541-7B7A-43D3-8B79-37D633B846F1}">
-                <asvg:svgBlip xmlns:asvg="http://schemas.microsoft.com/office/drawing/2016/SVG/main" r:embed="rId3"/>
-              </a:ext>
-            </a:extLst>
-          </a:blip>
-          <a:srcRect l="0" t="0" r="0" b="0"/>
-          <a:stretch>
-            <a:fillRect/>
-          </a:stretch>
-        </p:blipFill>
-        <p:spPr>
-          <a:xfrm flipH="false" flipV="false" rot="0">
-            <a:off x="11615021" y="3305462"/>
-            <a:ext cx="5644279" cy="5981413"/>
+      <p:sp>
+        <p:nvSpPr>
+          <p:cNvPr id="2" name="TextBox 2"/>
+          <p:cNvSpPr txBox="1"/>
+          <p:nvPr/>
+        </p:nvSpPr>
+        <p:spPr>
+          <a:xfrm>
+            <a:off x="0" y="1095375"/>
+            <a:ext cx="11292686" cy="1152525"/>
           </a:xfrm>
           <a:prstGeom prst="rect">
             <a:avLst/>
           </a:prstGeom>
         </p:spPr>
-      </p:pic>
-      <p:sp>
-        <p:nvSpPr>
-          <p:cNvPr name="AutoShape 3" id="3"/>
-          <p:cNvSpPr/>
-          <p:nvPr/>
-        </p:nvSpPr>
-        <p:spPr>
-          <a:xfrm rot="0">
-            <a:off x="11427073" y="9258300"/>
-            <a:ext cx="5832227" cy="0"/>
-          </a:xfrm>
-          <a:prstGeom prst="line">
-            <a:avLst/>
-          </a:prstGeom>
-          <a:ln cap="rnd" w="19050">
-            <a:solidFill>
-              <a:srgbClr val="243762"/>
-            </a:solidFill>
-            <a:prstDash val="solid"/>
-            <a:headEnd type="none" len="sm" w="sm"/>
-            <a:tailEnd type="none" len="sm" w="sm"/>
-          </a:ln>
-        </p:spPr>
-      </p:sp>
-      <p:pic>
-        <p:nvPicPr>
-          <p:cNvPr name="Picture 4" id="4"/>
-          <p:cNvPicPr>
-            <a:picLocks noChangeAspect="true"/>
-          </p:cNvPicPr>
-          <p:nvPr/>
-        </p:nvPicPr>
-        <p:blipFill>
-          <a:blip r:embed="rId4"/>
-          <a:srcRect l="0" t="0" r="0" b="0"/>
-          <a:stretch>
-            <a:fillRect/>
-          </a:stretch>
-        </p:blipFill>
-        <p:spPr>
-          <a:xfrm flipH="false" flipV="false" rot="0">
-            <a:off x="1028700" y="1673684"/>
-            <a:ext cx="9566843" cy="8507375"/>
-          </a:xfrm>
-          <a:prstGeom prst="rect">
-            <a:avLst/>
-          </a:prstGeom>
-        </p:spPr>
-      </p:pic>
-      <p:sp>
-        <p:nvSpPr>
-          <p:cNvPr name="TextBox 5" id="5"/>
-          <p:cNvSpPr txBox="true"/>
-          <p:nvPr/>
-        </p:nvSpPr>
-        <p:spPr>
-          <a:xfrm rot="0">
-            <a:off x="1286367" y="459916"/>
-            <a:ext cx="10140706" cy="1212850"/>
-          </a:xfrm>
-          <a:prstGeom prst="rect">
-            <a:avLst/>
-          </a:prstGeom>
-        </p:spPr>
-        <p:txBody>
-          <a:bodyPr anchor="t" rtlCol="false" tIns="0" lIns="0" bIns="0" rIns="0">
+        <p:txBody>
+          <a:bodyPr lIns="0" tIns="0" rIns="0" bIns="0" rtlCol="0" anchor="t">
             <a:spAutoFit/>
           </a:bodyPr>
           <a:lstStyle/>
           <a:p>
-            <a:pPr>
+            <a:pPr algn="ctr">
               <a:lnSpc>
-                <a:spcPts val="9349"/>
+                <a:spcPts val="8800"/>
               </a:lnSpc>
+              <a:spcBef>
+                <a:spcPct val="0"/>
+              </a:spcBef>
             </a:pPr>
             <a:r>
-              <a:rPr lang="en-US" sz="8499" spc="-84">
+              <a:rPr lang="en-US" sz="8000" spc="-80">
                 <a:solidFill>
                   <a:srgbClr val="3884FD"/>
                 </a:solidFill>
                 <a:latin typeface="Nunito Bold"/>
               </a:rPr>
-              <a:t>Modelo de dados</a:t>
-            </a:r>
-          </a:p>
-        </p:txBody>
-      </p:sp>
+              <a:t>VM na Nuvem AWS</a:t>
+            </a:r>
+          </a:p>
+        </p:txBody>
+      </p:sp>
+      <p:sp>
+        <p:nvSpPr>
+          <p:cNvPr id="5" name="TextBox 5"/>
+          <p:cNvSpPr txBox="1"/>
+          <p:nvPr/>
+        </p:nvSpPr>
+        <p:spPr>
+          <a:xfrm>
+            <a:off x="15106427" y="1321448"/>
+            <a:ext cx="2597624" cy="167879"/>
+          </a:xfrm>
+          <a:prstGeom prst="rect">
+            <a:avLst/>
+          </a:prstGeom>
+        </p:spPr>
+        <p:txBody>
+          <a:bodyPr lIns="0" tIns="0" rIns="0" bIns="0" rtlCol="0" anchor="t">
+            <a:spAutoFit/>
+          </a:bodyPr>
+          <a:lstStyle/>
+          <a:p>
+            <a:pPr>
+              <a:lnSpc>
+                <a:spcPts val="1439"/>
+              </a:lnSpc>
+            </a:pPr>
+            <a:endParaRPr/>
+          </a:p>
+        </p:txBody>
+      </p:sp>
+      <p:sp>
+        <p:nvSpPr>
+          <p:cNvPr id="7" name="AutoShape 7"/>
+          <p:cNvSpPr/>
+          <p:nvPr/>
+        </p:nvSpPr>
+        <p:spPr>
+          <a:xfrm>
+            <a:off x="1028700" y="9239250"/>
+            <a:ext cx="16230600" cy="0"/>
+          </a:xfrm>
+          <a:prstGeom prst="line">
+            <a:avLst/>
+          </a:prstGeom>
+          <a:ln w="19050" cap="rnd">
+            <a:solidFill>
+              <a:srgbClr val="243762"/>
+            </a:solidFill>
+            <a:prstDash val="solid"/>
+            <a:headEnd type="none" w="sm" len="sm"/>
+            <a:tailEnd type="none" w="sm" len="sm"/>
+          </a:ln>
+        </p:spPr>
+      </p:sp>
+      <p:sp>
+        <p:nvSpPr>
+          <p:cNvPr id="8" name="TextBox 6">
+            <a:extLst>
+              <a:ext uri="{FF2B5EF4-FFF2-40B4-BE49-F238E27FC236}">
+                <a16:creationId xmlns:a16="http://schemas.microsoft.com/office/drawing/2014/main" id="{469BFFE9-3AF9-4854-8284-E01F72002824}"/>
+              </a:ext>
+            </a:extLst>
+          </p:cNvPr>
+          <p:cNvSpPr txBox="1"/>
+          <p:nvPr/>
+        </p:nvSpPr>
+        <p:spPr>
+          <a:xfrm>
+            <a:off x="15106427" y="592260"/>
+            <a:ext cx="2597624" cy="623026"/>
+          </a:xfrm>
+          <a:prstGeom prst="rect">
+            <a:avLst/>
+          </a:prstGeom>
+        </p:spPr>
+        <p:txBody>
+          <a:bodyPr lIns="0" tIns="0" rIns="0" bIns="0" rtlCol="0" anchor="t">
+            <a:spAutoFit/>
+          </a:bodyPr>
+          <a:lstStyle/>
+          <a:p>
+            <a:pPr>
+              <a:lnSpc>
+                <a:spcPts val="4737"/>
+              </a:lnSpc>
+            </a:pPr>
+            <a:r>
+              <a:rPr lang="en-US" sz="4307" spc="-43" dirty="0">
+                <a:solidFill>
+                  <a:srgbClr val="5879FA"/>
+                </a:solidFill>
+                <a:latin typeface="Nunito Bold"/>
+              </a:rPr>
+              <a:t>FastTech</a:t>
+            </a:r>
+          </a:p>
+        </p:txBody>
+      </p:sp>
+      <p:pic>
+        <p:nvPicPr>
+          <p:cNvPr id="9" name="Picture 3">
+            <a:extLst>
+              <a:ext uri="{FF2B5EF4-FFF2-40B4-BE49-F238E27FC236}">
+                <a16:creationId xmlns:a16="http://schemas.microsoft.com/office/drawing/2014/main" id="{1D33C153-ACE7-49B1-8BBD-FB88BA9054C4}"/>
+              </a:ext>
+            </a:extLst>
+          </p:cNvPr>
+          <p:cNvPicPr>
+            <a:picLocks noChangeAspect="1"/>
+          </p:cNvPicPr>
+          <p:nvPr/>
+        </p:nvPicPr>
+        <p:blipFill>
+          <a:blip r:embed="rId2"/>
+          <a:srcRect/>
+          <a:stretch>
+            <a:fillRect/>
+          </a:stretch>
+        </p:blipFill>
+        <p:spPr>
+          <a:xfrm>
+            <a:off x="14115047" y="369727"/>
+            <a:ext cx="825172" cy="821093"/>
+          </a:xfrm>
+          <a:prstGeom prst="rect">
+            <a:avLst/>
+          </a:prstGeom>
+        </p:spPr>
+      </p:pic>
     </p:spTree>
   </p:cSld>
   <p:clrMapOvr>
     <a:masterClrMapping/>
   </p:clrMapOvr>
+  <p:transition spd="slow">
+    <p:randomBar dir="vert"/>
+  </p:transition>
 </p:sld>
 </file>
 
 <file path=ppt/slides/slide11.xml><?xml version="1.0" encoding="utf-8"?>
-<p:sld xmlns:p="http://schemas.openxmlformats.org/presentationml/2006/main" xmlns:a="http://schemas.openxmlformats.org/drawingml/2006/main" xmlns:r="http://schemas.openxmlformats.org/officeDocument/2006/relationships">
-  <p:cSld>
-    <p:spTree>
-      <p:nvGrpSpPr>
-        <p:cNvPr id="1" name=""/>
-        <p:cNvGrpSpPr/>
-        <p:nvPr/>
-      </p:nvGrpSpPr>
-      <p:grpSpPr>
-        <a:xfrm>
-          <a:off x="0" y="0"/>
-          <a:ext cx="0" cy="0"/>
-          <a:chOff x="0" y="0"/>
-          <a:chExt cx="0" cy="0"/>
-        </a:xfrm>
-      </p:grpSpPr>
-      <p:sp>
-        <p:nvSpPr>
-          <p:cNvPr name="TextBox 2" id="2"/>
-          <p:cNvSpPr txBox="true"/>
-          <p:nvPr/>
-        </p:nvSpPr>
-        <p:spPr>
-          <a:xfrm rot="0">
-            <a:off x="1028700" y="1114425"/>
-            <a:ext cx="10669650" cy="1286170"/>
-          </a:xfrm>
-          <a:prstGeom prst="rect">
-            <a:avLst/>
-          </a:prstGeom>
-        </p:spPr>
-        <p:txBody>
-          <a:bodyPr anchor="t" rtlCol="false" tIns="0" lIns="0" bIns="0" rIns="0">
-            <a:spAutoFit/>
-          </a:bodyPr>
-          <a:lstStyle/>
-          <a:p>
-            <a:pPr>
-              <a:lnSpc>
-                <a:spcPts val="9925"/>
-              </a:lnSpc>
-            </a:pPr>
-            <a:r>
-              <a:rPr lang="en-US" sz="9023" spc="-90">
-                <a:solidFill>
-                  <a:srgbClr val="3884FD"/>
-                </a:solidFill>
-                <a:latin typeface="Nunito Bold"/>
-              </a:rPr>
-              <a:t>Site / Cliente Linux</a:t>
-            </a:r>
-          </a:p>
-        </p:txBody>
-      </p:sp>
-      <p:grpSp>
-        <p:nvGrpSpPr>
-          <p:cNvPr name="Group 3" id="3"/>
-          <p:cNvGrpSpPr/>
-          <p:nvPr/>
-        </p:nvGrpSpPr>
-        <p:grpSpPr>
-          <a:xfrm rot="0">
-            <a:off x="8003817" y="4400854"/>
-            <a:ext cx="9217866" cy="4334932"/>
-            <a:chOff x="0" y="0"/>
-            <a:chExt cx="12290487" cy="5779909"/>
-          </a:xfrm>
-        </p:grpSpPr>
-        <p:pic>
-          <p:nvPicPr>
-            <p:cNvPr name="Picture 4" id="4"/>
-            <p:cNvPicPr>
-              <a:picLocks noChangeAspect="true"/>
-            </p:cNvPicPr>
-            <p:nvPr/>
-          </p:nvPicPr>
-          <p:blipFill>
-            <a:blip r:embed="rId2">
-              <a:extLst>
-                <a:ext uri="{28A0092B-C50C-407E-A947-70E740481C1C}">
-                  <a14:useLocalDpi xmlns:a14="http://schemas.microsoft.com/office/drawing/2010/main" val="0"/>
-                </a:ext>
-                <a:ext uri="{96DAC541-7B7A-43D3-8B79-37D633B846F1}">
-                  <asvg:svgBlip xmlns:asvg="http://schemas.microsoft.com/office/drawing/2016/SVG/main" r:embed="rId3"/>
-                </a:ext>
-              </a:extLst>
-            </a:blip>
-            <a:srcRect l="0" t="0" r="0" b="0"/>
-            <a:stretch>
-              <a:fillRect/>
-            </a:stretch>
-          </p:blipFill>
-          <p:spPr>
-            <a:xfrm flipH="false" flipV="false" rot="0">
-              <a:off x="598023" y="0"/>
-              <a:ext cx="5601257" cy="5779909"/>
-            </a:xfrm>
-            <a:prstGeom prst="rect">
-              <a:avLst/>
-            </a:prstGeom>
-          </p:spPr>
-        </p:pic>
-        <p:pic>
-          <p:nvPicPr>
-            <p:cNvPr name="Picture 5" id="5"/>
-            <p:cNvPicPr>
-              <a:picLocks noChangeAspect="true"/>
-            </p:cNvPicPr>
-            <p:nvPr/>
-          </p:nvPicPr>
-          <p:blipFill>
-            <a:blip r:embed="rId4">
-              <a:extLst>
-                <a:ext uri="{28A0092B-C50C-407E-A947-70E740481C1C}">
-                  <a14:useLocalDpi xmlns:a14="http://schemas.microsoft.com/office/drawing/2010/main" val="0"/>
-                </a:ext>
-                <a:ext uri="{96DAC541-7B7A-43D3-8B79-37D633B846F1}">
-                  <asvg:svgBlip xmlns:asvg="http://schemas.microsoft.com/office/drawing/2016/SVG/main" r:embed="rId5"/>
-                </a:ext>
-              </a:extLst>
-            </a:blip>
-            <a:srcRect l="0" t="0" r="0" b="0"/>
-            <a:stretch>
-              <a:fillRect/>
-            </a:stretch>
-          </p:blipFill>
-          <p:spPr>
-            <a:xfrm flipH="false" flipV="false" rot="0">
-              <a:off x="4661039" y="1594934"/>
-              <a:ext cx="5627716" cy="4184975"/>
-            </a:xfrm>
-            <a:prstGeom prst="rect">
-              <a:avLst/>
-            </a:prstGeom>
-          </p:spPr>
-        </p:pic>
-        <p:sp>
-          <p:nvSpPr>
-            <p:cNvPr name="AutoShape 6" id="6"/>
-            <p:cNvSpPr/>
-            <p:nvPr/>
-          </p:nvSpPr>
-          <p:spPr>
-            <a:xfrm rot="0">
-              <a:off x="0" y="5741346"/>
-              <a:ext cx="12290487" cy="0"/>
-            </a:xfrm>
-            <a:prstGeom prst="line">
-              <a:avLst/>
-            </a:prstGeom>
-            <a:ln cap="rnd" w="30850">
-              <a:solidFill>
-                <a:srgbClr val="243762"/>
-              </a:solidFill>
-              <a:prstDash val="solid"/>
-              <a:headEnd type="none" len="sm" w="sm"/>
-              <a:tailEnd type="none" len="sm" w="sm"/>
-            </a:ln>
-          </p:spPr>
-        </p:sp>
-      </p:grpSp>
-    </p:spTree>
-  </p:cSld>
-  <p:clrMapOvr>
-    <a:masterClrMapping/>
-  </p:clrMapOvr>
-</p:sld>
-</file>
-
-<file path=ppt/slides/slide12.xml><?xml version="1.0" encoding="utf-8"?>
-<p:sld xmlns:p="http://schemas.openxmlformats.org/presentationml/2006/main" xmlns:a="http://schemas.openxmlformats.org/drawingml/2006/main" xmlns:r="http://schemas.openxmlformats.org/officeDocument/2006/relationships">
+<p:sld xmlns:a="http://schemas.openxmlformats.org/drawingml/2006/main" xmlns:r="http://schemas.openxmlformats.org/officeDocument/2006/relationships" xmlns:p="http://schemas.openxmlformats.org/presentationml/2006/main">
   <p:cSld>
     <p:spTree>
       <p:nvGrpSpPr>
@@ -3678,12 +3585,12 @@
       </p:grpSpPr>
       <p:grpSp>
         <p:nvGrpSpPr>
-          <p:cNvPr name="Group 2" id="2"/>
+          <p:cNvPr id="2" name="Group 2"/>
           <p:cNvGrpSpPr/>
           <p:nvPr/>
         </p:nvGrpSpPr>
         <p:grpSpPr>
-          <a:xfrm rot="0">
+          <a:xfrm>
             <a:off x="1890422" y="5216049"/>
             <a:ext cx="227361" cy="227361"/>
             <a:chOff x="0" y="0"/>
@@ -3692,7 +3599,7 @@
         </p:grpSpPr>
         <p:sp>
           <p:nvSpPr>
-            <p:cNvPr name="Freeform 3" id="3"/>
+            <p:cNvPr id="3" name="Freeform 3"/>
             <p:cNvSpPr/>
             <p:nvPr/>
           </p:nvSpPr>
@@ -3706,9 +3613,9 @@
               <a:gdLst/>
               <a:ahLst/>
               <a:cxnLst/>
-              <a:rect r="r" b="b" t="t" l="l"/>
+              <a:rect l="l" t="t" r="r" b="b"/>
               <a:pathLst>
-                <a:path h="6350000" w="6321665">
+                <a:path w="6321665" h="6350000">
                   <a:moveTo>
                     <a:pt x="3160833" y="0"/>
                   </a:moveTo>
@@ -3747,12 +3654,12 @@
       </p:grpSp>
       <p:grpSp>
         <p:nvGrpSpPr>
-          <p:cNvPr name="Group 4" id="4"/>
+          <p:cNvPr id="4" name="Group 4"/>
           <p:cNvGrpSpPr/>
           <p:nvPr/>
         </p:nvGrpSpPr>
         <p:grpSpPr>
-          <a:xfrm rot="0">
+          <a:xfrm>
             <a:off x="1890422" y="2599299"/>
             <a:ext cx="227361" cy="227361"/>
             <a:chOff x="0" y="0"/>
@@ -3761,7 +3668,7 @@
         </p:grpSpPr>
         <p:sp>
           <p:nvSpPr>
-            <p:cNvPr name="Freeform 5" id="5"/>
+            <p:cNvPr id="5" name="Freeform 5"/>
             <p:cNvSpPr/>
             <p:nvPr/>
           </p:nvSpPr>
@@ -3775,9 +3682,9 @@
               <a:gdLst/>
               <a:ahLst/>
               <a:cxnLst/>
-              <a:rect r="r" b="b" t="t" l="l"/>
+              <a:rect l="l" t="t" r="r" b="b"/>
               <a:pathLst>
-                <a:path h="6350000" w="6321665">
+                <a:path w="6321665" h="6350000">
                   <a:moveTo>
                     <a:pt x="3160833" y="0"/>
                   </a:moveTo>
@@ -3816,12 +3723,12 @@
       </p:grpSp>
       <p:grpSp>
         <p:nvGrpSpPr>
-          <p:cNvPr name="Group 6" id="6"/>
+          <p:cNvPr id="6" name="Group 6"/>
           <p:cNvGrpSpPr/>
           <p:nvPr/>
         </p:nvGrpSpPr>
         <p:grpSpPr>
-          <a:xfrm rot="0">
+          <a:xfrm>
             <a:off x="1890422" y="3467308"/>
             <a:ext cx="227361" cy="227361"/>
             <a:chOff x="0" y="0"/>
@@ -3830,7 +3737,7 @@
         </p:grpSpPr>
         <p:sp>
           <p:nvSpPr>
-            <p:cNvPr name="Freeform 7" id="7"/>
+            <p:cNvPr id="7" name="Freeform 7"/>
             <p:cNvSpPr/>
             <p:nvPr/>
           </p:nvSpPr>
@@ -3844,9 +3751,9 @@
               <a:gdLst/>
               <a:ahLst/>
               <a:cxnLst/>
-              <a:rect r="r" b="b" t="t" l="l"/>
+              <a:rect l="l" t="t" r="r" b="b"/>
               <a:pathLst>
-                <a:path h="6350000" w="6321665">
+                <a:path w="6321665" h="6350000">
                   <a:moveTo>
                     <a:pt x="3160833" y="0"/>
                   </a:moveTo>
@@ -3885,12 +3792,12 @@
       </p:grpSp>
       <p:grpSp>
         <p:nvGrpSpPr>
-          <p:cNvPr name="Group 8" id="8"/>
+          <p:cNvPr id="8" name="Group 8"/>
           <p:cNvGrpSpPr/>
           <p:nvPr/>
         </p:nvGrpSpPr>
         <p:grpSpPr>
-          <a:xfrm rot="0">
+          <a:xfrm>
             <a:off x="1890422" y="4307660"/>
             <a:ext cx="227361" cy="227361"/>
             <a:chOff x="0" y="0"/>
@@ -3899,7 +3806,7 @@
         </p:grpSpPr>
         <p:sp>
           <p:nvSpPr>
-            <p:cNvPr name="Freeform 9" id="9"/>
+            <p:cNvPr id="9" name="Freeform 9"/>
             <p:cNvSpPr/>
             <p:nvPr/>
           </p:nvSpPr>
@@ -3913,9 +3820,9 @@
               <a:gdLst/>
               <a:ahLst/>
               <a:cxnLst/>
-              <a:rect r="r" b="b" t="t" l="l"/>
+              <a:rect l="l" t="t" r="r" b="b"/>
               <a:pathLst>
-                <a:path h="6350000" w="6321665">
+                <a:path w="6321665" h="6350000">
                   <a:moveTo>
                     <a:pt x="3160833" y="0"/>
                   </a:moveTo>
@@ -3954,12 +3861,12 @@
       </p:grpSp>
       <p:sp>
         <p:nvSpPr>
-          <p:cNvPr name="TextBox 10" id="10"/>
-          <p:cNvSpPr txBox="true"/>
-          <p:nvPr/>
-        </p:nvSpPr>
-        <p:spPr>
-          <a:xfrm rot="0">
+          <p:cNvPr id="10" name="TextBox 10"/>
+          <p:cNvSpPr txBox="1"/>
+          <p:nvPr/>
+        </p:nvSpPr>
+        <p:spPr>
+          <a:xfrm>
             <a:off x="2510251" y="5019930"/>
             <a:ext cx="5851091" cy="577215"/>
           </a:xfrm>
@@ -3968,7 +3875,7 @@
           </a:prstGeom>
         </p:spPr>
         <p:txBody>
-          <a:bodyPr anchor="t" rtlCol="false" tIns="0" lIns="0" bIns="0" rIns="0">
+          <a:bodyPr lIns="0" tIns="0" rIns="0" bIns="0" rtlCol="0" anchor="t">
             <a:spAutoFit/>
           </a:bodyPr>
           <a:lstStyle/>
@@ -3995,12 +3902,12 @@
       </p:sp>
       <p:sp>
         <p:nvSpPr>
-          <p:cNvPr name="TextBox 11" id="11"/>
-          <p:cNvSpPr txBox="true"/>
-          <p:nvPr/>
-        </p:nvSpPr>
-        <p:spPr>
-          <a:xfrm rot="0">
+          <p:cNvPr id="11" name="TextBox 11"/>
+          <p:cNvSpPr txBox="1"/>
+          <p:nvPr/>
+        </p:nvSpPr>
+        <p:spPr>
+          <a:xfrm>
             <a:off x="2492975" y="2433085"/>
             <a:ext cx="5868368" cy="610235"/>
           </a:xfrm>
@@ -4009,7 +3916,7 @@
           </a:prstGeom>
         </p:spPr>
         <p:txBody>
-          <a:bodyPr anchor="t" rtlCol="false" tIns="0" lIns="0" bIns="0" rIns="0">
+          <a:bodyPr lIns="0" tIns="0" rIns="0" bIns="0" rtlCol="0" anchor="t">
             <a:spAutoFit/>
           </a:bodyPr>
           <a:lstStyle/>
@@ -4036,12 +3943,12 @@
       </p:sp>
       <p:sp>
         <p:nvSpPr>
-          <p:cNvPr name="TextBox 12" id="12"/>
-          <p:cNvSpPr txBox="true"/>
-          <p:nvPr/>
-        </p:nvSpPr>
-        <p:spPr>
-          <a:xfrm rot="0">
+          <p:cNvPr id="12" name="TextBox 12"/>
+          <p:cNvSpPr txBox="1"/>
+          <p:nvPr/>
+        </p:nvSpPr>
+        <p:spPr>
+          <a:xfrm>
             <a:off x="2492975" y="3301093"/>
             <a:ext cx="5868368" cy="577215"/>
           </a:xfrm>
@@ -4050,7 +3957,7 @@
           </a:prstGeom>
         </p:spPr>
         <p:txBody>
-          <a:bodyPr anchor="t" rtlCol="false" tIns="0" lIns="0" bIns="0" rIns="0">
+          <a:bodyPr lIns="0" tIns="0" rIns="0" bIns="0" rtlCol="0" anchor="t">
             <a:spAutoFit/>
           </a:bodyPr>
           <a:lstStyle/>
@@ -4077,21 +3984,21 @@
       </p:sp>
       <p:sp>
         <p:nvSpPr>
-          <p:cNvPr name="TextBox 13" id="13"/>
-          <p:cNvSpPr txBox="true"/>
-          <p:nvPr/>
-        </p:nvSpPr>
-        <p:spPr>
-          <a:xfrm rot="0">
+          <p:cNvPr id="13" name="TextBox 13"/>
+          <p:cNvSpPr txBox="1"/>
+          <p:nvPr/>
+        </p:nvSpPr>
+        <p:spPr>
+          <a:xfrm>
             <a:off x="2492975" y="4141446"/>
-            <a:ext cx="5868368" cy="610235"/>
+            <a:ext cx="5868368" cy="619400"/>
           </a:xfrm>
           <a:prstGeom prst="rect">
             <a:avLst/>
           </a:prstGeom>
         </p:spPr>
         <p:txBody>
-          <a:bodyPr anchor="t" rtlCol="false" tIns="0" lIns="0" bIns="0" rIns="0">
+          <a:bodyPr lIns="0" tIns="0" rIns="0" bIns="0" rtlCol="0" anchor="t">
             <a:spAutoFit/>
           </a:bodyPr>
           <a:lstStyle/>
@@ -4105,25 +4012,43 @@
               </a:spcBef>
             </a:pPr>
             <a:r>
+              <a:rPr lang="en-US" sz="3599" dirty="0" err="1">
+                <a:solidFill>
+                  <a:srgbClr val="243762"/>
+                </a:solidFill>
+                <a:latin typeface="Nunito"/>
+              </a:rPr>
+              <a:t>Ideias</a:t>
+            </a:r>
+            <a:r>
+              <a:rPr lang="en-US" sz="3599" dirty="0">
+                <a:solidFill>
+                  <a:srgbClr val="243762"/>
+                </a:solidFill>
+                <a:latin typeface="Nunito"/>
+              </a:rPr>
+              <a:t> e </a:t>
+            </a:r>
+            <a:r>
               <a:rPr lang="en-US" sz="3599">
                 <a:solidFill>
                   <a:srgbClr val="243762"/>
                 </a:solidFill>
                 <a:latin typeface="Nunito"/>
               </a:rPr>
-              <a:t>Ideias;</a:t>
-            </a:r>
-          </a:p>
-        </p:txBody>
-      </p:sp>
-      <p:sp>
-        <p:nvSpPr>
-          <p:cNvPr name="TextBox 14" id="14"/>
-          <p:cNvSpPr txBox="true"/>
-          <p:nvPr/>
-        </p:nvSpPr>
-        <p:spPr>
-          <a:xfrm rot="0">
+              <a:t>Inovações;</a:t>
+            </a:r>
+          </a:p>
+        </p:txBody>
+      </p:sp>
+      <p:sp>
+        <p:nvSpPr>
+          <p:cNvPr id="14" name="TextBox 14"/>
+          <p:cNvSpPr txBox="1"/>
+          <p:nvPr/>
+        </p:nvSpPr>
+        <p:spPr>
+          <a:xfrm>
             <a:off x="1890422" y="904875"/>
             <a:ext cx="7022113" cy="1091566"/>
           </a:xfrm>
@@ -4132,7 +4057,7 @@
           </a:prstGeom>
         </p:spPr>
         <p:txBody>
-          <a:bodyPr anchor="t" rtlCol="false" tIns="0" lIns="0" bIns="0" rIns="0">
+          <a:bodyPr lIns="0" tIns="0" rIns="0" bIns="0" rtlCol="0" anchor="t">
             <a:spAutoFit/>
           </a:bodyPr>
           <a:lstStyle/>
@@ -4159,9 +4084,9 @@
       </p:sp>
       <p:pic>
         <p:nvPicPr>
-          <p:cNvPr name="Picture 15" id="15"/>
+          <p:cNvPr id="15" name="Picture 15"/>
           <p:cNvPicPr>
-            <a:picLocks noChangeAspect="true"/>
+            <a:picLocks noChangeAspect="1"/>
           </p:cNvPicPr>
           <p:nvPr/>
         </p:nvPicPr>
@@ -4176,13 +4101,13 @@
               </a:ext>
             </a:extLst>
           </a:blip>
-          <a:srcRect l="0" t="0" r="0" b="0"/>
+          <a:srcRect/>
           <a:stretch>
             <a:fillRect/>
           </a:stretch>
         </p:blipFill>
         <p:spPr>
-          <a:xfrm flipH="false" flipV="false" rot="0">
+          <a:xfrm>
             <a:off x="12416775" y="4660578"/>
             <a:ext cx="4461525" cy="4603826"/>
           </a:xfrm>
@@ -4193,33 +4118,33 @@
       </p:pic>
       <p:sp>
         <p:nvSpPr>
-          <p:cNvPr name="AutoShape 16" id="16"/>
+          <p:cNvPr id="16" name="AutoShape 16"/>
           <p:cNvSpPr/>
           <p:nvPr/>
         </p:nvSpPr>
         <p:spPr>
-          <a:xfrm rot="0">
+          <a:xfrm>
             <a:off x="8912535" y="9239250"/>
             <a:ext cx="8346765" cy="0"/>
           </a:xfrm>
           <a:prstGeom prst="line">
             <a:avLst/>
           </a:prstGeom>
-          <a:ln cap="rnd" w="19050">
+          <a:ln w="19050" cap="rnd">
             <a:solidFill>
               <a:srgbClr val="243762"/>
             </a:solidFill>
             <a:prstDash val="solid"/>
-            <a:headEnd type="none" len="sm" w="sm"/>
-            <a:tailEnd type="none" len="sm" w="sm"/>
+            <a:headEnd type="none" w="sm" len="sm"/>
+            <a:tailEnd type="none" w="sm" len="sm"/>
           </a:ln>
         </p:spPr>
       </p:sp>
       <p:pic>
         <p:nvPicPr>
-          <p:cNvPr name="Picture 17" id="17"/>
+          <p:cNvPr id="17" name="Picture 17"/>
           <p:cNvPicPr>
-            <a:picLocks noChangeAspect="true"/>
+            <a:picLocks noChangeAspect="1"/>
           </p:cNvPicPr>
           <p:nvPr/>
         </p:nvPicPr>
@@ -4234,13 +4159,13 @@
               </a:ext>
             </a:extLst>
           </a:blip>
-          <a:srcRect l="0" t="0" r="0" b="0"/>
+          <a:srcRect/>
           <a:stretch>
             <a:fillRect/>
           </a:stretch>
         </p:blipFill>
         <p:spPr>
-          <a:xfrm flipH="true" flipV="false" rot="0">
+          <a:xfrm flipH="1">
             <a:off x="9496105" y="6833226"/>
             <a:ext cx="5078409" cy="2493037"/>
           </a:xfrm>
@@ -4249,16 +4174,124 @@
           </a:prstGeom>
         </p:spPr>
       </p:pic>
+      <p:sp>
+        <p:nvSpPr>
+          <p:cNvPr id="21" name="TextBox 21"/>
+          <p:cNvSpPr txBox="1"/>
+          <p:nvPr/>
+        </p:nvSpPr>
+        <p:spPr>
+          <a:xfrm>
+            <a:off x="15106427" y="1346290"/>
+            <a:ext cx="2597624" cy="167878"/>
+          </a:xfrm>
+          <a:prstGeom prst="rect">
+            <a:avLst/>
+          </a:prstGeom>
+        </p:spPr>
+        <p:txBody>
+          <a:bodyPr lIns="0" tIns="0" rIns="0" bIns="0" rtlCol="0" anchor="t">
+            <a:spAutoFit/>
+          </a:bodyPr>
+          <a:lstStyle/>
+          <a:p>
+            <a:pPr>
+              <a:lnSpc>
+                <a:spcPts val="1439"/>
+              </a:lnSpc>
+            </a:pPr>
+            <a:endParaRPr/>
+          </a:p>
+        </p:txBody>
+      </p:sp>
+      <p:pic>
+        <p:nvPicPr>
+          <p:cNvPr id="22" name="Picture 3">
+            <a:extLst>
+              <a:ext uri="{FF2B5EF4-FFF2-40B4-BE49-F238E27FC236}">
+                <a16:creationId xmlns:a16="http://schemas.microsoft.com/office/drawing/2014/main" id="{290BBDD4-57A6-4EFC-B6F7-AFC70A7A87D0}"/>
+              </a:ext>
+            </a:extLst>
+          </p:cNvPr>
+          <p:cNvPicPr>
+            <a:picLocks noChangeAspect="1"/>
+          </p:cNvPicPr>
+          <p:nvPr/>
+        </p:nvPicPr>
+        <p:blipFill>
+          <a:blip r:embed="rId6"/>
+          <a:srcRect/>
+          <a:stretch>
+            <a:fillRect/>
+          </a:stretch>
+        </p:blipFill>
+        <p:spPr>
+          <a:xfrm>
+            <a:off x="14115047" y="304413"/>
+            <a:ext cx="825172" cy="821093"/>
+          </a:xfrm>
+          <a:prstGeom prst="rect">
+            <a:avLst/>
+          </a:prstGeom>
+        </p:spPr>
+      </p:pic>
+      <p:sp>
+        <p:nvSpPr>
+          <p:cNvPr id="23" name="TextBox 6">
+            <a:extLst>
+              <a:ext uri="{FF2B5EF4-FFF2-40B4-BE49-F238E27FC236}">
+                <a16:creationId xmlns:a16="http://schemas.microsoft.com/office/drawing/2014/main" id="{E5520DC7-4EA7-4C43-939D-3C0366556BB7}"/>
+              </a:ext>
+            </a:extLst>
+          </p:cNvPr>
+          <p:cNvSpPr txBox="1"/>
+          <p:nvPr/>
+        </p:nvSpPr>
+        <p:spPr>
+          <a:xfrm>
+            <a:off x="15106427" y="592260"/>
+            <a:ext cx="2597624" cy="623026"/>
+          </a:xfrm>
+          <a:prstGeom prst="rect">
+            <a:avLst/>
+          </a:prstGeom>
+        </p:spPr>
+        <p:txBody>
+          <a:bodyPr lIns="0" tIns="0" rIns="0" bIns="0" rtlCol="0" anchor="t">
+            <a:spAutoFit/>
+          </a:bodyPr>
+          <a:lstStyle/>
+          <a:p>
+            <a:pPr>
+              <a:lnSpc>
+                <a:spcPts val="4737"/>
+              </a:lnSpc>
+            </a:pPr>
+            <a:r>
+              <a:rPr lang="en-US" sz="4307" spc="-43" dirty="0">
+                <a:solidFill>
+                  <a:srgbClr val="5879FA"/>
+                </a:solidFill>
+                <a:latin typeface="Nunito Bold"/>
+              </a:rPr>
+              <a:t>FastTech</a:t>
+            </a:r>
+          </a:p>
+        </p:txBody>
+      </p:sp>
     </p:spTree>
   </p:cSld>
   <p:clrMapOvr>
     <a:masterClrMapping/>
   </p:clrMapOvr>
+  <p:transition spd="slow">
+    <p:wipe/>
+  </p:transition>
 </p:sld>
 </file>
 
-<file path=ppt/slides/slide13.xml><?xml version="1.0" encoding="utf-8"?>
-<p:sld xmlns:p="http://schemas.openxmlformats.org/presentationml/2006/main" xmlns:a="http://schemas.openxmlformats.org/drawingml/2006/main" xmlns:r="http://schemas.openxmlformats.org/officeDocument/2006/relationships">
+<file path=ppt/slides/slide12.xml><?xml version="1.0" encoding="utf-8"?>
+<p:sld xmlns:a="http://schemas.openxmlformats.org/drawingml/2006/main" xmlns:r="http://schemas.openxmlformats.org/officeDocument/2006/relationships" xmlns:p="http://schemas.openxmlformats.org/presentationml/2006/main">
   <p:cSld>
     <p:spTree>
       <p:nvGrpSpPr>
@@ -4276,33 +4309,33 @@
       </p:grpSpPr>
       <p:sp>
         <p:nvSpPr>
-          <p:cNvPr name="AutoShape 2" id="2"/>
+          <p:cNvPr id="2" name="AutoShape 2"/>
           <p:cNvSpPr/>
           <p:nvPr/>
         </p:nvSpPr>
         <p:spPr>
-          <a:xfrm rot="0">
-            <a:off x="1028700" y="8381415"/>
+          <a:xfrm>
+            <a:off x="1028700" y="8683595"/>
             <a:ext cx="7706365" cy="0"/>
           </a:xfrm>
           <a:prstGeom prst="line">
             <a:avLst/>
           </a:prstGeom>
-          <a:ln cap="rnd" w="19050">
+          <a:ln w="19050" cap="rnd">
             <a:solidFill>
               <a:srgbClr val="243762"/>
             </a:solidFill>
             <a:prstDash val="solid"/>
-            <a:headEnd type="none" len="sm" w="sm"/>
-            <a:tailEnd type="none" len="sm" w="sm"/>
+            <a:headEnd type="none" w="sm" len="sm"/>
+            <a:tailEnd type="none" w="sm" len="sm"/>
           </a:ln>
         </p:spPr>
       </p:sp>
       <p:pic>
         <p:nvPicPr>
-          <p:cNvPr name="Picture 3" id="3"/>
+          <p:cNvPr id="3" name="Picture 3"/>
           <p:cNvPicPr>
-            <a:picLocks noChangeAspect="true"/>
+            <a:picLocks noChangeAspect="1"/>
           </p:cNvPicPr>
           <p:nvPr/>
         </p:nvPicPr>
@@ -4317,13 +4350,13 @@
               </a:ext>
             </a:extLst>
           </a:blip>
-          <a:srcRect l="0" t="0" r="0" b="0"/>
+          <a:srcRect/>
           <a:stretch>
             <a:fillRect/>
           </a:stretch>
         </p:blipFill>
         <p:spPr>
-          <a:xfrm flipH="true" flipV="false" rot="0">
+          <a:xfrm flipH="1">
             <a:off x="1028700" y="2896490"/>
             <a:ext cx="7144038" cy="5806154"/>
           </a:xfrm>
@@ -4334,12 +4367,12 @@
       </p:pic>
       <p:grpSp>
         <p:nvGrpSpPr>
-          <p:cNvPr name="Group 4" id="4"/>
+          <p:cNvPr id="4" name="Group 4"/>
           <p:cNvGrpSpPr/>
           <p:nvPr/>
         </p:nvGrpSpPr>
         <p:grpSpPr>
-          <a:xfrm rot="0">
+          <a:xfrm>
             <a:off x="9922527" y="9030519"/>
             <a:ext cx="915398" cy="915398"/>
             <a:chOff x="0" y="0"/>
@@ -4348,7 +4381,7 @@
         </p:grpSpPr>
         <p:sp>
           <p:nvSpPr>
-            <p:cNvPr name="Freeform 5" id="5"/>
+            <p:cNvPr id="5" name="Freeform 5"/>
             <p:cNvSpPr/>
             <p:nvPr/>
           </p:nvSpPr>
@@ -4362,9 +4395,9 @@
               <a:gdLst/>
               <a:ahLst/>
               <a:cxnLst/>
-              <a:rect r="r" b="b" t="t" l="l"/>
+              <a:rect l="l" t="t" r="r" b="b"/>
               <a:pathLst>
-                <a:path h="6350000" w="6321665">
+                <a:path w="6321665" h="6350000">
                   <a:moveTo>
                     <a:pt x="3160833" y="0"/>
                   </a:moveTo>
@@ -4403,14 +4436,14 @@
       </p:grpSp>
       <p:pic>
         <p:nvPicPr>
-          <p:cNvPr name="Picture 6" id="6"/>
+          <p:cNvPr id="6" name="Picture 6"/>
           <p:cNvPicPr>
-            <a:picLocks noChangeAspect="true"/>
+            <a:picLocks noChangeAspect="1"/>
           </p:cNvPicPr>
           <p:nvPr/>
         </p:nvPicPr>
         <p:blipFill>
-          <a:blip r:embed="rId4">
+          <a:blip r:embed="rId4" cstate="print">
             <a:extLst>
               <a:ext uri="{28A0092B-C50C-407E-A947-70E740481C1C}">
                 <a14:useLocalDpi xmlns:a14="http://schemas.microsoft.com/office/drawing/2010/main" val="0"/>
@@ -4420,13 +4453,13 @@
               </a:ext>
             </a:extLst>
           </a:blip>
-          <a:srcRect l="0" t="0" r="0" b="0"/>
+          <a:srcRect/>
           <a:stretch>
             <a:fillRect/>
           </a:stretch>
         </p:blipFill>
         <p:spPr>
-          <a:xfrm flipH="false" flipV="false" rot="0">
+          <a:xfrm>
             <a:off x="10106261" y="9291746"/>
             <a:ext cx="547931" cy="392945"/>
           </a:xfrm>
@@ -4437,9 +4470,9 @@
       </p:pic>
       <p:pic>
         <p:nvPicPr>
-          <p:cNvPr name="Picture 7" id="7"/>
+          <p:cNvPr id="7" name="Picture 7"/>
           <p:cNvPicPr>
-            <a:picLocks noChangeAspect="true"/>
+            <a:picLocks noChangeAspect="1"/>
           </p:cNvPicPr>
           <p:nvPr/>
         </p:nvPicPr>
@@ -4454,13 +4487,13 @@
               </a:ext>
             </a:extLst>
           </a:blip>
-          <a:srcRect l="0" t="0" r="0" b="0"/>
+          <a:srcRect/>
           <a:stretch>
             <a:fillRect/>
           </a:stretch>
         </p:blipFill>
         <p:spPr>
-          <a:xfrm flipH="false" flipV="false" rot="0">
+          <a:xfrm>
             <a:off x="10625407" y="7773407"/>
             <a:ext cx="425036" cy="300617"/>
           </a:xfrm>
@@ -4471,21 +4504,21 @@
       </p:pic>
       <p:pic>
         <p:nvPicPr>
-          <p:cNvPr name="Picture 8" id="8"/>
+          <p:cNvPr id="8" name="Picture 8"/>
           <p:cNvPicPr>
-            <a:picLocks noChangeAspect="true"/>
+            <a:picLocks noChangeAspect="1"/>
           </p:cNvPicPr>
           <p:nvPr/>
         </p:nvPicPr>
         <p:blipFill>
           <a:blip r:embed="rId8"/>
-          <a:srcRect l="0" t="0" r="0" b="0"/>
+          <a:srcRect/>
           <a:stretch>
             <a:fillRect/>
           </a:stretch>
         </p:blipFill>
         <p:spPr>
-          <a:xfrm flipH="false" flipV="false" rot="0">
+          <a:xfrm>
             <a:off x="10304657" y="3750028"/>
             <a:ext cx="2670877" cy="2295590"/>
           </a:xfrm>
@@ -4496,21 +4529,21 @@
       </p:pic>
       <p:pic>
         <p:nvPicPr>
-          <p:cNvPr name="Picture 9" id="9"/>
+          <p:cNvPr id="9" name="Picture 9"/>
           <p:cNvPicPr>
-            <a:picLocks noChangeAspect="true"/>
+            <a:picLocks noChangeAspect="1"/>
           </p:cNvPicPr>
           <p:nvPr/>
         </p:nvPicPr>
         <p:blipFill>
           <a:blip r:embed="rId9"/>
-          <a:srcRect l="0" t="0" r="0" b="0"/>
+          <a:srcRect/>
           <a:stretch>
             <a:fillRect/>
           </a:stretch>
         </p:blipFill>
         <p:spPr>
-          <a:xfrm flipH="false" flipV="false" rot="0">
+          <a:xfrm>
             <a:off x="14014613" y="3439926"/>
             <a:ext cx="2855329" cy="2915795"/>
           </a:xfrm>
@@ -4521,21 +4554,21 @@
       </p:pic>
       <p:pic>
         <p:nvPicPr>
-          <p:cNvPr name="Picture 10" id="10"/>
+          <p:cNvPr id="10" name="Picture 10"/>
           <p:cNvPicPr>
-            <a:picLocks noChangeAspect="true"/>
+            <a:picLocks noChangeAspect="1"/>
           </p:cNvPicPr>
           <p:nvPr/>
         </p:nvPicPr>
         <p:blipFill>
           <a:blip r:embed="rId10"/>
-          <a:srcRect l="0" t="0" r="0" b="0"/>
+          <a:srcRect/>
           <a:stretch>
             <a:fillRect/>
           </a:stretch>
         </p:blipFill>
         <p:spPr>
-          <a:xfrm flipH="false" flipV="false" rot="0">
+          <a:xfrm>
             <a:off x="12403159" y="6045618"/>
             <a:ext cx="2719620" cy="937401"/>
           </a:xfrm>
@@ -4546,13 +4579,13 @@
       </p:pic>
       <p:sp>
         <p:nvSpPr>
-          <p:cNvPr name="TextBox 11" id="11"/>
-          <p:cNvSpPr txBox="true"/>
-          <p:nvPr/>
-        </p:nvSpPr>
-        <p:spPr>
-          <a:xfrm rot="0">
-            <a:off x="10992686" y="1649350"/>
+          <p:cNvPr id="11" name="TextBox 11"/>
+          <p:cNvSpPr txBox="1"/>
+          <p:nvPr/>
+        </p:nvSpPr>
+        <p:spPr>
+          <a:xfrm>
+            <a:off x="11128480" y="2854456"/>
             <a:ext cx="6879074" cy="1247140"/>
           </a:xfrm>
           <a:prstGeom prst="rect">
@@ -4560,7 +4593,7 @@
           </a:prstGeom>
         </p:spPr>
         <p:txBody>
-          <a:bodyPr anchor="t" rtlCol="false" tIns="0" lIns="0" bIns="0" rIns="0">
+          <a:bodyPr lIns="0" tIns="0" rIns="0" bIns="0" rtlCol="0" anchor="t">
             <a:spAutoFit/>
           </a:bodyPr>
           <a:lstStyle/>
@@ -4584,12 +4617,12 @@
       </p:sp>
       <p:sp>
         <p:nvSpPr>
-          <p:cNvPr name="TextBox 12" id="12"/>
-          <p:cNvSpPr txBox="true"/>
-          <p:nvPr/>
-        </p:nvSpPr>
-        <p:spPr>
-          <a:xfrm rot="0">
+          <p:cNvPr id="12" name="TextBox 12"/>
+          <p:cNvSpPr txBox="1"/>
+          <p:nvPr/>
+        </p:nvSpPr>
+        <p:spPr>
+          <a:xfrm>
             <a:off x="10992686" y="9234596"/>
             <a:ext cx="6208857" cy="540571"/>
           </a:xfrm>
@@ -4598,7 +4631,7 @@
           </a:prstGeom>
         </p:spPr>
         <p:txBody>
-          <a:bodyPr anchor="t" rtlCol="false" tIns="0" lIns="0" bIns="0" rIns="0">
+          <a:bodyPr lIns="0" tIns="0" rIns="0" bIns="0" rtlCol="0" anchor="t">
             <a:spAutoFit/>
           </a:bodyPr>
           <a:lstStyle/>
@@ -4612,7 +4645,7 @@
               </a:spcBef>
             </a:pPr>
             <a:r>
-              <a:rPr lang="en-US" sz="3199">
+              <a:rPr lang="en-US" sz="3199" dirty="0">
                 <a:solidFill>
                   <a:srgbClr val="243762"/>
                 </a:solidFill>
@@ -4621,13 +4654,278 @@
               <a:t>procrastinator</a:t>
             </a:r>
             <a:r>
-              <a:rPr lang="en-US" sz="3200">
+              <a:rPr lang="en-US" sz="3200" dirty="0">
                 <a:solidFill>
                   <a:srgbClr val="243762"/>
                 </a:solidFill>
                 <a:latin typeface="Nunito"/>
               </a:rPr>
               <a:t>@fasttech.com.br</a:t>
+            </a:r>
+          </a:p>
+        </p:txBody>
+      </p:sp>
+      <p:sp>
+        <p:nvSpPr>
+          <p:cNvPr id="15" name="TextBox 15"/>
+          <p:cNvSpPr txBox="1"/>
+          <p:nvPr/>
+        </p:nvSpPr>
+        <p:spPr>
+          <a:xfrm>
+            <a:off x="15106427" y="1346290"/>
+            <a:ext cx="2597624" cy="167878"/>
+          </a:xfrm>
+          <a:prstGeom prst="rect">
+            <a:avLst/>
+          </a:prstGeom>
+        </p:spPr>
+        <p:txBody>
+          <a:bodyPr lIns="0" tIns="0" rIns="0" bIns="0" rtlCol="0" anchor="t">
+            <a:spAutoFit/>
+          </a:bodyPr>
+          <a:lstStyle/>
+          <a:p>
+            <a:pPr>
+              <a:lnSpc>
+                <a:spcPts val="1439"/>
+              </a:lnSpc>
+            </a:pPr>
+            <a:endParaRPr/>
+          </a:p>
+        </p:txBody>
+      </p:sp>
+      <p:sp>
+        <p:nvSpPr>
+          <p:cNvPr id="17" name="TextBox 6">
+            <a:extLst>
+              <a:ext uri="{FF2B5EF4-FFF2-40B4-BE49-F238E27FC236}">
+                <a16:creationId xmlns:a16="http://schemas.microsoft.com/office/drawing/2014/main" id="{C92C4D1A-5396-4CF3-8BC0-96FBDA0135E8}"/>
+              </a:ext>
+            </a:extLst>
+          </p:cNvPr>
+          <p:cNvSpPr txBox="1"/>
+          <p:nvPr/>
+        </p:nvSpPr>
+        <p:spPr>
+          <a:xfrm>
+            <a:off x="15106427" y="592260"/>
+            <a:ext cx="2597624" cy="623026"/>
+          </a:xfrm>
+          <a:prstGeom prst="rect">
+            <a:avLst/>
+          </a:prstGeom>
+        </p:spPr>
+        <p:txBody>
+          <a:bodyPr lIns="0" tIns="0" rIns="0" bIns="0" rtlCol="0" anchor="t">
+            <a:spAutoFit/>
+          </a:bodyPr>
+          <a:lstStyle/>
+          <a:p>
+            <a:pPr>
+              <a:lnSpc>
+                <a:spcPts val="4737"/>
+              </a:lnSpc>
+            </a:pPr>
+            <a:r>
+              <a:rPr lang="en-US" sz="4307" spc="-43" dirty="0">
+                <a:solidFill>
+                  <a:srgbClr val="5879FA"/>
+                </a:solidFill>
+                <a:latin typeface="Nunito Bold"/>
+              </a:rPr>
+              <a:t>FastTech</a:t>
+            </a:r>
+          </a:p>
+        </p:txBody>
+      </p:sp>
+      <p:pic>
+        <p:nvPicPr>
+          <p:cNvPr id="18" name="Picture 3">
+            <a:extLst>
+              <a:ext uri="{FF2B5EF4-FFF2-40B4-BE49-F238E27FC236}">
+                <a16:creationId xmlns:a16="http://schemas.microsoft.com/office/drawing/2014/main" id="{E5E1EF7A-89FF-418B-8D26-D81A48801E7C}"/>
+              </a:ext>
+            </a:extLst>
+          </p:cNvPr>
+          <p:cNvPicPr>
+            <a:picLocks noChangeAspect="1"/>
+          </p:cNvPicPr>
+          <p:nvPr/>
+        </p:nvPicPr>
+        <p:blipFill>
+          <a:blip r:embed="rId11"/>
+          <a:srcRect/>
+          <a:stretch>
+            <a:fillRect/>
+          </a:stretch>
+        </p:blipFill>
+        <p:spPr>
+          <a:xfrm>
+            <a:off x="14115047" y="304413"/>
+            <a:ext cx="825172" cy="821093"/>
+          </a:xfrm>
+          <a:prstGeom prst="rect">
+            <a:avLst/>
+          </a:prstGeom>
+        </p:spPr>
+      </p:pic>
+    </p:spTree>
+  </p:cSld>
+  <p:clrMapOvr>
+    <a:masterClrMapping/>
+  </p:clrMapOvr>
+  <p:transition spd="slow">
+    <p:randomBar dir="vert"/>
+  </p:transition>
+</p:sld>
+</file>
+
+<file path=ppt/slides/slide13.xml><?xml version="1.0" encoding="utf-8"?>
+<p:sld xmlns:a="http://schemas.openxmlformats.org/drawingml/2006/main" xmlns:r="http://schemas.openxmlformats.org/officeDocument/2006/relationships" xmlns:p="http://schemas.openxmlformats.org/presentationml/2006/main">
+  <p:cSld>
+    <p:spTree>
+      <p:nvGrpSpPr>
+        <p:cNvPr id="1" name=""/>
+        <p:cNvGrpSpPr/>
+        <p:nvPr/>
+      </p:nvGrpSpPr>
+      <p:grpSpPr>
+        <a:xfrm>
+          <a:off x="0" y="0"/>
+          <a:ext cx="0" cy="0"/>
+          <a:chOff x="0" y="0"/>
+          <a:chExt cx="0" cy="0"/>
+        </a:xfrm>
+      </p:grpSpPr>
+      <p:sp>
+        <p:nvSpPr>
+          <p:cNvPr id="2" name="TextBox 2"/>
+          <p:cNvSpPr txBox="1"/>
+          <p:nvPr/>
+        </p:nvSpPr>
+        <p:spPr>
+          <a:xfrm>
+            <a:off x="3962833" y="952500"/>
+            <a:ext cx="10362334" cy="1455420"/>
+          </a:xfrm>
+          <a:prstGeom prst="rect">
+            <a:avLst/>
+          </a:prstGeom>
+        </p:spPr>
+        <p:txBody>
+          <a:bodyPr lIns="0" tIns="0" rIns="0" bIns="0" rtlCol="0" anchor="t">
+            <a:spAutoFit/>
+          </a:bodyPr>
+          <a:lstStyle/>
+          <a:p>
+            <a:pPr algn="ctr">
+              <a:lnSpc>
+                <a:spcPts val="5880"/>
+              </a:lnSpc>
+            </a:pPr>
+            <a:r>
+              <a:rPr lang="en-US" sz="4200">
+                <a:solidFill>
+                  <a:srgbClr val="000000"/>
+                </a:solidFill>
+                <a:latin typeface="Open Sans Extra Bold"/>
+              </a:rPr>
+              <a:t>Tópicos que não estão mas na apresentação irão ser  falados</a:t>
+            </a:r>
+          </a:p>
+        </p:txBody>
+      </p:sp>
+      <p:sp>
+        <p:nvSpPr>
+          <p:cNvPr id="3" name="TextBox 3"/>
+          <p:cNvSpPr txBox="1"/>
+          <p:nvPr/>
+        </p:nvSpPr>
+        <p:spPr>
+          <a:xfrm>
+            <a:off x="1352054" y="3708342"/>
+            <a:ext cx="15156459" cy="2515235"/>
+          </a:xfrm>
+          <a:prstGeom prst="rect">
+            <a:avLst/>
+          </a:prstGeom>
+        </p:spPr>
+        <p:txBody>
+          <a:bodyPr lIns="0" tIns="0" rIns="0" bIns="0" rtlCol="0" anchor="t">
+            <a:spAutoFit/>
+          </a:bodyPr>
+          <a:lstStyle/>
+          <a:p>
+            <a:pPr marL="777240" lvl="1" indent="-388620" algn="ctr">
+              <a:lnSpc>
+                <a:spcPts val="5040"/>
+              </a:lnSpc>
+              <a:buFont typeface="Arial"/>
+              <a:buChar char="•"/>
+            </a:pPr>
+            <a:r>
+              <a:rPr lang="en-US" sz="3600">
+                <a:solidFill>
+                  <a:srgbClr val="000000"/>
+                </a:solidFill>
+                <a:latin typeface="Open Sans"/>
+              </a:rPr>
+              <a:t>Jar Inicial – Console conectado no Banco</a:t>
+            </a:r>
+          </a:p>
+          <a:p>
+            <a:pPr marL="777240" lvl="1" indent="-388620" algn="ctr">
+              <a:lnSpc>
+                <a:spcPts val="5040"/>
+              </a:lnSpc>
+              <a:buFont typeface="Arial"/>
+              <a:buChar char="•"/>
+            </a:pPr>
+            <a:r>
+              <a:rPr lang="en-US" sz="3600">
+                <a:solidFill>
+                  <a:srgbClr val="000000"/>
+                </a:solidFill>
+                <a:latin typeface="Open Sans"/>
+              </a:rPr>
+              <a:t>USO da API: Listar Processos, CPU, Memória, Disco</a:t>
+            </a:r>
+          </a:p>
+          <a:p>
+            <a:pPr marL="777240" lvl="1" indent="-388620" algn="ctr">
+              <a:lnSpc>
+                <a:spcPts val="5040"/>
+              </a:lnSpc>
+              <a:buFont typeface="Arial"/>
+              <a:buChar char="•"/>
+            </a:pPr>
+            <a:r>
+              <a:rPr lang="en-US" sz="3600">
+                <a:solidFill>
+                  <a:srgbClr val="000000"/>
+                </a:solidFill>
+                <a:latin typeface="Open Sans"/>
+              </a:rPr>
+              <a:t>USO da API : Listar Info Hardware</a:t>
+            </a:r>
+          </a:p>
+          <a:p>
+            <a:pPr marL="777240" lvl="1" indent="-388620" algn="ctr">
+              <a:lnSpc>
+                <a:spcPts val="5040"/>
+              </a:lnSpc>
+              <a:buFont typeface="Arial"/>
+              <a:buChar char="•"/>
+            </a:pPr>
+            <a:r>
+              <a:rPr lang="en-US" sz="3600">
+                <a:solidFill>
+                  <a:srgbClr val="000000"/>
+                </a:solidFill>
+                <a:latin typeface="Open Sans"/>
+              </a:rPr>
+              <a:t>JAR inicial rodando em Cliente Linux em VM: Sistemas Op - DESAFIO</a:t>
             </a:r>
           </a:p>
         </p:txBody>
@@ -4641,7 +4939,7 @@
 </file>
 
 <file path=ppt/slides/slide2.xml><?xml version="1.0" encoding="utf-8"?>
-<p:sld xmlns:p="http://schemas.openxmlformats.org/presentationml/2006/main" xmlns:a="http://schemas.openxmlformats.org/drawingml/2006/main" xmlns:r="http://schemas.openxmlformats.org/officeDocument/2006/relationships">
+<p:sld xmlns:a="http://schemas.openxmlformats.org/drawingml/2006/main" xmlns:r="http://schemas.openxmlformats.org/officeDocument/2006/relationships" xmlns:p="http://schemas.openxmlformats.org/presentationml/2006/main">
   <p:cSld>
     <p:spTree>
       <p:nvGrpSpPr>
@@ -4659,21 +4957,21 @@
       </p:grpSpPr>
       <p:pic>
         <p:nvPicPr>
-          <p:cNvPr name="Picture 2" id="2"/>
+          <p:cNvPr id="2" name="Picture 2"/>
           <p:cNvPicPr>
-            <a:picLocks noChangeAspect="true"/>
+            <a:picLocks noChangeAspect="1"/>
           </p:cNvPicPr>
           <p:nvPr/>
         </p:nvPicPr>
         <p:blipFill>
           <a:blip r:embed="rId2"/>
-          <a:srcRect l="0" t="0" r="0" b="0"/>
+          <a:srcRect/>
           <a:stretch>
             <a:fillRect/>
           </a:stretch>
         </p:blipFill>
         <p:spPr>
-          <a:xfrm flipH="false" flipV="false" rot="0">
+          <a:xfrm>
             <a:off x="3008008" y="2476838"/>
             <a:ext cx="2872421" cy="2915508"/>
           </a:xfrm>
@@ -4684,21 +4982,21 @@
       </p:pic>
       <p:pic>
         <p:nvPicPr>
-          <p:cNvPr name="Picture 3" id="3"/>
+          <p:cNvPr id="3" name="Picture 3"/>
           <p:cNvPicPr>
-            <a:picLocks noChangeAspect="true"/>
+            <a:picLocks noChangeAspect="1"/>
           </p:cNvPicPr>
           <p:nvPr/>
         </p:nvPicPr>
         <p:blipFill>
           <a:blip r:embed="rId3"/>
-          <a:srcRect l="0" t="0" r="0" b="0"/>
+          <a:srcRect/>
           <a:stretch>
             <a:fillRect/>
           </a:stretch>
         </p:blipFill>
         <p:spPr>
-          <a:xfrm flipH="false" flipV="false" rot="0">
+          <a:xfrm>
             <a:off x="7893531" y="2673688"/>
             <a:ext cx="2785517" cy="2915508"/>
           </a:xfrm>
@@ -4709,21 +5007,21 @@
       </p:pic>
       <p:pic>
         <p:nvPicPr>
-          <p:cNvPr name="Picture 4" id="4"/>
+          <p:cNvPr id="4" name="Picture 4"/>
           <p:cNvPicPr>
-            <a:picLocks noChangeAspect="true"/>
+            <a:picLocks noChangeAspect="1"/>
           </p:cNvPicPr>
           <p:nvPr/>
         </p:nvPicPr>
         <p:blipFill>
           <a:blip r:embed="rId4"/>
-          <a:srcRect l="0" t="0" r="0" b="0"/>
+          <a:srcRect/>
           <a:stretch>
             <a:fillRect/>
           </a:stretch>
         </p:blipFill>
         <p:spPr>
-          <a:xfrm flipH="false" flipV="false" rot="0">
+          <a:xfrm>
             <a:off x="12509222" y="2673688"/>
             <a:ext cx="3036109" cy="3137313"/>
           </a:xfrm>
@@ -4734,21 +5032,21 @@
       </p:pic>
       <p:pic>
         <p:nvPicPr>
-          <p:cNvPr name="Picture 5" id="5"/>
+          <p:cNvPr id="5" name="Picture 5"/>
           <p:cNvPicPr>
-            <a:picLocks noChangeAspect="true"/>
+            <a:picLocks noChangeAspect="1"/>
           </p:cNvPicPr>
           <p:nvPr/>
         </p:nvPicPr>
         <p:blipFill>
           <a:blip r:embed="rId5"/>
-          <a:srcRect l="0" t="0" r="0" b="0"/>
+          <a:srcRect/>
           <a:stretch>
             <a:fillRect/>
           </a:stretch>
         </p:blipFill>
         <p:spPr>
-          <a:xfrm flipH="false" flipV="false" rot="0">
+          <a:xfrm>
             <a:off x="3008008" y="6467775"/>
             <a:ext cx="3039356" cy="2986167"/>
           </a:xfrm>
@@ -4759,21 +5057,21 @@
       </p:pic>
       <p:pic>
         <p:nvPicPr>
-          <p:cNvPr name="Picture 6" id="6"/>
+          <p:cNvPr id="6" name="Picture 6"/>
           <p:cNvPicPr>
-            <a:picLocks noChangeAspect="true"/>
+            <a:picLocks noChangeAspect="1"/>
           </p:cNvPicPr>
           <p:nvPr/>
         </p:nvPicPr>
         <p:blipFill>
           <a:blip r:embed="rId6"/>
-          <a:srcRect l="0" t="3156" r="0" b="0"/>
+          <a:srcRect t="3156"/>
           <a:stretch>
             <a:fillRect/>
           </a:stretch>
         </p:blipFill>
         <p:spPr>
-          <a:xfrm flipH="false" flipV="false" rot="0">
+          <a:xfrm>
             <a:off x="7598891" y="6467775"/>
             <a:ext cx="3090218" cy="2765722"/>
           </a:xfrm>
@@ -4784,21 +5082,21 @@
       </p:pic>
       <p:pic>
         <p:nvPicPr>
-          <p:cNvPr name="Picture 7" id="7"/>
+          <p:cNvPr id="7" name="Picture 7"/>
           <p:cNvPicPr>
-            <a:picLocks noChangeAspect="true"/>
+            <a:picLocks noChangeAspect="1"/>
           </p:cNvPicPr>
           <p:nvPr/>
         </p:nvPicPr>
         <p:blipFill>
           <a:blip r:embed="rId7"/>
-          <a:srcRect l="0" t="0" r="0" b="0"/>
+          <a:srcRect/>
           <a:stretch>
             <a:fillRect/>
           </a:stretch>
         </p:blipFill>
         <p:spPr>
-          <a:xfrm flipH="false" flipV="false" rot="0">
+          <a:xfrm>
             <a:off x="12450617" y="6332937"/>
             <a:ext cx="3094714" cy="3035399"/>
           </a:xfrm>
@@ -4809,13 +5107,13 @@
       </p:pic>
       <p:sp>
         <p:nvSpPr>
-          <p:cNvPr name="TextBox 8" id="8"/>
-          <p:cNvSpPr txBox="true"/>
-          <p:nvPr/>
-        </p:nvSpPr>
-        <p:spPr>
-          <a:xfrm rot="0">
-            <a:off x="1028700" y="1133782"/>
+          <p:cNvPr id="8" name="TextBox 8"/>
+          <p:cNvSpPr txBox="1"/>
+          <p:nvPr/>
+        </p:nvSpPr>
+        <p:spPr>
+          <a:xfrm>
+            <a:off x="1066800" y="540742"/>
             <a:ext cx="7446914" cy="1025522"/>
           </a:xfrm>
           <a:prstGeom prst="rect">
@@ -4823,7 +5121,7 @@
           </a:prstGeom>
         </p:spPr>
         <p:txBody>
-          <a:bodyPr anchor="t" rtlCol="false" tIns="0" lIns="0" bIns="0" rIns="0">
+          <a:bodyPr lIns="0" tIns="0" rIns="0" bIns="0" rtlCol="0" anchor="t">
             <a:spAutoFit/>
           </a:bodyPr>
           <a:lstStyle/>
@@ -4834,25 +5132,49 @@
               </a:lnSpc>
             </a:pPr>
             <a:r>
-              <a:rPr lang="en-US" sz="7249" spc="-72">
+              <a:rPr lang="en-US" sz="7249" spc="-72" dirty="0" err="1">
                 <a:solidFill>
                   <a:srgbClr val="5879FA"/>
                 </a:solidFill>
                 <a:latin typeface="Nunito Bold"/>
               </a:rPr>
-              <a:t>Conheça a Equipe</a:t>
-            </a:r>
-          </a:p>
-        </p:txBody>
-      </p:sp>
-      <p:sp>
-        <p:nvSpPr>
-          <p:cNvPr name="TextBox 9" id="9"/>
-          <p:cNvSpPr txBox="true"/>
-          <p:nvPr/>
-        </p:nvSpPr>
-        <p:spPr>
-          <a:xfrm rot="0">
+              <a:t>Conheça</a:t>
+            </a:r>
+            <a:r>
+              <a:rPr lang="en-US" sz="7249" spc="-72" dirty="0">
+                <a:solidFill>
+                  <a:srgbClr val="5879FA"/>
+                </a:solidFill>
+                <a:latin typeface="Nunito Bold"/>
+              </a:rPr>
+              <a:t> a </a:t>
+            </a:r>
+            <a:r>
+              <a:rPr lang="en-US" sz="7249" spc="-72" dirty="0" err="1">
+                <a:solidFill>
+                  <a:srgbClr val="5879FA"/>
+                </a:solidFill>
+                <a:latin typeface="Nunito Bold"/>
+              </a:rPr>
+              <a:t>Equipe</a:t>
+            </a:r>
+            <a:endParaRPr lang="en-US" sz="7249" spc="-72" dirty="0">
+              <a:solidFill>
+                <a:srgbClr val="5879FA"/>
+              </a:solidFill>
+              <a:latin typeface="Nunito Bold"/>
+            </a:endParaRPr>
+          </a:p>
+        </p:txBody>
+      </p:sp>
+      <p:sp>
+        <p:nvSpPr>
+          <p:cNvPr id="9" name="TextBox 9"/>
+          <p:cNvSpPr txBox="1"/>
+          <p:nvPr/>
+        </p:nvSpPr>
+        <p:spPr>
+          <a:xfrm>
             <a:off x="3008008" y="5604626"/>
             <a:ext cx="3189089" cy="403225"/>
           </a:xfrm>
@@ -4861,7 +5183,7 @@
           </a:prstGeom>
         </p:spPr>
         <p:txBody>
-          <a:bodyPr anchor="t" rtlCol="false" tIns="0" lIns="0" bIns="0" rIns="0">
+          <a:bodyPr lIns="0" tIns="0" rIns="0" bIns="0" rtlCol="0" anchor="t">
             <a:spAutoFit/>
           </a:bodyPr>
           <a:lstStyle/>
@@ -4888,12 +5210,12 @@
       </p:sp>
       <p:sp>
         <p:nvSpPr>
-          <p:cNvPr name="TextBox 10" id="10"/>
-          <p:cNvSpPr txBox="true"/>
-          <p:nvPr/>
-        </p:nvSpPr>
-        <p:spPr>
-          <a:xfrm rot="0">
+          <p:cNvPr id="10" name="TextBox 10"/>
+          <p:cNvSpPr txBox="1"/>
+          <p:nvPr/>
+        </p:nvSpPr>
+        <p:spPr>
+          <a:xfrm>
             <a:off x="8227467" y="5604626"/>
             <a:ext cx="1833066" cy="403225"/>
           </a:xfrm>
@@ -4902,7 +5224,7 @@
           </a:prstGeom>
         </p:spPr>
         <p:txBody>
-          <a:bodyPr anchor="t" rtlCol="false" tIns="0" lIns="0" bIns="0" rIns="0">
+          <a:bodyPr lIns="0" tIns="0" rIns="0" bIns="0" rtlCol="0" anchor="t">
             <a:spAutoFit/>
           </a:bodyPr>
           <a:lstStyle/>
@@ -4929,12 +5251,12 @@
       </p:sp>
       <p:sp>
         <p:nvSpPr>
-          <p:cNvPr name="TextBox 11" id="11"/>
-          <p:cNvSpPr txBox="true"/>
-          <p:nvPr/>
-        </p:nvSpPr>
-        <p:spPr>
-          <a:xfrm rot="0">
+          <p:cNvPr id="11" name="TextBox 11"/>
+          <p:cNvSpPr txBox="1"/>
+          <p:nvPr/>
+        </p:nvSpPr>
+        <p:spPr>
+          <a:xfrm>
             <a:off x="13082166" y="5604626"/>
             <a:ext cx="2024261" cy="403225"/>
           </a:xfrm>
@@ -4943,7 +5265,7 @@
           </a:prstGeom>
         </p:spPr>
         <p:txBody>
-          <a:bodyPr anchor="t" rtlCol="false" tIns="0" lIns="0" bIns="0" rIns="0">
+          <a:bodyPr lIns="0" tIns="0" rIns="0" bIns="0" rtlCol="0" anchor="t">
             <a:spAutoFit/>
           </a:bodyPr>
           <a:lstStyle/>
@@ -4970,12 +5292,12 @@
       </p:sp>
       <p:sp>
         <p:nvSpPr>
-          <p:cNvPr name="TextBox 12" id="12"/>
-          <p:cNvSpPr txBox="true"/>
-          <p:nvPr/>
-        </p:nvSpPr>
-        <p:spPr>
-          <a:xfrm rot="0">
+          <p:cNvPr id="12" name="TextBox 12"/>
+          <p:cNvSpPr txBox="1"/>
+          <p:nvPr/>
+        </p:nvSpPr>
+        <p:spPr>
+          <a:xfrm>
             <a:off x="3233334" y="9444418"/>
             <a:ext cx="2738438" cy="403225"/>
           </a:xfrm>
@@ -4984,7 +5306,7 @@
           </a:prstGeom>
         </p:spPr>
         <p:txBody>
-          <a:bodyPr anchor="t" rtlCol="false" tIns="0" lIns="0" bIns="0" rIns="0">
+          <a:bodyPr lIns="0" tIns="0" rIns="0" bIns="0" rtlCol="0" anchor="t">
             <a:spAutoFit/>
           </a:bodyPr>
           <a:lstStyle/>
@@ -5011,12 +5333,12 @@
       </p:sp>
       <p:sp>
         <p:nvSpPr>
-          <p:cNvPr name="TextBox 13" id="13"/>
-          <p:cNvSpPr txBox="true"/>
-          <p:nvPr/>
-        </p:nvSpPr>
-        <p:spPr>
-          <a:xfrm rot="0">
+          <p:cNvPr id="13" name="TextBox 13"/>
+          <p:cNvSpPr txBox="1"/>
+          <p:nvPr/>
+        </p:nvSpPr>
+        <p:spPr>
+          <a:xfrm>
             <a:off x="8052497" y="9444418"/>
             <a:ext cx="2337296" cy="403225"/>
           </a:xfrm>
@@ -5025,7 +5347,7 @@
           </a:prstGeom>
         </p:spPr>
         <p:txBody>
-          <a:bodyPr anchor="t" rtlCol="false" tIns="0" lIns="0" bIns="0" rIns="0">
+          <a:bodyPr lIns="0" tIns="0" rIns="0" bIns="0" rtlCol="0" anchor="t">
             <a:spAutoFit/>
           </a:bodyPr>
           <a:lstStyle/>
@@ -5052,12 +5374,12 @@
       </p:sp>
       <p:sp>
         <p:nvSpPr>
-          <p:cNvPr name="TextBox 14" id="14"/>
-          <p:cNvSpPr txBox="true"/>
-          <p:nvPr/>
-        </p:nvSpPr>
-        <p:spPr>
-          <a:xfrm rot="0">
+          <p:cNvPr id="14" name="TextBox 14"/>
+          <p:cNvSpPr txBox="1"/>
+          <p:nvPr/>
+        </p:nvSpPr>
+        <p:spPr>
+          <a:xfrm>
             <a:off x="12695272" y="9444418"/>
             <a:ext cx="2850059" cy="403225"/>
           </a:xfrm>
@@ -5066,7 +5388,7 @@
           </a:prstGeom>
         </p:spPr>
         <p:txBody>
-          <a:bodyPr anchor="t" rtlCol="false" tIns="0" lIns="0" bIns="0" rIns="0">
+          <a:bodyPr lIns="0" tIns="0" rIns="0" bIns="0" rtlCol="0" anchor="t">
             <a:spAutoFit/>
           </a:bodyPr>
           <a:lstStyle/>
@@ -5091,16 +5413,136 @@
           </a:p>
         </p:txBody>
       </p:sp>
+      <p:grpSp>
+        <p:nvGrpSpPr>
+          <p:cNvPr id="15" name="Group 15"/>
+          <p:cNvGrpSpPr/>
+          <p:nvPr/>
+        </p:nvGrpSpPr>
+        <p:grpSpPr>
+          <a:xfrm>
+            <a:off x="15011400" y="525581"/>
+            <a:ext cx="2692651" cy="988588"/>
+            <a:chOff x="-126703" y="-17683"/>
+            <a:chExt cx="3590202" cy="1318118"/>
+          </a:xfrm>
+        </p:grpSpPr>
+        <p:sp>
+          <p:nvSpPr>
+            <p:cNvPr id="16" name="TextBox 16"/>
+            <p:cNvSpPr txBox="1"/>
+            <p:nvPr/>
+          </p:nvSpPr>
+          <p:spPr>
+            <a:xfrm>
+              <a:off x="-126703" y="-17683"/>
+              <a:ext cx="3463499" cy="887422"/>
+            </a:xfrm>
+            <a:prstGeom prst="rect">
+              <a:avLst/>
+            </a:prstGeom>
+          </p:spPr>
+          <p:txBody>
+            <a:bodyPr lIns="0" tIns="0" rIns="0" bIns="0" rtlCol="0" anchor="t">
+              <a:spAutoFit/>
+            </a:bodyPr>
+            <a:lstStyle/>
+            <a:p>
+              <a:pPr>
+                <a:lnSpc>
+                  <a:spcPts val="5067"/>
+                </a:lnSpc>
+              </a:pPr>
+              <a:r>
+                <a:rPr lang="en-US" sz="4607" spc="-46" dirty="0">
+                  <a:solidFill>
+                    <a:srgbClr val="5879FA"/>
+                  </a:solidFill>
+                  <a:latin typeface="Nunito Bold"/>
+                </a:rPr>
+                <a:t>FastTech</a:t>
+              </a:r>
+            </a:p>
+          </p:txBody>
+        </p:sp>
+        <p:sp>
+          <p:nvSpPr>
+            <p:cNvPr id="17" name="TextBox 17"/>
+            <p:cNvSpPr txBox="1"/>
+            <p:nvPr/>
+          </p:nvSpPr>
+          <p:spPr>
+            <a:xfrm>
+              <a:off x="0" y="1076597"/>
+              <a:ext cx="3463499" cy="223838"/>
+            </a:xfrm>
+            <a:prstGeom prst="rect">
+              <a:avLst/>
+            </a:prstGeom>
+          </p:spPr>
+          <p:txBody>
+            <a:bodyPr lIns="0" tIns="0" rIns="0" bIns="0" rtlCol="0" anchor="t">
+              <a:spAutoFit/>
+            </a:bodyPr>
+            <a:lstStyle/>
+            <a:p>
+              <a:pPr>
+                <a:lnSpc>
+                  <a:spcPts val="1439"/>
+                </a:lnSpc>
+              </a:pPr>
+              <a:endParaRPr/>
+            </a:p>
+          </p:txBody>
+        </p:sp>
+      </p:grpSp>
+      <p:pic>
+        <p:nvPicPr>
+          <p:cNvPr id="18" name="Picture 18"/>
+          <p:cNvPicPr>
+            <a:picLocks noChangeAspect="1"/>
+          </p:cNvPicPr>
+          <p:nvPr/>
+        </p:nvPicPr>
+        <p:blipFill>
+          <a:blip r:embed="rId8"/>
+          <a:srcRect/>
+          <a:stretch>
+            <a:fillRect/>
+          </a:stretch>
+        </p:blipFill>
+        <p:spPr>
+          <a:xfrm>
+            <a:off x="14094296" y="439357"/>
+            <a:ext cx="755524" cy="751790"/>
+          </a:xfrm>
+          <a:prstGeom prst="rect">
+            <a:avLst/>
+          </a:prstGeom>
+        </p:spPr>
+      </p:pic>
     </p:spTree>
   </p:cSld>
   <p:clrMapOvr>
     <a:masterClrMapping/>
   </p:clrMapOvr>
+  <mc:AlternateContent xmlns:mc="http://schemas.openxmlformats.org/markup-compatibility/2006" xmlns:p14="http://schemas.microsoft.com/office/powerpoint/2010/main">
+    <mc:Choice Requires="p14">
+      <p:transition spd="slow" p14:dur="1500">
+        <p:split orient="vert"/>
+      </p:transition>
+    </mc:Choice>
+    <mc:Fallback xmlns="">
+      <p:transition spd="slow">
+        <p:split orient="vert"/>
+      </p:transition>
+    </mc:Fallback>
+  </mc:AlternateContent>
 </p:sld>
 </file>
 
 <file path=ppt/slides/slide3.xml><?xml version="1.0" encoding="utf-8"?>
-<p:sld xmlns:p="http://schemas.openxmlformats.org/presentationml/2006/main" xmlns:a="http://schemas.openxmlformats.org/drawingml/2006/main" xmlns:r="http://schemas.openxmlformats.org/officeDocument/2006/relationships">
+<p:sld xmlns:a="http://schemas.openxmlformats.org/drawingml/2006/main" xmlns:r="http://schemas.openxmlformats.org/officeDocument/2006/relationships" xmlns:p="http://schemas.openxmlformats.org/presentationml/2006/main">
   <p:cSld>
     <p:spTree>
       <p:nvGrpSpPr>
@@ -5118,391 +5560,233 @@
       </p:grpSpPr>
       <p:sp>
         <p:nvSpPr>
-          <p:cNvPr name="TextBox 2" id="2"/>
-          <p:cNvSpPr txBox="true"/>
-          <p:nvPr/>
-        </p:nvSpPr>
-        <p:spPr>
-          <a:xfrm rot="0">
-            <a:off x="11377259" y="1185623"/>
-            <a:ext cx="5449656" cy="3175635"/>
+          <p:cNvPr id="2" name="TextBox 2"/>
+          <p:cNvSpPr txBox="1"/>
+          <p:nvPr/>
+        </p:nvSpPr>
+        <p:spPr>
+          <a:xfrm>
+            <a:off x="1174177" y="647700"/>
+            <a:ext cx="15939645" cy="804546"/>
           </a:xfrm>
           <a:prstGeom prst="rect">
             <a:avLst/>
           </a:prstGeom>
         </p:spPr>
         <p:txBody>
-          <a:bodyPr anchor="t" rtlCol="false" tIns="0" lIns="0" bIns="0" rIns="0">
+          <a:bodyPr lIns="0" tIns="0" rIns="0" bIns="0" rtlCol="0" anchor="t">
             <a:spAutoFit/>
           </a:bodyPr>
           <a:lstStyle/>
           <a:p>
-            <a:pPr marL="0" indent="0" lvl="0">
+            <a:pPr>
               <a:lnSpc>
-                <a:spcPts val="3600"/>
+                <a:spcPts val="6160"/>
               </a:lnSpc>
             </a:pPr>
             <a:r>
-              <a:rPr lang="en-US" sz="2400">
+              <a:rPr lang="en-US" sz="5600" spc="-56" dirty="0">
                 <a:solidFill>
-                  <a:srgbClr val="243762"/>
+                  <a:srgbClr val="3884FD"/>
                 </a:solidFill>
-                <a:latin typeface="Nunito"/>
+                <a:latin typeface="Nunito Bold"/>
               </a:rPr>
-              <a:t>"AeC, uma das três maiores empresas do ramo no país. A operação, que fechou 2020 com 13.288 novas contratações, um crescimento de 47%, continua recrutando pessoal e acaba de abrir mais 2.200 vagas só no Nordeste."(Veja,23/04/21)</a:t>
-            </a:r>
-          </a:p>
-        </p:txBody>
-      </p:sp>
+              <a:t>Falta de </a:t>
+            </a:r>
+            <a:r>
+              <a:rPr lang="en-US" sz="5600" spc="-56" dirty="0" err="1">
+                <a:solidFill>
+                  <a:srgbClr val="3884FD"/>
+                </a:solidFill>
+                <a:latin typeface="Nunito Bold"/>
+              </a:rPr>
+              <a:t>monitoramento</a:t>
+            </a:r>
+            <a:r>
+              <a:rPr lang="en-US" sz="5600" spc="-56" dirty="0">
+                <a:solidFill>
+                  <a:srgbClr val="3884FD"/>
+                </a:solidFill>
+                <a:latin typeface="Nunito Bold"/>
+              </a:rPr>
+              <a:t> no </a:t>
+            </a:r>
+            <a:r>
+              <a:rPr lang="en-US" sz="5600" spc="-56" dirty="0" err="1">
+                <a:solidFill>
+                  <a:srgbClr val="3884FD"/>
+                </a:solidFill>
+                <a:latin typeface="Nunito Bold"/>
+              </a:rPr>
+              <a:t>ambiente</a:t>
+            </a:r>
+            <a:r>
+              <a:rPr lang="en-US" sz="5600" spc="-56" dirty="0">
+                <a:solidFill>
+                  <a:srgbClr val="3884FD"/>
+                </a:solidFill>
+                <a:latin typeface="Nunito Bold"/>
+              </a:rPr>
+              <a:t> home office</a:t>
+            </a:r>
+          </a:p>
+        </p:txBody>
+      </p:sp>
+      <p:pic>
+        <p:nvPicPr>
+          <p:cNvPr id="3" name="Picture 3"/>
+          <p:cNvPicPr>
+            <a:picLocks noChangeAspect="1"/>
+          </p:cNvPicPr>
+          <p:nvPr/>
+        </p:nvPicPr>
+        <p:blipFill>
+          <a:blip r:embed="rId2">
+            <a:extLst>
+              <a:ext uri="{28A0092B-C50C-407E-A947-70E740481C1C}">
+                <a14:useLocalDpi xmlns:a14="http://schemas.microsoft.com/office/drawing/2010/main" val="0"/>
+              </a:ext>
+              <a:ext uri="{96DAC541-7B7A-43D3-8B79-37D633B846F1}">
+                <asvg:svgBlip xmlns:asvg="http://schemas.microsoft.com/office/drawing/2016/SVG/main" r:embed="rId3"/>
+              </a:ext>
+            </a:extLst>
+          </a:blip>
+          <a:srcRect/>
+          <a:stretch>
+            <a:fillRect/>
+          </a:stretch>
+        </p:blipFill>
+        <p:spPr>
+          <a:xfrm>
+            <a:off x="4648200" y="2247900"/>
+            <a:ext cx="8679925" cy="6612524"/>
+          </a:xfrm>
+          <a:prstGeom prst="rect">
+            <a:avLst/>
+          </a:prstGeom>
+        </p:spPr>
+      </p:pic>
       <p:grpSp>
         <p:nvGrpSpPr>
-          <p:cNvPr name="Group 3" id="3"/>
+          <p:cNvPr id="4" name="Group 4"/>
           <p:cNvGrpSpPr/>
           <p:nvPr/>
         </p:nvGrpSpPr>
         <p:grpSpPr>
-          <a:xfrm rot="0">
-            <a:off x="1028700" y="5601822"/>
-            <a:ext cx="7589385" cy="3656478"/>
-            <a:chOff x="0" y="0"/>
-            <a:chExt cx="10119180" cy="4875304"/>
+          <a:xfrm>
+            <a:off x="15690376" y="9430986"/>
+            <a:ext cx="2597624" cy="711729"/>
+            <a:chOff x="0" y="330937"/>
+            <a:chExt cx="3463499" cy="948972"/>
           </a:xfrm>
         </p:grpSpPr>
-        <p:pic>
-          <p:nvPicPr>
-            <p:cNvPr name="Picture 4" id="4"/>
-            <p:cNvPicPr>
-              <a:picLocks noChangeAspect="true"/>
-            </p:cNvPicPr>
-            <p:nvPr/>
-          </p:nvPicPr>
-          <p:blipFill>
-            <a:blip r:embed="rId2">
-              <a:extLst>
-                <a:ext uri="{28A0092B-C50C-407E-A947-70E740481C1C}">
-                  <a14:useLocalDpi xmlns:a14="http://schemas.microsoft.com/office/drawing/2010/main" val="0"/>
-                </a:ext>
-                <a:ext uri="{96DAC541-7B7A-43D3-8B79-37D633B846F1}">
-                  <asvg:svgBlip xmlns:asvg="http://schemas.microsoft.com/office/drawing/2016/SVG/main" r:embed="rId3"/>
-                </a:ext>
-              </a:extLst>
-            </a:blip>
-            <a:srcRect l="0" t="0" r="0" b="0"/>
-            <a:stretch>
-              <a:fillRect/>
-            </a:stretch>
-          </p:blipFill>
-          <p:spPr>
-            <a:xfrm flipH="true" flipV="false" rot="0">
-              <a:off x="1013570" y="0"/>
-              <a:ext cx="4175033" cy="4875304"/>
-            </a:xfrm>
-            <a:prstGeom prst="rect">
-              <a:avLst/>
-            </a:prstGeom>
-          </p:spPr>
-        </p:pic>
         <p:sp>
           <p:nvSpPr>
-            <p:cNvPr name="AutoShape 5" id="5"/>
-            <p:cNvSpPr/>
+            <p:cNvPr id="5" name="TextBox 5"/>
+            <p:cNvSpPr txBox="1"/>
             <p:nvPr/>
           </p:nvSpPr>
           <p:spPr>
-            <a:xfrm rot="0">
-              <a:off x="0" y="4843554"/>
-              <a:ext cx="10119180" cy="0"/>
-            </a:xfrm>
-            <a:prstGeom prst="line">
-              <a:avLst/>
-            </a:prstGeom>
-            <a:ln cap="rnd" w="25400">
-              <a:solidFill>
-                <a:srgbClr val="243762"/>
-              </a:solidFill>
-              <a:prstDash val="solid"/>
-              <a:headEnd type="none" len="sm" w="sm"/>
-              <a:tailEnd type="none" len="sm" w="sm"/>
-            </a:ln>
-          </p:spPr>
-        </p:sp>
-        <p:pic>
-          <p:nvPicPr>
-            <p:cNvPr name="Picture 6" id="6"/>
-            <p:cNvPicPr>
-              <a:picLocks noChangeAspect="true"/>
-            </p:cNvPicPr>
-            <p:nvPr/>
-          </p:nvPicPr>
-          <p:blipFill>
-            <a:blip r:embed="rId4">
-              <a:extLst>
-                <a:ext uri="{28A0092B-C50C-407E-A947-70E740481C1C}">
-                  <a14:useLocalDpi xmlns:a14="http://schemas.microsoft.com/office/drawing/2010/main" val="0"/>
-                </a:ext>
-                <a:ext uri="{96DAC541-7B7A-43D3-8B79-37D633B846F1}">
-                  <asvg:svgBlip xmlns:asvg="http://schemas.microsoft.com/office/drawing/2016/SVG/main" r:embed="rId5"/>
-                </a:ext>
-              </a:extLst>
-            </a:blip>
-            <a:srcRect l="0" t="0" r="0" b="0"/>
-            <a:stretch>
-              <a:fillRect/>
-            </a:stretch>
-          </p:blipFill>
-          <p:spPr>
-            <a:xfrm flipH="false" flipV="false" rot="0">
-              <a:off x="3514001" y="2601194"/>
-              <a:ext cx="4632446" cy="2274110"/>
-            </a:xfrm>
-            <a:prstGeom prst="rect">
-              <a:avLst/>
-            </a:prstGeom>
-          </p:spPr>
-        </p:pic>
-        <p:pic>
-          <p:nvPicPr>
-            <p:cNvPr name="Picture 7" id="7"/>
-            <p:cNvPicPr>
-              <a:picLocks noChangeAspect="true"/>
-            </p:cNvPicPr>
-            <p:nvPr/>
-          </p:nvPicPr>
-          <p:blipFill>
-            <a:blip r:embed="rId6">
-              <a:extLst>
-                <a:ext uri="{28A0092B-C50C-407E-A947-70E740481C1C}">
-                  <a14:useLocalDpi xmlns:a14="http://schemas.microsoft.com/office/drawing/2010/main" val="0"/>
-                </a:ext>
-                <a:ext uri="{96DAC541-7B7A-43D3-8B79-37D633B846F1}">
-                  <asvg:svgBlip xmlns:asvg="http://schemas.microsoft.com/office/drawing/2016/SVG/main" r:embed="rId7"/>
-                </a:ext>
-              </a:extLst>
-            </a:blip>
-            <a:srcRect l="0" t="0" r="0" b="0"/>
-            <a:stretch>
-              <a:fillRect/>
-            </a:stretch>
-          </p:blipFill>
-          <p:spPr>
-            <a:xfrm flipH="false" flipV="false" rot="0">
-              <a:off x="7670568" y="3094808"/>
-              <a:ext cx="951756" cy="1780496"/>
-            </a:xfrm>
-            <a:prstGeom prst="rect">
-              <a:avLst/>
-            </a:prstGeom>
-          </p:spPr>
-        </p:pic>
-      </p:grpSp>
-      <p:grpSp>
-        <p:nvGrpSpPr>
-          <p:cNvPr name="Group 8" id="8"/>
-          <p:cNvGrpSpPr/>
-          <p:nvPr/>
-        </p:nvGrpSpPr>
-        <p:grpSpPr>
-          <a:xfrm rot="0">
-            <a:off x="1028700" y="1177819"/>
-            <a:ext cx="6795645" cy="3196145"/>
-            <a:chOff x="0" y="0"/>
-            <a:chExt cx="9060860" cy="4261527"/>
-          </a:xfrm>
-        </p:grpSpPr>
-        <p:sp>
-          <p:nvSpPr>
-            <p:cNvPr name="TextBox 9" id="9"/>
-            <p:cNvSpPr txBox="true"/>
-            <p:nvPr/>
-          </p:nvSpPr>
-          <p:spPr>
-            <a:xfrm rot="0">
-              <a:off x="0" y="85725"/>
-              <a:ext cx="9060860" cy="3207808"/>
+            <a:xfrm>
+              <a:off x="0" y="330937"/>
+              <a:ext cx="3463499" cy="876421"/>
             </a:xfrm>
             <a:prstGeom prst="rect">
               <a:avLst/>
             </a:prstGeom>
           </p:spPr>
           <p:txBody>
-            <a:bodyPr anchor="t" rtlCol="false" tIns="0" lIns="0" bIns="0" rIns="0">
+            <a:bodyPr lIns="0" tIns="0" rIns="0" bIns="0" rtlCol="0" anchor="t">
               <a:spAutoFit/>
             </a:bodyPr>
             <a:lstStyle/>
             <a:p>
               <a:pPr>
                 <a:lnSpc>
-                  <a:spcPts val="9349"/>
+                  <a:spcPts val="4957"/>
                 </a:lnSpc>
               </a:pPr>
               <a:r>
-                <a:rPr lang="en-US" sz="8499" spc="-84">
+                <a:rPr lang="en-US" sz="4507" spc="-45" dirty="0">
                   <a:solidFill>
-                    <a:srgbClr val="3884FD"/>
+                    <a:srgbClr val="5879FA"/>
                   </a:solidFill>
                   <a:latin typeface="Nunito Bold"/>
                 </a:rPr>
-                <a:t>Crescimento do call center</a:t>
+                <a:t>FastTech</a:t>
               </a:r>
             </a:p>
           </p:txBody>
         </p:sp>
         <p:sp>
           <p:nvSpPr>
-            <p:cNvPr name="TextBox 10" id="10"/>
-            <p:cNvSpPr txBox="true"/>
+            <p:cNvPr id="6" name="TextBox 6"/>
+            <p:cNvSpPr txBox="1"/>
             <p:nvPr/>
           </p:nvSpPr>
           <p:spPr>
-            <a:xfrm rot="0">
-              <a:off x="0" y="3563450"/>
-              <a:ext cx="8146446" cy="698077"/>
+            <a:xfrm>
+              <a:off x="0" y="1056071"/>
+              <a:ext cx="3463499" cy="223838"/>
             </a:xfrm>
             <a:prstGeom prst="rect">
               <a:avLst/>
             </a:prstGeom>
           </p:spPr>
           <p:txBody>
-            <a:bodyPr anchor="t" rtlCol="false" tIns="0" lIns="0" bIns="0" rIns="0">
+            <a:bodyPr lIns="0" tIns="0" rIns="0" bIns="0" rtlCol="0" anchor="t">
               <a:spAutoFit/>
             </a:bodyPr>
             <a:lstStyle/>
             <a:p>
               <a:pPr>
                 <a:lnSpc>
-                  <a:spcPts val="4480"/>
+                  <a:spcPts val="1439"/>
                 </a:lnSpc>
-                <a:spcBef>
-                  <a:spcPct val="0"/>
-                </a:spcBef>
               </a:pPr>
+              <a:endParaRPr/>
             </a:p>
           </p:txBody>
         </p:sp>
       </p:grpSp>
       <p:pic>
         <p:nvPicPr>
-          <p:cNvPr name="Picture 11" id="11"/>
+          <p:cNvPr id="7" name="Picture 7"/>
           <p:cNvPicPr>
-            <a:picLocks noChangeAspect="true"/>
+            <a:picLocks noChangeAspect="1"/>
           </p:cNvPicPr>
           <p:nvPr/>
         </p:nvPicPr>
         <p:blipFill>
-          <a:blip r:embed="rId8">
-            <a:extLst>
-              <a:ext uri="{28A0092B-C50C-407E-A947-70E740481C1C}">
-                <a14:useLocalDpi xmlns:a14="http://schemas.microsoft.com/office/drawing/2010/main" val="0"/>
-              </a:ext>
-              <a:ext uri="{96DAC541-7B7A-43D3-8B79-37D633B846F1}">
-                <asvg:svgBlip xmlns:asvg="http://schemas.microsoft.com/office/drawing/2016/SVG/main" r:embed="rId9"/>
-              </a:ext>
-            </a:extLst>
-          </a:blip>
-          <a:srcRect l="0" t="0" r="0" b="0"/>
+          <a:blip r:embed="rId4"/>
+          <a:srcRect/>
           <a:stretch>
             <a:fillRect/>
           </a:stretch>
         </p:blipFill>
         <p:spPr>
-          <a:xfrm flipH="false" flipV="false" rot="0">
-            <a:off x="10354469" y="2029830"/>
-            <a:ext cx="610414" cy="746061"/>
+          <a:xfrm>
+            <a:off x="14737673" y="9285164"/>
+            <a:ext cx="807127" cy="803138"/>
           </a:xfrm>
           <a:prstGeom prst="rect">
             <a:avLst/>
           </a:prstGeom>
         </p:spPr>
       </p:pic>
-      <p:pic>
-        <p:nvPicPr>
-          <p:cNvPr name="Picture 12" id="12"/>
-          <p:cNvPicPr>
-            <a:picLocks noChangeAspect="true"/>
-          </p:cNvPicPr>
-          <p:nvPr/>
-        </p:nvPicPr>
-        <p:blipFill>
-          <a:blip r:embed="rId8">
-            <a:extLst>
-              <a:ext uri="{28A0092B-C50C-407E-A947-70E740481C1C}">
-                <a14:useLocalDpi xmlns:a14="http://schemas.microsoft.com/office/drawing/2010/main" val="0"/>
-              </a:ext>
-              <a:ext uri="{96DAC541-7B7A-43D3-8B79-37D633B846F1}">
-                <asvg:svgBlip xmlns:asvg="http://schemas.microsoft.com/office/drawing/2016/SVG/main" r:embed="rId9"/>
-              </a:ext>
-            </a:extLst>
-          </a:blip>
-          <a:srcRect l="0" t="0" r="0" b="0"/>
-          <a:stretch>
-            <a:fillRect/>
-          </a:stretch>
-        </p:blipFill>
-        <p:spPr>
-          <a:xfrm flipH="false" flipV="false" rot="0">
-            <a:off x="10354469" y="6684000"/>
-            <a:ext cx="610414" cy="746061"/>
-          </a:xfrm>
-          <a:prstGeom prst="rect">
-            <a:avLst/>
-          </a:prstGeom>
-        </p:spPr>
-      </p:pic>
-      <p:sp>
-        <p:nvSpPr>
-          <p:cNvPr name="TextBox 13" id="13"/>
-          <p:cNvSpPr txBox="true"/>
-          <p:nvPr/>
-        </p:nvSpPr>
-        <p:spPr>
-          <a:xfrm rot="0">
-            <a:off x="11377259" y="5808906"/>
-            <a:ext cx="5449656" cy="3175635"/>
-          </a:xfrm>
-          <a:prstGeom prst="rect">
-            <a:avLst/>
-          </a:prstGeom>
-        </p:spPr>
-        <p:txBody>
-          <a:bodyPr anchor="t" rtlCol="false" tIns="0" lIns="0" bIns="0" rIns="0">
-            <a:spAutoFit/>
-          </a:bodyPr>
-          <a:lstStyle/>
-          <a:p>
-            <a:pPr>
-              <a:lnSpc>
-                <a:spcPts val="3600"/>
-              </a:lnSpc>
-            </a:pPr>
-            <a:r>
-              <a:rPr lang="en-US" sz="2400">
-                <a:solidFill>
-                  <a:srgbClr val="243762"/>
-                </a:solidFill>
-                <a:latin typeface="Nunito"/>
-              </a:rPr>
-              <a:t>"Segundo levantamento da Associação Brasileira de Comércio Eletrônico (ABComm), em parceria com a Neotrust, o crescimento nas vendas foi de 68% na comparação com 2019."(G1, 26/02/21)</a:t>
-            </a:r>
-          </a:p>
-          <a:p>
-            <a:pPr marL="0" indent="0" lvl="0">
-              <a:lnSpc>
-                <a:spcPts val="3600"/>
-              </a:lnSpc>
-            </a:pPr>
-          </a:p>
-        </p:txBody>
-      </p:sp>
     </p:spTree>
   </p:cSld>
   <p:clrMapOvr>
     <a:masterClrMapping/>
   </p:clrMapOvr>
+  <p:transition spd="slow">
+    <p:randomBar dir="vert"/>
+  </p:transition>
 </p:sld>
 </file>
 
 <file path=ppt/slides/slide4.xml><?xml version="1.0" encoding="utf-8"?>
-<p:sld xmlns:p="http://schemas.openxmlformats.org/presentationml/2006/main" xmlns:a="http://schemas.openxmlformats.org/drawingml/2006/main" xmlns:r="http://schemas.openxmlformats.org/officeDocument/2006/relationships">
+<p:sld xmlns:a="http://schemas.openxmlformats.org/drawingml/2006/main" xmlns:r="http://schemas.openxmlformats.org/officeDocument/2006/relationships" xmlns:p="http://schemas.openxmlformats.org/presentationml/2006/main">
   <p:cSld>
     <p:spTree>
       <p:nvGrpSpPr>
@@ -5520,47 +5804,33 @@
       </p:grpSpPr>
       <p:sp>
         <p:nvSpPr>
-          <p:cNvPr name="TextBox 2" id="2"/>
-          <p:cNvSpPr txBox="true"/>
-          <p:nvPr/>
-        </p:nvSpPr>
-        <p:spPr>
-          <a:xfrm rot="0">
-            <a:off x="1028700" y="1225444"/>
-            <a:ext cx="15939645" cy="804546"/>
-          </a:xfrm>
-          <a:prstGeom prst="rect">
-            <a:avLst/>
-          </a:prstGeom>
-        </p:spPr>
-        <p:txBody>
-          <a:bodyPr anchor="t" rtlCol="false" tIns="0" lIns="0" bIns="0" rIns="0">
-            <a:spAutoFit/>
-          </a:bodyPr>
-          <a:lstStyle/>
-          <a:p>
-            <a:pPr>
-              <a:lnSpc>
-                <a:spcPts val="6160"/>
-              </a:lnSpc>
-            </a:pPr>
-            <a:r>
-              <a:rPr lang="en-US" sz="5600" spc="-56">
-                <a:solidFill>
-                  <a:srgbClr val="3884FD"/>
-                </a:solidFill>
-                <a:latin typeface="Nunito Bold"/>
-              </a:rPr>
-              <a:t>Falta de monitoramento no ambiente home office</a:t>
-            </a:r>
-          </a:p>
-        </p:txBody>
+          <p:cNvPr id="2" name="AutoShape 2"/>
+          <p:cNvSpPr/>
+          <p:nvPr/>
+        </p:nvSpPr>
+        <p:spPr>
+          <a:xfrm>
+            <a:off x="734786" y="8465251"/>
+            <a:ext cx="9474296" cy="0"/>
+          </a:xfrm>
+          <a:prstGeom prst="line">
+            <a:avLst/>
+          </a:prstGeom>
+          <a:ln w="19050" cap="rnd">
+            <a:solidFill>
+              <a:srgbClr val="243762"/>
+            </a:solidFill>
+            <a:prstDash val="solid"/>
+            <a:headEnd type="none" w="sm" len="sm"/>
+            <a:tailEnd type="none" w="sm" len="sm"/>
+          </a:ln>
+        </p:spPr>
       </p:sp>
       <p:pic>
         <p:nvPicPr>
-          <p:cNvPr name="Picture 3" id="3"/>
+          <p:cNvPr id="3" name="Picture 3"/>
           <p:cNvPicPr>
-            <a:picLocks noChangeAspect="true"/>
+            <a:picLocks noChangeAspect="1"/>
           </p:cNvPicPr>
           <p:nvPr/>
         </p:nvPicPr>
@@ -5575,573 +5845,40 @@
               </a:ext>
             </a:extLst>
           </a:blip>
-          <a:srcRect l="0" t="0" r="0" b="0"/>
+          <a:srcRect/>
           <a:stretch>
             <a:fillRect/>
           </a:stretch>
         </p:blipFill>
         <p:spPr>
-          <a:xfrm flipH="false" flipV="false" rot="0">
-            <a:off x="4712532" y="2785196"/>
-            <a:ext cx="8679925" cy="6612524"/>
+          <a:xfrm>
+            <a:off x="2293465" y="1767329"/>
+            <a:ext cx="6356937" cy="6697922"/>
           </a:xfrm>
           <a:prstGeom prst="rect">
             <a:avLst/>
           </a:prstGeom>
         </p:spPr>
       </p:pic>
-    </p:spTree>
-  </p:cSld>
-  <p:clrMapOvr>
-    <a:masterClrMapping/>
-  </p:clrMapOvr>
-</p:sld>
-</file>
-
-<file path=ppt/slides/slide5.xml><?xml version="1.0" encoding="utf-8"?>
-<p:sld xmlns:p="http://schemas.openxmlformats.org/presentationml/2006/main" xmlns:a="http://schemas.openxmlformats.org/drawingml/2006/main" xmlns:r="http://schemas.openxmlformats.org/officeDocument/2006/relationships">
-  <p:cSld>
-    <p:spTree>
-      <p:nvGrpSpPr>
-        <p:cNvPr id="1" name=""/>
-        <p:cNvGrpSpPr/>
-        <p:nvPr/>
-      </p:nvGrpSpPr>
-      <p:grpSpPr>
-        <a:xfrm>
-          <a:off x="0" y="0"/>
-          <a:ext cx="0" cy="0"/>
-          <a:chOff x="0" y="0"/>
-          <a:chExt cx="0" cy="0"/>
-        </a:xfrm>
-      </p:grpSpPr>
-      <p:sp>
-        <p:nvSpPr>
-          <p:cNvPr name="TextBox 2" id="2"/>
-          <p:cNvSpPr txBox="true"/>
-          <p:nvPr/>
-        </p:nvSpPr>
-        <p:spPr>
-          <a:xfrm rot="0">
-            <a:off x="5535824" y="2475883"/>
-            <a:ext cx="5154918" cy="2609850"/>
-          </a:xfrm>
-          <a:prstGeom prst="rect">
-            <a:avLst/>
-          </a:prstGeom>
-        </p:spPr>
-        <p:txBody>
-          <a:bodyPr anchor="t" rtlCol="false" tIns="0" lIns="0" bIns="0" rIns="0">
-            <a:spAutoFit/>
-          </a:bodyPr>
-          <a:lstStyle/>
-          <a:p>
-            <a:pPr algn="ctr">
-              <a:lnSpc>
-                <a:spcPts val="3862"/>
-              </a:lnSpc>
-              <a:spcBef>
-                <a:spcPct val="0"/>
-              </a:spcBef>
-            </a:pPr>
-            <a:r>
-              <a:rPr lang="en-US" sz="3219">
-                <a:solidFill>
-                  <a:srgbClr val="000000"/>
-                </a:solidFill>
-                <a:latin typeface="Nunito Sans Bold Bold"/>
-              </a:rPr>
-              <a:t>Marcus Vinicius Garcia</a:t>
-            </a:r>
-          </a:p>
-          <a:p>
-            <a:pPr algn="ctr">
-              <a:lnSpc>
-                <a:spcPts val="3391"/>
-              </a:lnSpc>
-              <a:spcBef>
-                <a:spcPct val="0"/>
-              </a:spcBef>
-            </a:pPr>
-          </a:p>
-          <a:p>
-            <a:pPr algn="ctr">
-              <a:lnSpc>
-                <a:spcPts val="3391"/>
-              </a:lnSpc>
-              <a:spcBef>
-                <a:spcPct val="0"/>
-              </a:spcBef>
-            </a:pPr>
-            <a:r>
-              <a:rPr lang="en-US" sz="2825">
-                <a:solidFill>
-                  <a:srgbClr val="000000"/>
-                </a:solidFill>
-                <a:latin typeface="Nunito Sans Bold"/>
-              </a:rPr>
-              <a:t>“Sou gerente de telemarketing</a:t>
-            </a:r>
-          </a:p>
-          <a:p>
-            <a:pPr algn="ctr">
-              <a:lnSpc>
-                <a:spcPts val="3391"/>
-              </a:lnSpc>
-              <a:spcBef>
-                <a:spcPct val="0"/>
-              </a:spcBef>
-            </a:pPr>
-            <a:r>
-              <a:rPr lang="en-US" sz="2825">
-                <a:solidFill>
-                  <a:srgbClr val="000000"/>
-                </a:solidFill>
-                <a:latin typeface="Nunito Sans Bold"/>
-              </a:rPr>
-              <a:t>e estou preocupado com baixo</a:t>
-            </a:r>
-          </a:p>
-          <a:p>
-            <a:pPr algn="ctr">
-              <a:lnSpc>
-                <a:spcPts val="3391"/>
-              </a:lnSpc>
-              <a:spcBef>
-                <a:spcPct val="0"/>
-              </a:spcBef>
-            </a:pPr>
-            <a:r>
-              <a:rPr lang="en-US" sz="2825">
-                <a:solidFill>
-                  <a:srgbClr val="000000"/>
-                </a:solidFill>
-                <a:latin typeface="Nunito Sans Bold"/>
-              </a:rPr>
-              <a:t>rendimento dos operadores ”</a:t>
-            </a:r>
-          </a:p>
-          <a:p>
-            <a:pPr algn="ctr">
-              <a:lnSpc>
-                <a:spcPts val="3271"/>
-              </a:lnSpc>
-              <a:spcBef>
-                <a:spcPct val="0"/>
-              </a:spcBef>
-            </a:pPr>
-            <a:r>
-              <a:rPr lang="en-US" sz="2725">
-                <a:solidFill>
-                  <a:srgbClr val="000000"/>
-                </a:solidFill>
-                <a:latin typeface="Nunito Sans Bold"/>
-              </a:rPr>
-              <a:t> </a:t>
-            </a:r>
-          </a:p>
-        </p:txBody>
-      </p:sp>
-      <p:sp>
-        <p:nvSpPr>
-          <p:cNvPr name="AutoShape 3" id="3"/>
-          <p:cNvSpPr/>
-          <p:nvPr/>
-        </p:nvSpPr>
-        <p:spPr>
-          <a:xfrm rot="0">
-            <a:off x="5875410" y="3018634"/>
-            <a:ext cx="2079307" cy="0"/>
-          </a:xfrm>
-          <a:prstGeom prst="line">
-            <a:avLst/>
-          </a:prstGeom>
-          <a:ln cap="rnd" w="47625">
-            <a:solidFill>
-              <a:srgbClr val="3884FD"/>
-            </a:solidFill>
-            <a:prstDash val="solid"/>
-            <a:headEnd type="none" len="sm" w="sm"/>
-            <a:tailEnd type="none" len="sm" w="sm"/>
-          </a:ln>
-        </p:spPr>
-      </p:sp>
-      <p:sp>
-        <p:nvSpPr>
-          <p:cNvPr name="AutoShape 4" id="4"/>
-          <p:cNvSpPr/>
-          <p:nvPr/>
-        </p:nvSpPr>
-        <p:spPr>
-          <a:xfrm rot="0">
-            <a:off x="1655379" y="7411294"/>
-            <a:ext cx="2079307" cy="0"/>
-          </a:xfrm>
-          <a:prstGeom prst="line">
-            <a:avLst/>
-          </a:prstGeom>
-          <a:ln cap="rnd" w="47625">
-            <a:solidFill>
-              <a:srgbClr val="3884FD"/>
-            </a:solidFill>
-            <a:prstDash val="solid"/>
-            <a:headEnd type="none" len="sm" w="sm"/>
-            <a:tailEnd type="none" len="sm" w="sm"/>
-          </a:ln>
-        </p:spPr>
-      </p:sp>
-      <p:sp>
-        <p:nvSpPr>
-          <p:cNvPr name="TextBox 5" id="5"/>
-          <p:cNvSpPr txBox="true"/>
-          <p:nvPr/>
-        </p:nvSpPr>
-        <p:spPr>
-          <a:xfrm rot="0">
-            <a:off x="11544888" y="2475883"/>
-            <a:ext cx="5527278" cy="965200"/>
-          </a:xfrm>
-          <a:prstGeom prst="rect">
-            <a:avLst/>
-          </a:prstGeom>
-        </p:spPr>
-        <p:txBody>
-          <a:bodyPr anchor="t" rtlCol="false" tIns="0" lIns="0" bIns="0" rIns="0">
-            <a:spAutoFit/>
-          </a:bodyPr>
-          <a:lstStyle/>
-          <a:p>
-            <a:pPr algn="ctr">
-              <a:lnSpc>
-                <a:spcPts val="3853"/>
-              </a:lnSpc>
-              <a:spcBef>
-                <a:spcPct val="0"/>
-              </a:spcBef>
-            </a:pPr>
-            <a:r>
-              <a:rPr lang="en-US" sz="3210">
-                <a:solidFill>
-                  <a:srgbClr val="000000"/>
-                </a:solidFill>
-                <a:latin typeface="Nunito Sans Bold Bold"/>
-              </a:rPr>
-              <a:t>Inf</a:t>
-            </a:r>
-            <a:r>
-              <a:rPr lang="en-US" sz="3210">
-                <a:solidFill>
-                  <a:srgbClr val="000000"/>
-                </a:solidFill>
-                <a:latin typeface="Nunito Sans Bold Bold"/>
-              </a:rPr>
-              <a:t>ormações comportamento</a:t>
-            </a:r>
-          </a:p>
-          <a:p>
-            <a:pPr algn="ctr">
-              <a:lnSpc>
-                <a:spcPts val="3853"/>
-              </a:lnSpc>
-              <a:spcBef>
-                <a:spcPct val="0"/>
-              </a:spcBef>
-            </a:pPr>
-          </a:p>
-        </p:txBody>
-      </p:sp>
-      <p:sp>
-        <p:nvSpPr>
-          <p:cNvPr name="AutoShape 6" id="6"/>
-          <p:cNvSpPr/>
-          <p:nvPr/>
-        </p:nvSpPr>
-        <p:spPr>
-          <a:xfrm rot="0">
-            <a:off x="11544888" y="3018634"/>
-            <a:ext cx="2079307" cy="0"/>
-          </a:xfrm>
-          <a:prstGeom prst="line">
-            <a:avLst/>
-          </a:prstGeom>
-          <a:ln cap="rnd" w="47625">
-            <a:solidFill>
-              <a:srgbClr val="3884FD"/>
-            </a:solidFill>
-            <a:prstDash val="solid"/>
-            <a:headEnd type="none" len="sm" w="sm"/>
-            <a:tailEnd type="none" len="sm" w="sm"/>
-          </a:ln>
-        </p:spPr>
-      </p:sp>
-      <p:grpSp>
-        <p:nvGrpSpPr>
-          <p:cNvPr name="Group 7" id="7"/>
-          <p:cNvGrpSpPr/>
-          <p:nvPr/>
-        </p:nvGrpSpPr>
-        <p:grpSpPr>
-          <a:xfrm rot="0">
-            <a:off x="1236988" y="89787"/>
-            <a:ext cx="15814024" cy="1877825"/>
-            <a:chOff x="0" y="0"/>
-            <a:chExt cx="21085365" cy="2503767"/>
-          </a:xfrm>
-        </p:grpSpPr>
-        <p:sp>
-          <p:nvSpPr>
-            <p:cNvPr name="TextBox 8" id="8"/>
-            <p:cNvSpPr txBox="true"/>
-            <p:nvPr/>
-          </p:nvSpPr>
-          <p:spPr>
-            <a:xfrm rot="0">
-              <a:off x="0" y="66675"/>
-              <a:ext cx="21085365" cy="1554692"/>
-            </a:xfrm>
-            <a:prstGeom prst="rect">
-              <a:avLst/>
-            </a:prstGeom>
-          </p:spPr>
-          <p:txBody>
-            <a:bodyPr anchor="t" rtlCol="false" tIns="0" lIns="0" bIns="0" rIns="0">
-              <a:spAutoFit/>
-            </a:bodyPr>
-            <a:lstStyle/>
-            <a:p>
-              <a:pPr>
-                <a:lnSpc>
-                  <a:spcPts val="8800"/>
-                </a:lnSpc>
-              </a:pPr>
-              <a:r>
-                <a:rPr lang="en-US" sz="8000" spc="-80">
-                  <a:solidFill>
-                    <a:srgbClr val="3884FD"/>
-                  </a:solidFill>
-                  <a:latin typeface="Nunito Bold"/>
-                </a:rPr>
-                <a:t>Estudo de caso / Persona</a:t>
-              </a:r>
-            </a:p>
-          </p:txBody>
-        </p:sp>
-        <p:sp>
-          <p:nvSpPr>
-            <p:cNvPr name="TextBox 9" id="9"/>
-            <p:cNvSpPr txBox="true"/>
-            <p:nvPr/>
-          </p:nvSpPr>
-          <p:spPr>
-            <a:xfrm rot="0">
-              <a:off x="0" y="1809924"/>
-              <a:ext cx="21085365" cy="693843"/>
-            </a:xfrm>
-            <a:prstGeom prst="rect">
-              <a:avLst/>
-            </a:prstGeom>
-          </p:spPr>
-          <p:txBody>
-            <a:bodyPr anchor="t" rtlCol="false" tIns="0" lIns="0" bIns="0" rIns="0">
-              <a:spAutoFit/>
-            </a:bodyPr>
-            <a:lstStyle/>
-            <a:p>
-              <a:pPr>
-                <a:lnSpc>
-                  <a:spcPts val="4480"/>
-                </a:lnSpc>
-                <a:spcBef>
-                  <a:spcPct val="0"/>
-                </a:spcBef>
-              </a:pPr>
-            </a:p>
-          </p:txBody>
-        </p:sp>
-      </p:grpSp>
-      <p:sp>
-        <p:nvSpPr>
-          <p:cNvPr name="TextBox 10" id="10"/>
-          <p:cNvSpPr txBox="true"/>
-          <p:nvPr/>
-        </p:nvSpPr>
-        <p:spPr>
-          <a:xfrm rot="0">
-            <a:off x="11376582" y="3289319"/>
-            <a:ext cx="4772716" cy="3024929"/>
-          </a:xfrm>
-          <a:prstGeom prst="rect">
-            <a:avLst/>
-          </a:prstGeom>
-        </p:spPr>
-        <p:txBody>
-          <a:bodyPr anchor="t" rtlCol="false" tIns="0" lIns="0" bIns="0" rIns="0">
-            <a:spAutoFit/>
-          </a:bodyPr>
-          <a:lstStyle/>
-          <a:p>
-            <a:pPr marL="544893" indent="-272446" lvl="1">
-              <a:lnSpc>
-                <a:spcPts val="3028"/>
-              </a:lnSpc>
-              <a:buFont typeface="Arial"/>
-              <a:buChar char="•"/>
-            </a:pPr>
-            <a:r>
-              <a:rPr lang="en-US" sz="946">
-                <a:solidFill>
-                  <a:srgbClr val="000000"/>
-                </a:solidFill>
-                <a:latin typeface="Arimo"/>
-              </a:rPr>
-              <a:t>Responsável</a:t>
-            </a:r>
-          </a:p>
-          <a:p>
-            <a:pPr marL="544893" indent="-272446" lvl="1">
-              <a:lnSpc>
-                <a:spcPts val="3028"/>
-              </a:lnSpc>
-              <a:buFont typeface="Arial"/>
-              <a:buChar char="•"/>
-            </a:pPr>
-            <a:r>
-              <a:rPr lang="en-US" sz="946">
-                <a:solidFill>
-                  <a:srgbClr val="000000"/>
-                </a:solidFill>
-                <a:latin typeface="Arimo"/>
-              </a:rPr>
-              <a:t>Atarefado</a:t>
-            </a:r>
-          </a:p>
-          <a:p>
-            <a:pPr marL="544893" indent="-272446" lvl="1">
-              <a:lnSpc>
-                <a:spcPts val="3028"/>
-              </a:lnSpc>
-              <a:buFont typeface="Arial"/>
-              <a:buChar char="•"/>
-            </a:pPr>
-            <a:r>
-              <a:rPr lang="en-US" sz="946">
-                <a:solidFill>
-                  <a:srgbClr val="000000"/>
-                </a:solidFill>
-                <a:latin typeface="Arimo"/>
-              </a:rPr>
-              <a:t>Gosta de usar tecnologia</a:t>
-            </a:r>
-          </a:p>
-          <a:p>
-            <a:pPr marL="544893" indent="-272446" lvl="1">
-              <a:lnSpc>
-                <a:spcPts val="3028"/>
-              </a:lnSpc>
-              <a:buFont typeface="Arial"/>
-              <a:buChar char="•"/>
-            </a:pPr>
-            <a:r>
-              <a:rPr lang="en-US" sz="946">
-                <a:solidFill>
-                  <a:srgbClr val="000000"/>
-                </a:solidFill>
-                <a:latin typeface="Arimo"/>
-              </a:rPr>
-              <a:t>Exigente</a:t>
-            </a:r>
-          </a:p>
-          <a:p>
-            <a:pPr marL="544893" indent="-272446" lvl="1">
-              <a:lnSpc>
-                <a:spcPts val="3028"/>
-              </a:lnSpc>
-              <a:buFont typeface="Arial"/>
-              <a:buChar char="•"/>
-            </a:pPr>
-            <a:r>
-              <a:rPr lang="en-US" sz="946">
-                <a:solidFill>
-                  <a:srgbClr val="000000"/>
-                </a:solidFill>
-                <a:latin typeface="Arimo"/>
-              </a:rPr>
-              <a:t>Criativo</a:t>
-            </a:r>
-          </a:p>
-          <a:p>
-            <a:pPr marL="544893" indent="-272446" lvl="1">
-              <a:lnSpc>
-                <a:spcPts val="3028"/>
-              </a:lnSpc>
-              <a:buFont typeface="Arial"/>
-              <a:buChar char="•"/>
-            </a:pPr>
-            <a:r>
-              <a:rPr lang="en-US" sz="946">
-                <a:solidFill>
-                  <a:srgbClr val="000000"/>
-                </a:solidFill>
-                <a:latin typeface="Arimo"/>
-              </a:rPr>
-              <a:t>Mente aberta</a:t>
-            </a:r>
-          </a:p>
-          <a:p>
-            <a:pPr marL="544893" indent="-272446" lvl="1">
-              <a:lnSpc>
-                <a:spcPts val="3028"/>
-              </a:lnSpc>
-              <a:buFont typeface="Arial"/>
-              <a:buChar char="•"/>
-            </a:pPr>
-            <a:r>
-              <a:rPr lang="en-US" sz="946">
-                <a:solidFill>
-                  <a:srgbClr val="000000"/>
-                </a:solidFill>
-                <a:latin typeface="Arimo"/>
-              </a:rPr>
-              <a:t>Cultura pop</a:t>
-            </a:r>
-          </a:p>
-          <a:p>
-            <a:pPr>
-              <a:lnSpc>
-                <a:spcPts val="3028"/>
-              </a:lnSpc>
-            </a:pPr>
-          </a:p>
-        </p:txBody>
-      </p:sp>
       <p:pic>
         <p:nvPicPr>
-          <p:cNvPr name="Picture 11" id="11"/>
+          <p:cNvPr id="4" name="Picture 4"/>
           <p:cNvPicPr>
-            <a:picLocks noChangeAspect="true"/>
+            <a:picLocks noChangeAspect="1"/>
           </p:cNvPicPr>
           <p:nvPr/>
         </p:nvPicPr>
         <p:blipFill>
-          <a:blip r:embed="rId2">
-            <a:extLst>
-              <a:ext uri="{28A0092B-C50C-407E-A947-70E740481C1C}">
-                <a14:useLocalDpi xmlns:a14="http://schemas.microsoft.com/office/drawing/2010/main" val="0"/>
-              </a:ext>
-              <a:ext uri="{96DAC541-7B7A-43D3-8B79-37D633B846F1}">
-                <asvg:svgBlip xmlns:asvg="http://schemas.microsoft.com/office/drawing/2016/SVG/main" r:embed="rId3"/>
-              </a:ext>
-            </a:extLst>
-          </a:blip>
-          <a:srcRect l="0" t="0" r="0" b="0"/>
+          <a:blip r:embed="rId4"/>
+          <a:srcRect/>
           <a:stretch>
             <a:fillRect/>
           </a:stretch>
         </p:blipFill>
         <p:spPr>
-          <a:xfrm flipH="false" flipV="false" rot="0">
-            <a:off x="870134" y="1438811"/>
-            <a:ext cx="4467184" cy="5108007"/>
+          <a:xfrm>
+            <a:off x="14102087" y="498370"/>
+            <a:ext cx="833113" cy="828995"/>
           </a:xfrm>
           <a:prstGeom prst="rect">
             <a:avLst/>
@@ -6150,23 +5887,23 @@
       </p:pic>
       <p:pic>
         <p:nvPicPr>
-          <p:cNvPr name="Picture 12" id="12"/>
+          <p:cNvPr id="5" name="Picture 5"/>
           <p:cNvPicPr>
-            <a:picLocks noChangeAspect="true"/>
+            <a:picLocks noChangeAspect="1"/>
           </p:cNvPicPr>
           <p:nvPr/>
         </p:nvPicPr>
         <p:blipFill>
-          <a:blip r:embed="rId4"/>
-          <a:srcRect l="0" t="0" r="0" b="0"/>
+          <a:blip r:embed="rId5"/>
+          <a:srcRect/>
           <a:stretch>
             <a:fillRect/>
           </a:stretch>
         </p:blipFill>
         <p:spPr>
-          <a:xfrm flipH="false" flipV="false" rot="0">
-            <a:off x="980312" y="1390040"/>
-            <a:ext cx="4428941" cy="5538654"/>
+          <a:xfrm>
+            <a:off x="12245937" y="3024903"/>
+            <a:ext cx="3412212" cy="2544054"/>
           </a:xfrm>
           <a:prstGeom prst="rect">
             <a:avLst/>
@@ -6175,248 +5912,21 @@
       </p:pic>
       <p:sp>
         <p:nvSpPr>
-          <p:cNvPr name="TextBox 13" id="13"/>
-          <p:cNvSpPr txBox="true"/>
-          <p:nvPr/>
-        </p:nvSpPr>
-        <p:spPr>
-          <a:xfrm rot="0">
-            <a:off x="1441213" y="7662009"/>
-            <a:ext cx="11950824" cy="1914525"/>
+          <p:cNvPr id="6" name="TextBox 6"/>
+          <p:cNvSpPr txBox="1"/>
+          <p:nvPr/>
+        </p:nvSpPr>
+        <p:spPr>
+          <a:xfrm>
+            <a:off x="11063435" y="6210107"/>
+            <a:ext cx="6228123" cy="2724901"/>
           </a:xfrm>
           <a:prstGeom prst="rect">
             <a:avLst/>
           </a:prstGeom>
         </p:spPr>
         <p:txBody>
-          <a:bodyPr anchor="t" rtlCol="false" tIns="0" lIns="0" bIns="0" rIns="0">
-            <a:spAutoFit/>
-          </a:bodyPr>
-          <a:lstStyle/>
-          <a:p>
-            <a:pPr marL="542114" indent="-271057" lvl="1">
-              <a:lnSpc>
-                <a:spcPts val="3013"/>
-              </a:lnSpc>
-              <a:buFont typeface="Arial"/>
-              <a:buChar char="•"/>
-            </a:pPr>
-            <a:r>
-              <a:rPr lang="en-US" sz="2510">
-                <a:solidFill>
-                  <a:srgbClr val="000000"/>
-                </a:solidFill>
-                <a:latin typeface="Nunito Sans Bold"/>
-              </a:rPr>
-              <a:t>Precisa de apoio para melhorar o desempenho da equipe;</a:t>
-            </a:r>
-          </a:p>
-          <a:p>
-            <a:pPr marL="542114" indent="-271057" lvl="1">
-              <a:lnSpc>
-                <a:spcPts val="3013"/>
-              </a:lnSpc>
-              <a:buFont typeface="Arial"/>
-              <a:buChar char="•"/>
-            </a:pPr>
-            <a:r>
-              <a:rPr lang="en-US" sz="2510">
-                <a:solidFill>
-                  <a:srgbClr val="000000"/>
-                </a:solidFill>
-                <a:latin typeface="Nunito Sans Bold"/>
-              </a:rPr>
-              <a:t>Quer identificar funcionários ineficientes;</a:t>
-            </a:r>
-          </a:p>
-          <a:p>
-            <a:pPr marL="542114" indent="-271057" lvl="1">
-              <a:lnSpc>
-                <a:spcPts val="3013"/>
-              </a:lnSpc>
-              <a:buFont typeface="Arial"/>
-              <a:buChar char="•"/>
-            </a:pPr>
-            <a:r>
-              <a:rPr lang="en-US" sz="2510">
-                <a:solidFill>
-                  <a:srgbClr val="000000"/>
-                </a:solidFill>
-                <a:latin typeface="Nunito Sans Bold"/>
-              </a:rPr>
-              <a:t>Quer receber informações sobre as atividades dos funcionários;</a:t>
-            </a:r>
-          </a:p>
-          <a:p>
-            <a:pPr marL="542114" indent="-271057" lvl="1">
-              <a:lnSpc>
-                <a:spcPts val="3013"/>
-              </a:lnSpc>
-              <a:buFont typeface="Arial"/>
-              <a:buChar char="•"/>
-            </a:pPr>
-            <a:r>
-              <a:rPr lang="en-US" sz="2510">
-                <a:solidFill>
-                  <a:srgbClr val="000000"/>
-                </a:solidFill>
-                <a:latin typeface="Nunito Sans Bold"/>
-              </a:rPr>
-              <a:t>Não ter o controle do ambiente home office;</a:t>
-            </a:r>
-          </a:p>
-          <a:p>
-            <a:pPr marL="542114" indent="-271057" lvl="1">
-              <a:lnSpc>
-                <a:spcPts val="3013"/>
-              </a:lnSpc>
-              <a:buFont typeface="Arial"/>
-              <a:buChar char="•"/>
-            </a:pPr>
-            <a:r>
-              <a:rPr lang="en-US" sz="2510">
-                <a:solidFill>
-                  <a:srgbClr val="000000"/>
-                </a:solidFill>
-                <a:latin typeface="Nunito Sans Bold"/>
-              </a:rPr>
-              <a:t>Ele gostaria de ter funcionários mais motivados.</a:t>
-            </a:r>
-          </a:p>
-        </p:txBody>
-      </p:sp>
-      <p:sp>
-        <p:nvSpPr>
-          <p:cNvPr name="TextBox 14" id="14"/>
-          <p:cNvSpPr txBox="true"/>
-          <p:nvPr/>
-        </p:nvSpPr>
-        <p:spPr>
-          <a:xfrm rot="0">
-            <a:off x="1655379" y="6928694"/>
-            <a:ext cx="3880445" cy="482600"/>
-          </a:xfrm>
-          <a:prstGeom prst="rect">
-            <a:avLst/>
-          </a:prstGeom>
-        </p:spPr>
-        <p:txBody>
-          <a:bodyPr anchor="t" rtlCol="false" tIns="0" lIns="0" bIns="0" rIns="0">
-            <a:spAutoFit/>
-          </a:bodyPr>
-          <a:lstStyle/>
-          <a:p>
-            <a:pPr algn="ctr">
-              <a:lnSpc>
-                <a:spcPts val="3853"/>
-              </a:lnSpc>
-              <a:spcBef>
-                <a:spcPct val="0"/>
-              </a:spcBef>
-            </a:pPr>
-            <a:r>
-              <a:rPr lang="en-US" sz="3210">
-                <a:solidFill>
-                  <a:srgbClr val="000000"/>
-                </a:solidFill>
-                <a:latin typeface="Nunito Sans Bold Bold"/>
-              </a:rPr>
-              <a:t>Dores necessidades </a:t>
-            </a:r>
-          </a:p>
-        </p:txBody>
-      </p:sp>
-    </p:spTree>
-  </p:cSld>
-  <p:clrMapOvr>
-    <a:masterClrMapping/>
-  </p:clrMapOvr>
-</p:sld>
-</file>
-
-<file path=ppt/slides/slide6.xml><?xml version="1.0" encoding="utf-8"?>
-<p:sld xmlns:p="http://schemas.openxmlformats.org/presentationml/2006/main" xmlns:a="http://schemas.openxmlformats.org/drawingml/2006/main" xmlns:r="http://schemas.openxmlformats.org/officeDocument/2006/relationships">
-  <p:cSld>
-    <p:spTree>
-      <p:nvGrpSpPr>
-        <p:cNvPr id="1" name=""/>
-        <p:cNvGrpSpPr/>
-        <p:nvPr/>
-      </p:nvGrpSpPr>
-      <p:grpSpPr>
-        <a:xfrm>
-          <a:off x="0" y="0"/>
-          <a:ext cx="0" cy="0"/>
-          <a:chOff x="0" y="0"/>
-          <a:chExt cx="0" cy="0"/>
-        </a:xfrm>
-      </p:grpSpPr>
-      <p:sp>
-        <p:nvSpPr>
-          <p:cNvPr name="AutoShape 2" id="2"/>
-          <p:cNvSpPr/>
-          <p:nvPr/>
-        </p:nvSpPr>
-        <p:spPr>
-          <a:xfrm rot="0">
-            <a:off x="734786" y="8465251"/>
-            <a:ext cx="9474296" cy="0"/>
-          </a:xfrm>
-          <a:prstGeom prst="line">
-            <a:avLst/>
-          </a:prstGeom>
-          <a:ln cap="rnd" w="19050">
-            <a:solidFill>
-              <a:srgbClr val="243762"/>
-            </a:solidFill>
-            <a:prstDash val="solid"/>
-            <a:headEnd type="none" len="sm" w="sm"/>
-            <a:tailEnd type="none" len="sm" w="sm"/>
-          </a:ln>
-        </p:spPr>
-      </p:sp>
-      <p:pic>
-        <p:nvPicPr>
-          <p:cNvPr name="Picture 3" id="3"/>
-          <p:cNvPicPr>
-            <a:picLocks noChangeAspect="true"/>
-          </p:cNvPicPr>
-          <p:nvPr/>
-        </p:nvPicPr>
-        <p:blipFill>
-          <a:blip r:embed="rId2"/>
-          <a:srcRect l="0" t="0" r="0" b="0"/>
-          <a:stretch>
-            <a:fillRect/>
-          </a:stretch>
-        </p:blipFill>
-        <p:spPr>
-          <a:xfrm flipH="false" flipV="false" rot="0">
-            <a:off x="10753686" y="1028700"/>
-            <a:ext cx="6681602" cy="6681602"/>
-          </a:xfrm>
-          <a:prstGeom prst="rect">
-            <a:avLst/>
-          </a:prstGeom>
-        </p:spPr>
-      </p:pic>
-      <p:sp>
-        <p:nvSpPr>
-          <p:cNvPr name="TextBox 4" id="4"/>
-          <p:cNvSpPr txBox="true"/>
-          <p:nvPr/>
-        </p:nvSpPr>
-        <p:spPr>
-          <a:xfrm rot="0">
-            <a:off x="11207165" y="5898380"/>
-            <a:ext cx="6228123" cy="2724901"/>
-          </a:xfrm>
-          <a:prstGeom prst="rect">
-            <a:avLst/>
-          </a:prstGeom>
-        </p:spPr>
-        <p:txBody>
-          <a:bodyPr anchor="t" rtlCol="false" tIns="0" lIns="0" bIns="0" rIns="0">
+          <a:bodyPr lIns="0" tIns="0" rIns="0" bIns="0" rtlCol="0" anchor="t">
             <a:spAutoFit/>
           </a:bodyPr>
           <a:lstStyle/>
@@ -6442,6 +5952,12 @@
                 <a:spcPts val="3633"/>
               </a:lnSpc>
             </a:pPr>
+            <a:endParaRPr lang="en-US" sz="2595">
+              <a:solidFill>
+                <a:srgbClr val="000000"/>
+              </a:solidFill>
+              <a:latin typeface="Nunito"/>
+            </a:endParaRPr>
           </a:p>
           <a:p>
             <a:pPr>
@@ -6468,172 +5984,111 @@
                 <a:spcPct val="0"/>
               </a:spcBef>
             </a:pPr>
-          </a:p>
-        </p:txBody>
-      </p:sp>
-      <p:pic>
-        <p:nvPicPr>
-          <p:cNvPr name="Picture 5" id="5"/>
-          <p:cNvPicPr>
-            <a:picLocks noChangeAspect="true"/>
-          </p:cNvPicPr>
-          <p:nvPr/>
-        </p:nvPicPr>
-        <p:blipFill>
-          <a:blip r:embed="rId3">
-            <a:extLst>
-              <a:ext uri="{28A0092B-C50C-407E-A947-70E740481C1C}">
-                <a14:useLocalDpi xmlns:a14="http://schemas.microsoft.com/office/drawing/2010/main" val="0"/>
-              </a:ext>
-              <a:ext uri="{96DAC541-7B7A-43D3-8B79-37D633B846F1}">
-                <asvg:svgBlip xmlns:asvg="http://schemas.microsoft.com/office/drawing/2016/SVG/main" r:embed="rId4"/>
-              </a:ext>
-            </a:extLst>
-          </a:blip>
-          <a:srcRect l="0" t="0" r="0" b="0"/>
-          <a:stretch>
-            <a:fillRect/>
-          </a:stretch>
-        </p:blipFill>
-        <p:spPr>
-          <a:xfrm flipH="false" flipV="false" rot="0">
-            <a:off x="2293465" y="1767329"/>
-            <a:ext cx="6356937" cy="6697922"/>
-          </a:xfrm>
-          <a:prstGeom prst="rect">
-            <a:avLst/>
-          </a:prstGeom>
-        </p:spPr>
-      </p:pic>
+            <a:endParaRPr lang="en-US" sz="2595">
+              <a:solidFill>
+                <a:srgbClr val="000000"/>
+              </a:solidFill>
+              <a:latin typeface="Nunito"/>
+            </a:endParaRPr>
+          </a:p>
+        </p:txBody>
+      </p:sp>
+      <p:grpSp>
+        <p:nvGrpSpPr>
+          <p:cNvPr id="7" name="Group 7"/>
+          <p:cNvGrpSpPr/>
+          <p:nvPr/>
+        </p:nvGrpSpPr>
+        <p:grpSpPr>
+          <a:xfrm>
+            <a:off x="15106427" y="680298"/>
+            <a:ext cx="2597624" cy="809029"/>
+            <a:chOff x="0" y="155484"/>
+            <a:chExt cx="3463499" cy="1078705"/>
+          </a:xfrm>
+        </p:grpSpPr>
+        <p:sp>
+          <p:nvSpPr>
+            <p:cNvPr id="8" name="TextBox 8"/>
+            <p:cNvSpPr txBox="1"/>
+            <p:nvPr/>
+          </p:nvSpPr>
+          <p:spPr>
+            <a:xfrm>
+              <a:off x="0" y="155484"/>
+              <a:ext cx="3463499" cy="830701"/>
+            </a:xfrm>
+            <a:prstGeom prst="rect">
+              <a:avLst/>
+            </a:prstGeom>
+          </p:spPr>
+          <p:txBody>
+            <a:bodyPr lIns="0" tIns="0" rIns="0" bIns="0" rtlCol="0" anchor="t">
+              <a:spAutoFit/>
+            </a:bodyPr>
+            <a:lstStyle/>
+            <a:p>
+              <a:pPr>
+                <a:lnSpc>
+                  <a:spcPts val="4737"/>
+                </a:lnSpc>
+              </a:pPr>
+              <a:r>
+                <a:rPr lang="en-US" sz="4307" spc="-43" dirty="0">
+                  <a:solidFill>
+                    <a:srgbClr val="5879FA"/>
+                  </a:solidFill>
+                  <a:latin typeface="Nunito Bold"/>
+                </a:rPr>
+                <a:t>FastTech</a:t>
+              </a:r>
+            </a:p>
+          </p:txBody>
+        </p:sp>
+        <p:sp>
+          <p:nvSpPr>
+            <p:cNvPr id="9" name="TextBox 9"/>
+            <p:cNvSpPr txBox="1"/>
+            <p:nvPr/>
+          </p:nvSpPr>
+          <p:spPr>
+            <a:xfrm>
+              <a:off x="0" y="1010351"/>
+              <a:ext cx="3463499" cy="223838"/>
+            </a:xfrm>
+            <a:prstGeom prst="rect">
+              <a:avLst/>
+            </a:prstGeom>
+          </p:spPr>
+          <p:txBody>
+            <a:bodyPr lIns="0" tIns="0" rIns="0" bIns="0" rtlCol="0" anchor="t">
+              <a:spAutoFit/>
+            </a:bodyPr>
+            <a:lstStyle/>
+            <a:p>
+              <a:pPr>
+                <a:lnSpc>
+                  <a:spcPts val="1439"/>
+                </a:lnSpc>
+              </a:pPr>
+              <a:endParaRPr/>
+            </a:p>
+          </p:txBody>
+        </p:sp>
+      </p:grpSp>
     </p:spTree>
   </p:cSld>
   <p:clrMapOvr>
     <a:masterClrMapping/>
   </p:clrMapOvr>
+  <p:transition spd="slow">
+    <p:push dir="u"/>
+  </p:transition>
 </p:sld>
 </file>
 
-<file path=ppt/slides/slide7.xml><?xml version="1.0" encoding="utf-8"?>
-<p:sld xmlns:p="http://schemas.openxmlformats.org/presentationml/2006/main" xmlns:a="http://schemas.openxmlformats.org/drawingml/2006/main" xmlns:r="http://schemas.openxmlformats.org/officeDocument/2006/relationships">
-  <p:cSld>
-    <p:bg>
-      <p:bgPr>
-        <a:solidFill>
-          <a:srgbClr val="F4F4F4"/>
-        </a:solidFill>
-      </p:bgPr>
-    </p:bg>
-    <p:spTree>
-      <p:nvGrpSpPr>
-        <p:cNvPr id="1" name=""/>
-        <p:cNvGrpSpPr/>
-        <p:nvPr/>
-      </p:nvGrpSpPr>
-      <p:grpSpPr>
-        <a:xfrm>
-          <a:off x="0" y="0"/>
-          <a:ext cx="0" cy="0"/>
-          <a:chOff x="0" y="0"/>
-          <a:chExt cx="0" cy="0"/>
-        </a:xfrm>
-      </p:grpSpPr>
-      <p:sp>
-        <p:nvSpPr>
-          <p:cNvPr name="TextBox 2" id="2"/>
-          <p:cNvSpPr txBox="true"/>
-          <p:nvPr/>
-        </p:nvSpPr>
-        <p:spPr>
-          <a:xfrm rot="0">
-            <a:off x="1028700" y="1095375"/>
-            <a:ext cx="14406183" cy="1166495"/>
-          </a:xfrm>
-          <a:prstGeom prst="rect">
-            <a:avLst/>
-          </a:prstGeom>
-        </p:spPr>
-        <p:txBody>
-          <a:bodyPr anchor="t" rtlCol="false" tIns="0" lIns="0" bIns="0" rIns="0">
-            <a:spAutoFit/>
-          </a:bodyPr>
-          <a:lstStyle/>
-          <a:p>
-            <a:pPr>
-              <a:lnSpc>
-                <a:spcPts val="8910"/>
-              </a:lnSpc>
-            </a:pPr>
-            <a:r>
-              <a:rPr lang="en-US" sz="8100" spc="-81">
-                <a:solidFill>
-                  <a:srgbClr val="3884FD"/>
-                </a:solidFill>
-                <a:latin typeface="Nunito Bold"/>
-              </a:rPr>
-              <a:t>Precisamos de relatórios!</a:t>
-            </a:r>
-          </a:p>
-        </p:txBody>
-      </p:sp>
-      <p:sp>
-        <p:nvSpPr>
-          <p:cNvPr name="AutoShape 3" id="3"/>
-          <p:cNvSpPr/>
-          <p:nvPr/>
-        </p:nvSpPr>
-        <p:spPr>
-          <a:xfrm rot="0">
-            <a:off x="1028700" y="9239250"/>
-            <a:ext cx="16230600" cy="0"/>
-          </a:xfrm>
-          <a:prstGeom prst="line">
-            <a:avLst/>
-          </a:prstGeom>
-          <a:ln cap="rnd" w="19050">
-            <a:solidFill>
-              <a:srgbClr val="243762"/>
-            </a:solidFill>
-            <a:prstDash val="solid"/>
-            <a:headEnd type="none" len="sm" w="sm"/>
-            <a:tailEnd type="none" len="sm" w="sm"/>
-          </a:ln>
-        </p:spPr>
-      </p:sp>
-      <p:pic>
-        <p:nvPicPr>
-          <p:cNvPr name="Picture 4" id="4"/>
-          <p:cNvPicPr>
-            <a:picLocks noChangeAspect="true"/>
-          </p:cNvPicPr>
-          <p:nvPr/>
-        </p:nvPicPr>
-        <p:blipFill>
-          <a:blip r:embed="rId2"/>
-          <a:srcRect l="0" t="0" r="0" b="0"/>
-          <a:stretch>
-            <a:fillRect/>
-          </a:stretch>
-        </p:blipFill>
-        <p:spPr>
-          <a:xfrm flipH="false" flipV="false" rot="0">
-            <a:off x="6569203" y="2826910"/>
-            <a:ext cx="10690097" cy="6174577"/>
-          </a:xfrm>
-          <a:prstGeom prst="rect">
-            <a:avLst/>
-          </a:prstGeom>
-        </p:spPr>
-      </p:pic>
-    </p:spTree>
-  </p:cSld>
-  <p:clrMapOvr>
-    <a:masterClrMapping/>
-  </p:clrMapOvr>
-</p:sld>
-</file>
-
-<file path=ppt/slides/slide8.xml><?xml version="1.0" encoding="utf-8"?>
-<p:sld xmlns:p="http://schemas.openxmlformats.org/presentationml/2006/main" xmlns:a="http://schemas.openxmlformats.org/drawingml/2006/main" xmlns:r="http://schemas.openxmlformats.org/officeDocument/2006/relationships">
+<file path=ppt/slides/slide5.xml><?xml version="1.0" encoding="utf-8"?>
+<p:sld xmlns:a="http://schemas.openxmlformats.org/drawingml/2006/main" xmlns:r="http://schemas.openxmlformats.org/officeDocument/2006/relationships" xmlns:p="http://schemas.openxmlformats.org/presentationml/2006/main">
   <p:cSld>
     <p:spTree>
       <p:nvGrpSpPr>
@@ -6651,46 +6106,484 @@
       </p:grpSpPr>
       <p:pic>
         <p:nvPicPr>
-          <p:cNvPr name="Picture 2" id="2"/>
+          <p:cNvPr id="2" name="Picture 2"/>
           <p:cNvPicPr>
-            <a:picLocks noChangeAspect="true"/>
+            <a:picLocks noChangeAspect="1"/>
           </p:cNvPicPr>
           <p:nvPr/>
         </p:nvPicPr>
         <p:blipFill>
           <a:blip r:embed="rId2"/>
-          <a:srcRect l="0" t="0" r="0" b="0"/>
+          <a:srcRect/>
           <a:stretch>
             <a:fillRect/>
           </a:stretch>
         </p:blipFill>
         <p:spPr>
-          <a:xfrm flipH="false" flipV="false" rot="0">
-            <a:off x="2258875" y="1028700"/>
-            <a:ext cx="13770250" cy="7673755"/>
+          <a:xfrm>
+            <a:off x="14865415" y="9279485"/>
+            <a:ext cx="762000" cy="758234"/>
           </a:xfrm>
           <a:prstGeom prst="rect">
             <a:avLst/>
           </a:prstGeom>
         </p:spPr>
       </p:pic>
-      <p:sp>
-        <p:nvSpPr>
-          <p:cNvPr name="TextBox 3" id="3"/>
-          <p:cNvSpPr txBox="true"/>
-          <p:nvPr/>
-        </p:nvSpPr>
-        <p:spPr>
-          <a:xfrm rot="0">
-            <a:off x="1028700" y="1114425"/>
-            <a:ext cx="13903876" cy="1203325"/>
+      <p:pic>
+        <p:nvPicPr>
+          <p:cNvPr id="3" name="Picture 3"/>
+          <p:cNvPicPr>
+            <a:picLocks noChangeAspect="1"/>
+          </p:cNvPicPr>
+          <p:nvPr/>
+        </p:nvPicPr>
+        <p:blipFill>
+          <a:blip r:embed="rId3"/>
+          <a:srcRect/>
+          <a:stretch>
+            <a:fillRect/>
+          </a:stretch>
+        </p:blipFill>
+        <p:spPr>
+          <a:xfrm>
+            <a:off x="3657600" y="2171700"/>
+            <a:ext cx="10153284" cy="7272289"/>
           </a:xfrm>
           <a:prstGeom prst="rect">
             <a:avLst/>
           </a:prstGeom>
-        </p:spPr>
-        <p:txBody>
-          <a:bodyPr anchor="t" rtlCol="false" tIns="0" lIns="0" bIns="0" rIns="0">
+          <a:effectLst>
+            <a:outerShdw blurRad="63500" sx="102000" sy="102000" algn="ctr" rotWithShape="0">
+              <a:prstClr val="black">
+                <a:alpha val="40000"/>
+              </a:prstClr>
+            </a:outerShdw>
+          </a:effectLst>
+        </p:spPr>
+      </p:pic>
+      <p:sp>
+        <p:nvSpPr>
+          <p:cNvPr id="4" name="TextBox 4"/>
+          <p:cNvSpPr txBox="1"/>
+          <p:nvPr/>
+        </p:nvSpPr>
+        <p:spPr>
+          <a:xfrm>
+            <a:off x="1028700" y="603525"/>
+            <a:ext cx="16230600" cy="1129308"/>
+          </a:xfrm>
+          <a:prstGeom prst="rect">
+            <a:avLst/>
+          </a:prstGeom>
+        </p:spPr>
+        <p:txBody>
+          <a:bodyPr lIns="0" tIns="0" rIns="0" bIns="0" rtlCol="0" anchor="t">
+            <a:spAutoFit/>
+          </a:bodyPr>
+          <a:lstStyle/>
+          <a:p>
+            <a:pPr>
+              <a:lnSpc>
+                <a:spcPts val="8714"/>
+              </a:lnSpc>
+            </a:pPr>
+            <a:r>
+              <a:rPr lang="en-US" sz="7921" spc="-79" dirty="0">
+                <a:solidFill>
+                  <a:srgbClr val="3884FD"/>
+                </a:solidFill>
+                <a:latin typeface="Nunito Bold"/>
+              </a:rPr>
+              <a:t>Diagrama de </a:t>
+            </a:r>
+            <a:r>
+              <a:rPr lang="en-US" sz="7921" spc="-79" dirty="0" err="1">
+                <a:solidFill>
+                  <a:srgbClr val="3884FD"/>
+                </a:solidFill>
+                <a:latin typeface="Nunito Bold"/>
+              </a:rPr>
+              <a:t>solução</a:t>
+            </a:r>
+            <a:r>
+              <a:rPr lang="en-US" sz="7921" spc="-79" dirty="0">
+                <a:solidFill>
+                  <a:srgbClr val="3884FD"/>
+                </a:solidFill>
+                <a:latin typeface="Nunito Bold"/>
+              </a:rPr>
+              <a:t> de software</a:t>
+            </a:r>
+          </a:p>
+        </p:txBody>
+      </p:sp>
+      <p:grpSp>
+        <p:nvGrpSpPr>
+          <p:cNvPr id="5" name="Group 5"/>
+          <p:cNvGrpSpPr/>
+          <p:nvPr/>
+        </p:nvGrpSpPr>
+        <p:grpSpPr>
+          <a:xfrm>
+            <a:off x="15690376" y="9385846"/>
+            <a:ext cx="2660585" cy="756869"/>
+            <a:chOff x="0" y="270751"/>
+            <a:chExt cx="3547447" cy="1009158"/>
+          </a:xfrm>
+        </p:grpSpPr>
+        <p:sp>
+          <p:nvSpPr>
+            <p:cNvPr id="6" name="TextBox 6"/>
+            <p:cNvSpPr txBox="1"/>
+            <p:nvPr/>
+          </p:nvSpPr>
+          <p:spPr>
+            <a:xfrm>
+              <a:off x="83948" y="270751"/>
+              <a:ext cx="3463499" cy="876421"/>
+            </a:xfrm>
+            <a:prstGeom prst="rect">
+              <a:avLst/>
+            </a:prstGeom>
+          </p:spPr>
+          <p:txBody>
+            <a:bodyPr lIns="0" tIns="0" rIns="0" bIns="0" rtlCol="0" anchor="t">
+              <a:spAutoFit/>
+            </a:bodyPr>
+            <a:lstStyle/>
+            <a:p>
+              <a:pPr>
+                <a:lnSpc>
+                  <a:spcPts val="4957"/>
+                </a:lnSpc>
+              </a:pPr>
+              <a:r>
+                <a:rPr lang="en-US" sz="4507" spc="-45" dirty="0">
+                  <a:solidFill>
+                    <a:srgbClr val="5879FA"/>
+                  </a:solidFill>
+                  <a:latin typeface="Nunito Bold"/>
+                </a:rPr>
+                <a:t>FastTech</a:t>
+              </a:r>
+            </a:p>
+          </p:txBody>
+        </p:sp>
+        <p:sp>
+          <p:nvSpPr>
+            <p:cNvPr id="7" name="TextBox 7"/>
+            <p:cNvSpPr txBox="1"/>
+            <p:nvPr/>
+          </p:nvSpPr>
+          <p:spPr>
+            <a:xfrm>
+              <a:off x="0" y="1056071"/>
+              <a:ext cx="3463499" cy="223838"/>
+            </a:xfrm>
+            <a:prstGeom prst="rect">
+              <a:avLst/>
+            </a:prstGeom>
+          </p:spPr>
+          <p:txBody>
+            <a:bodyPr lIns="0" tIns="0" rIns="0" bIns="0" rtlCol="0" anchor="t">
+              <a:spAutoFit/>
+            </a:bodyPr>
+            <a:lstStyle/>
+            <a:p>
+              <a:pPr>
+                <a:lnSpc>
+                  <a:spcPts val="1439"/>
+                </a:lnSpc>
+              </a:pPr>
+              <a:endParaRPr/>
+            </a:p>
+          </p:txBody>
+        </p:sp>
+      </p:grpSp>
+    </p:spTree>
+  </p:cSld>
+  <p:clrMapOvr>
+    <a:masterClrMapping/>
+  </p:clrMapOvr>
+  <p:transition spd="slow">
+    <p:wipe/>
+  </p:transition>
+</p:sld>
+</file>
+
+<file path=ppt/slides/slide6.xml><?xml version="1.0" encoding="utf-8"?>
+<p:sld xmlns:a="http://schemas.openxmlformats.org/drawingml/2006/main" xmlns:r="http://schemas.openxmlformats.org/officeDocument/2006/relationships" xmlns:p="http://schemas.openxmlformats.org/presentationml/2006/main">
+  <p:cSld>
+    <p:spTree>
+      <p:nvGrpSpPr>
+        <p:cNvPr id="1" name=""/>
+        <p:cNvGrpSpPr/>
+        <p:nvPr/>
+      </p:nvGrpSpPr>
+      <p:grpSpPr>
+        <a:xfrm>
+          <a:off x="0" y="0"/>
+          <a:ext cx="0" cy="0"/>
+          <a:chOff x="0" y="0"/>
+          <a:chExt cx="0" cy="0"/>
+        </a:xfrm>
+      </p:grpSpPr>
+      <p:sp>
+        <p:nvSpPr>
+          <p:cNvPr id="2" name="TextBox 2"/>
+          <p:cNvSpPr txBox="1"/>
+          <p:nvPr/>
+        </p:nvSpPr>
+        <p:spPr>
+          <a:xfrm>
+            <a:off x="1028700" y="327220"/>
+            <a:ext cx="14406183" cy="1166495"/>
+          </a:xfrm>
+          <a:prstGeom prst="rect">
+            <a:avLst/>
+          </a:prstGeom>
+        </p:spPr>
+        <p:txBody>
+          <a:bodyPr lIns="0" tIns="0" rIns="0" bIns="0" rtlCol="0" anchor="t">
+            <a:spAutoFit/>
+          </a:bodyPr>
+          <a:lstStyle/>
+          <a:p>
+            <a:pPr>
+              <a:lnSpc>
+                <a:spcPts val="8910"/>
+              </a:lnSpc>
+            </a:pPr>
+            <a:r>
+              <a:rPr lang="en-US" sz="8100" spc="-81">
+                <a:solidFill>
+                  <a:srgbClr val="3884FD"/>
+                </a:solidFill>
+                <a:latin typeface="Nunito Bold"/>
+              </a:rPr>
+              <a:t>BPMN</a:t>
+            </a:r>
+          </a:p>
+        </p:txBody>
+      </p:sp>
+      <p:sp>
+        <p:nvSpPr>
+          <p:cNvPr id="3" name="AutoShape 3"/>
+          <p:cNvSpPr/>
+          <p:nvPr/>
+        </p:nvSpPr>
+        <p:spPr>
+          <a:xfrm>
+            <a:off x="1028700" y="9258300"/>
+            <a:ext cx="16230600" cy="0"/>
+          </a:xfrm>
+          <a:prstGeom prst="line">
+            <a:avLst/>
+          </a:prstGeom>
+          <a:ln w="19050" cap="rnd">
+            <a:solidFill>
+              <a:srgbClr val="243762"/>
+            </a:solidFill>
+            <a:prstDash val="solid"/>
+            <a:headEnd type="none" w="sm" len="sm"/>
+            <a:tailEnd type="none" w="sm" len="sm"/>
+          </a:ln>
+        </p:spPr>
+      </p:sp>
+      <p:pic>
+        <p:nvPicPr>
+          <p:cNvPr id="4" name="Picture 4"/>
+          <p:cNvPicPr>
+            <a:picLocks noChangeAspect="1"/>
+          </p:cNvPicPr>
+          <p:nvPr/>
+        </p:nvPicPr>
+        <p:blipFill>
+          <a:blip r:embed="rId2"/>
+          <a:srcRect/>
+          <a:stretch>
+            <a:fillRect/>
+          </a:stretch>
+        </p:blipFill>
+        <p:spPr>
+          <a:xfrm>
+            <a:off x="14814983" y="300318"/>
+            <a:ext cx="804114" cy="800139"/>
+          </a:xfrm>
+          <a:prstGeom prst="rect">
+            <a:avLst/>
+          </a:prstGeom>
+        </p:spPr>
+      </p:pic>
+      <p:pic>
+        <p:nvPicPr>
+          <p:cNvPr id="5" name="Picture 5"/>
+          <p:cNvPicPr>
+            <a:picLocks noChangeAspect="1"/>
+          </p:cNvPicPr>
+          <p:nvPr/>
+        </p:nvPicPr>
+        <p:blipFill>
+          <a:blip r:embed="rId3"/>
+          <a:srcRect t="7109" b="7109"/>
+          <a:stretch>
+            <a:fillRect/>
+          </a:stretch>
+        </p:blipFill>
+        <p:spPr>
+          <a:xfrm>
+            <a:off x="3473017" y="1507338"/>
+            <a:ext cx="11341966" cy="7309117"/>
+          </a:xfrm>
+          <a:prstGeom prst="rect">
+            <a:avLst/>
+          </a:prstGeom>
+          <a:effectLst>
+            <a:outerShdw blurRad="63500" sx="102000" sy="102000" algn="ctr" rotWithShape="0">
+              <a:prstClr val="black">
+                <a:alpha val="40000"/>
+              </a:prstClr>
+            </a:outerShdw>
+          </a:effectLst>
+        </p:spPr>
+      </p:pic>
+      <p:grpSp>
+        <p:nvGrpSpPr>
+          <p:cNvPr id="6" name="Group 6"/>
+          <p:cNvGrpSpPr/>
+          <p:nvPr/>
+        </p:nvGrpSpPr>
+        <p:grpSpPr>
+          <a:xfrm>
+            <a:off x="15690376" y="374830"/>
+            <a:ext cx="2597624" cy="1049182"/>
+            <a:chOff x="0" y="-164720"/>
+            <a:chExt cx="3463499" cy="1398909"/>
+          </a:xfrm>
+        </p:grpSpPr>
+        <p:sp>
+          <p:nvSpPr>
+            <p:cNvPr id="7" name="TextBox 7"/>
+            <p:cNvSpPr txBox="1"/>
+            <p:nvPr/>
+          </p:nvSpPr>
+          <p:spPr>
+            <a:xfrm>
+              <a:off x="0" y="-164720"/>
+              <a:ext cx="3463499" cy="830701"/>
+            </a:xfrm>
+            <a:prstGeom prst="rect">
+              <a:avLst/>
+            </a:prstGeom>
+          </p:spPr>
+          <p:txBody>
+            <a:bodyPr lIns="0" tIns="0" rIns="0" bIns="0" rtlCol="0" anchor="t">
+              <a:spAutoFit/>
+            </a:bodyPr>
+            <a:lstStyle/>
+            <a:p>
+              <a:pPr>
+                <a:lnSpc>
+                  <a:spcPts val="4737"/>
+                </a:lnSpc>
+              </a:pPr>
+              <a:r>
+                <a:rPr lang="en-US" sz="4307" spc="-43" dirty="0">
+                  <a:solidFill>
+                    <a:srgbClr val="5879FA"/>
+                  </a:solidFill>
+                  <a:latin typeface="Nunito Bold"/>
+                </a:rPr>
+                <a:t>FastTech</a:t>
+              </a:r>
+            </a:p>
+          </p:txBody>
+        </p:sp>
+        <p:sp>
+          <p:nvSpPr>
+            <p:cNvPr id="8" name="TextBox 8"/>
+            <p:cNvSpPr txBox="1"/>
+            <p:nvPr/>
+          </p:nvSpPr>
+          <p:spPr>
+            <a:xfrm>
+              <a:off x="0" y="1010351"/>
+              <a:ext cx="3463499" cy="223838"/>
+            </a:xfrm>
+            <a:prstGeom prst="rect">
+              <a:avLst/>
+            </a:prstGeom>
+          </p:spPr>
+          <p:txBody>
+            <a:bodyPr lIns="0" tIns="0" rIns="0" bIns="0" rtlCol="0" anchor="t">
+              <a:spAutoFit/>
+            </a:bodyPr>
+            <a:lstStyle/>
+            <a:p>
+              <a:pPr>
+                <a:lnSpc>
+                  <a:spcPts val="1439"/>
+                </a:lnSpc>
+              </a:pPr>
+              <a:endParaRPr/>
+            </a:p>
+          </p:txBody>
+        </p:sp>
+      </p:grpSp>
+    </p:spTree>
+  </p:cSld>
+  <p:clrMapOvr>
+    <a:masterClrMapping/>
+  </p:clrMapOvr>
+  <mc:AlternateContent xmlns:mc="http://schemas.openxmlformats.org/markup-compatibility/2006" xmlns:p14="http://schemas.microsoft.com/office/powerpoint/2010/main">
+    <mc:Choice Requires="p14">
+      <p:transition spd="med" p14:dur="700">
+        <p:fade/>
+      </p:transition>
+    </mc:Choice>
+    <mc:Fallback xmlns="">
+      <p:transition spd="med">
+        <p:fade/>
+      </p:transition>
+    </mc:Fallback>
+  </mc:AlternateContent>
+</p:sld>
+</file>
+
+<file path=ppt/slides/slide7.xml><?xml version="1.0" encoding="utf-8"?>
+<p:sld xmlns:a="http://schemas.openxmlformats.org/drawingml/2006/main" xmlns:r="http://schemas.openxmlformats.org/officeDocument/2006/relationships" xmlns:p="http://schemas.openxmlformats.org/presentationml/2006/main">
+  <p:cSld>
+    <p:spTree>
+      <p:nvGrpSpPr>
+        <p:cNvPr id="1" name=""/>
+        <p:cNvGrpSpPr/>
+        <p:nvPr/>
+      </p:nvGrpSpPr>
+      <p:grpSpPr>
+        <a:xfrm>
+          <a:off x="0" y="0"/>
+          <a:ext cx="0" cy="0"/>
+          <a:chOff x="0" y="0"/>
+          <a:chExt cx="0" cy="0"/>
+        </a:xfrm>
+      </p:grpSpPr>
+      <p:sp>
+        <p:nvSpPr>
+          <p:cNvPr id="2" name="TextBox 2"/>
+          <p:cNvSpPr txBox="1"/>
+          <p:nvPr/>
+        </p:nvSpPr>
+        <p:spPr>
+          <a:xfrm>
+            <a:off x="870134" y="466725"/>
+            <a:ext cx="13903876" cy="1209675"/>
+          </a:xfrm>
+          <a:prstGeom prst="rect">
+            <a:avLst/>
+          </a:prstGeom>
+        </p:spPr>
+        <p:txBody>
+          <a:bodyPr lIns="0" tIns="0" rIns="0" bIns="0" rtlCol="0" anchor="t">
             <a:spAutoFit/>
           </a:bodyPr>
           <a:lstStyle/>
@@ -6707,21 +6600,132 @@
                 </a:solidFill>
                 <a:latin typeface="Nunito Bold"/>
               </a:rPr>
-              <a:t>HLD</a:t>
-            </a:r>
-          </a:p>
-        </p:txBody>
-      </p:sp>
+              <a:t>Mockup de Tela</a:t>
+            </a:r>
+          </a:p>
+        </p:txBody>
+      </p:sp>
+      <p:pic>
+        <p:nvPicPr>
+          <p:cNvPr id="3" name="Picture 3"/>
+          <p:cNvPicPr>
+            <a:picLocks noChangeAspect="1"/>
+          </p:cNvPicPr>
+          <p:nvPr/>
+        </p:nvPicPr>
+        <p:blipFill>
+          <a:blip r:embed="rId2"/>
+          <a:srcRect/>
+          <a:stretch>
+            <a:fillRect/>
+          </a:stretch>
+        </p:blipFill>
+        <p:spPr>
+          <a:xfrm>
+            <a:off x="14115047" y="435041"/>
+            <a:ext cx="825172" cy="821093"/>
+          </a:xfrm>
+          <a:prstGeom prst="rect">
+            <a:avLst/>
+          </a:prstGeom>
+        </p:spPr>
+      </p:pic>
+      <p:grpSp>
+        <p:nvGrpSpPr>
+          <p:cNvPr id="5" name="Group 5"/>
+          <p:cNvGrpSpPr/>
+          <p:nvPr/>
+        </p:nvGrpSpPr>
+        <p:grpSpPr>
+          <a:xfrm>
+            <a:off x="15106427" y="563685"/>
+            <a:ext cx="2597624" cy="930030"/>
+            <a:chOff x="0" y="0"/>
+            <a:chExt cx="3463499" cy="1240040"/>
+          </a:xfrm>
+        </p:grpSpPr>
+        <p:sp>
+          <p:nvSpPr>
+            <p:cNvPr id="6" name="TextBox 6"/>
+            <p:cNvSpPr txBox="1"/>
+            <p:nvPr/>
+          </p:nvSpPr>
+          <p:spPr>
+            <a:xfrm>
+              <a:off x="0" y="38100"/>
+              <a:ext cx="3463499" cy="830701"/>
+            </a:xfrm>
+            <a:prstGeom prst="rect">
+              <a:avLst/>
+            </a:prstGeom>
+          </p:spPr>
+          <p:txBody>
+            <a:bodyPr lIns="0" tIns="0" rIns="0" bIns="0" rtlCol="0" anchor="t">
+              <a:spAutoFit/>
+            </a:bodyPr>
+            <a:lstStyle/>
+            <a:p>
+              <a:pPr>
+                <a:lnSpc>
+                  <a:spcPts val="4737"/>
+                </a:lnSpc>
+              </a:pPr>
+              <a:r>
+                <a:rPr lang="en-US" sz="4307" spc="-43" dirty="0">
+                  <a:solidFill>
+                    <a:srgbClr val="5879FA"/>
+                  </a:solidFill>
+                  <a:latin typeface="Nunito Bold"/>
+                </a:rPr>
+                <a:t>FastTech</a:t>
+              </a:r>
+            </a:p>
+          </p:txBody>
+        </p:sp>
+        <p:sp>
+          <p:nvSpPr>
+            <p:cNvPr id="7" name="TextBox 7"/>
+            <p:cNvSpPr txBox="1"/>
+            <p:nvPr/>
+          </p:nvSpPr>
+          <p:spPr>
+            <a:xfrm>
+              <a:off x="0" y="1010351"/>
+              <a:ext cx="3463499" cy="223838"/>
+            </a:xfrm>
+            <a:prstGeom prst="rect">
+              <a:avLst/>
+            </a:prstGeom>
+          </p:spPr>
+          <p:txBody>
+            <a:bodyPr lIns="0" tIns="0" rIns="0" bIns="0" rtlCol="0" anchor="t">
+              <a:spAutoFit/>
+            </a:bodyPr>
+            <a:lstStyle/>
+            <a:p>
+              <a:pPr>
+                <a:lnSpc>
+                  <a:spcPts val="1439"/>
+                </a:lnSpc>
+              </a:pPr>
+              <a:endParaRPr/>
+            </a:p>
+          </p:txBody>
+        </p:sp>
+      </p:grpSp>
     </p:spTree>
   </p:cSld>
   <p:clrMapOvr>
     <a:masterClrMapping/>
   </p:clrMapOvr>
+  <p:transition spd="slow">
+    <p:cover/>
+  </p:transition>
 </p:sld>
 </file>
 
-<file path=ppt/slides/slide9.xml><?xml version="1.0" encoding="utf-8"?>
-<p:sld xmlns:p="http://schemas.openxmlformats.org/presentationml/2006/main" xmlns:a="http://schemas.openxmlformats.org/drawingml/2006/main" xmlns:r="http://schemas.openxmlformats.org/officeDocument/2006/relationships">
+<file path=ppt/slides/slide8.xml><?xml version="1.0" encoding="utf-8"?>
+<p:sld xmlns:a="http://schemas.openxmlformats.org/drawingml/2006/main" xmlns:r="http://schemas.openxmlformats.org/officeDocument/2006/relationships" xmlns:p="http://schemas.openxmlformats.org/presentationml/2006/main">
   <p:cSld>
     <p:spTree>
       <p:nvGrpSpPr>
@@ -6739,23 +6743,32 @@
       </p:grpSpPr>
       <p:pic>
         <p:nvPicPr>
-          <p:cNvPr name="Picture 2" id="2"/>
+          <p:cNvPr id="2" name="Picture 2"/>
           <p:cNvPicPr>
-            <a:picLocks noChangeAspect="true"/>
+            <a:picLocks noChangeAspect="1"/>
           </p:cNvPicPr>
           <p:nvPr/>
         </p:nvPicPr>
         <p:blipFill>
-          <a:blip r:embed="rId2"/>
-          <a:srcRect l="0" t="0" r="0" b="0"/>
+          <a:blip r:embed="rId2">
+            <a:extLst>
+              <a:ext uri="{28A0092B-C50C-407E-A947-70E740481C1C}">
+                <a14:useLocalDpi xmlns:a14="http://schemas.microsoft.com/office/drawing/2010/main" val="0"/>
+              </a:ext>
+              <a:ext uri="{96DAC541-7B7A-43D3-8B79-37D633B846F1}">
+                <asvg:svgBlip xmlns:asvg="http://schemas.microsoft.com/office/drawing/2016/SVG/main" r:embed="rId3"/>
+              </a:ext>
+            </a:extLst>
+          </a:blip>
+          <a:srcRect/>
           <a:stretch>
             <a:fillRect/>
           </a:stretch>
         </p:blipFill>
         <p:spPr>
-          <a:xfrm flipH="false" flipV="false" rot="0">
-            <a:off x="3358469" y="673323"/>
-            <a:ext cx="10920499" cy="8940354"/>
+          <a:xfrm>
+            <a:off x="9559658" y="2907033"/>
+            <a:ext cx="5993286" cy="6351267"/>
           </a:xfrm>
           <a:prstGeom prst="rect">
             <a:avLst/>
@@ -6764,47 +6777,475 @@
       </p:pic>
       <p:sp>
         <p:nvSpPr>
-          <p:cNvPr name="TextBox 3" id="3"/>
-          <p:cNvSpPr txBox="true"/>
-          <p:nvPr/>
-        </p:nvSpPr>
-        <p:spPr>
-          <a:xfrm rot="0">
-            <a:off x="1028700" y="1104900"/>
-            <a:ext cx="5984034" cy="1129308"/>
+          <p:cNvPr id="3" name="AutoShape 3"/>
+          <p:cNvSpPr/>
+          <p:nvPr/>
+        </p:nvSpPr>
+        <p:spPr>
+          <a:xfrm>
+            <a:off x="9640187" y="9258300"/>
+            <a:ext cx="5832227" cy="0"/>
+          </a:xfrm>
+          <a:prstGeom prst="line">
+            <a:avLst/>
+          </a:prstGeom>
+          <a:ln w="19050" cap="rnd">
+            <a:solidFill>
+              <a:srgbClr val="243762"/>
+            </a:solidFill>
+            <a:prstDash val="solid"/>
+            <a:headEnd type="none" w="sm" len="sm"/>
+            <a:tailEnd type="none" w="sm" len="sm"/>
+          </a:ln>
+        </p:spPr>
+      </p:sp>
+      <p:sp>
+        <p:nvSpPr>
+          <p:cNvPr id="4" name="TextBox 4"/>
+          <p:cNvSpPr txBox="1"/>
+          <p:nvPr/>
+        </p:nvSpPr>
+        <p:spPr>
+          <a:xfrm>
+            <a:off x="1845629" y="1885895"/>
+            <a:ext cx="6281075" cy="1285875"/>
           </a:xfrm>
           <a:prstGeom prst="rect">
             <a:avLst/>
           </a:prstGeom>
         </p:spPr>
         <p:txBody>
-          <a:bodyPr anchor="t" rtlCol="false" tIns="0" lIns="0" bIns="0" rIns="0">
+          <a:bodyPr lIns="0" tIns="0" rIns="0" bIns="0" rtlCol="0" anchor="t">
             <a:spAutoFit/>
           </a:bodyPr>
           <a:lstStyle/>
           <a:p>
             <a:pPr>
               <a:lnSpc>
-                <a:spcPts val="8714"/>
+                <a:spcPts val="9899"/>
               </a:lnSpc>
             </a:pPr>
             <a:r>
-              <a:rPr lang="en-US" sz="7921" spc="-79">
+              <a:rPr lang="en-US" sz="8999" spc="-89">
                 <a:solidFill>
                   <a:srgbClr val="3884FD"/>
                 </a:solidFill>
                 <a:latin typeface="Nunito Bold"/>
               </a:rPr>
-              <a:t>LLD</a:t>
-            </a:r>
-          </a:p>
-        </p:txBody>
-      </p:sp>
+              <a:t>Tela Swing</a:t>
+            </a:r>
+          </a:p>
+        </p:txBody>
+      </p:sp>
+      <p:sp>
+        <p:nvSpPr>
+          <p:cNvPr id="7" name="TextBox 7"/>
+          <p:cNvSpPr txBox="1"/>
+          <p:nvPr/>
+        </p:nvSpPr>
+        <p:spPr>
+          <a:xfrm>
+            <a:off x="15106427" y="1321448"/>
+            <a:ext cx="2597624" cy="167879"/>
+          </a:xfrm>
+          <a:prstGeom prst="rect">
+            <a:avLst/>
+          </a:prstGeom>
+        </p:spPr>
+        <p:txBody>
+          <a:bodyPr lIns="0" tIns="0" rIns="0" bIns="0" rtlCol="0" anchor="t">
+            <a:spAutoFit/>
+          </a:bodyPr>
+          <a:lstStyle/>
+          <a:p>
+            <a:pPr>
+              <a:lnSpc>
+                <a:spcPts val="1439"/>
+              </a:lnSpc>
+            </a:pPr>
+            <a:endParaRPr/>
+          </a:p>
+        </p:txBody>
+      </p:sp>
+      <p:sp>
+        <p:nvSpPr>
+          <p:cNvPr id="9" name="TextBox 6">
+            <a:extLst>
+              <a:ext uri="{FF2B5EF4-FFF2-40B4-BE49-F238E27FC236}">
+                <a16:creationId xmlns:a16="http://schemas.microsoft.com/office/drawing/2014/main" id="{C34F50F5-5DA2-45DC-8CB7-B01F29C2B28F}"/>
+              </a:ext>
+            </a:extLst>
+          </p:cNvPr>
+          <p:cNvSpPr txBox="1"/>
+          <p:nvPr/>
+        </p:nvSpPr>
+        <p:spPr>
+          <a:xfrm>
+            <a:off x="15106427" y="592260"/>
+            <a:ext cx="2597624" cy="623026"/>
+          </a:xfrm>
+          <a:prstGeom prst="rect">
+            <a:avLst/>
+          </a:prstGeom>
+        </p:spPr>
+        <p:txBody>
+          <a:bodyPr lIns="0" tIns="0" rIns="0" bIns="0" rtlCol="0" anchor="t">
+            <a:spAutoFit/>
+          </a:bodyPr>
+          <a:lstStyle/>
+          <a:p>
+            <a:pPr>
+              <a:lnSpc>
+                <a:spcPts val="4737"/>
+              </a:lnSpc>
+            </a:pPr>
+            <a:r>
+              <a:rPr lang="en-US" sz="4307" spc="-43" dirty="0">
+                <a:solidFill>
+                  <a:srgbClr val="5879FA"/>
+                </a:solidFill>
+                <a:latin typeface="Nunito Bold"/>
+              </a:rPr>
+              <a:t>FastTech</a:t>
+            </a:r>
+          </a:p>
+        </p:txBody>
+      </p:sp>
+      <p:pic>
+        <p:nvPicPr>
+          <p:cNvPr id="10" name="Picture 3">
+            <a:extLst>
+              <a:ext uri="{FF2B5EF4-FFF2-40B4-BE49-F238E27FC236}">
+                <a16:creationId xmlns:a16="http://schemas.microsoft.com/office/drawing/2014/main" id="{71ECA046-3251-4AFF-8758-51DE7D98EC12}"/>
+              </a:ext>
+            </a:extLst>
+          </p:cNvPr>
+          <p:cNvPicPr>
+            <a:picLocks noChangeAspect="1"/>
+          </p:cNvPicPr>
+          <p:nvPr/>
+        </p:nvPicPr>
+        <p:blipFill>
+          <a:blip r:embed="rId4"/>
+          <a:srcRect/>
+          <a:stretch>
+            <a:fillRect/>
+          </a:stretch>
+        </p:blipFill>
+        <p:spPr>
+          <a:xfrm>
+            <a:off x="14115047" y="435041"/>
+            <a:ext cx="825172" cy="821093"/>
+          </a:xfrm>
+          <a:prstGeom prst="rect">
+            <a:avLst/>
+          </a:prstGeom>
+        </p:spPr>
+      </p:pic>
     </p:spTree>
   </p:cSld>
   <p:clrMapOvr>
     <a:masterClrMapping/>
   </p:clrMapOvr>
+  <mc:AlternateContent xmlns:mc="http://schemas.openxmlformats.org/markup-compatibility/2006" xmlns:p14="http://schemas.microsoft.com/office/powerpoint/2010/main">
+    <mc:Choice Requires="p14">
+      <p:transition spd="slow" p14:dur="1500">
+        <p:split orient="vert"/>
+      </p:transition>
+    </mc:Choice>
+    <mc:Fallback xmlns="">
+      <p:transition spd="slow">
+        <p:split orient="vert"/>
+      </p:transition>
+    </mc:Fallback>
+  </mc:AlternateContent>
+</p:sld>
+</file>
+
+<file path=ppt/slides/slide9.xml><?xml version="1.0" encoding="utf-8"?>
+<p:sld xmlns:a="http://schemas.openxmlformats.org/drawingml/2006/main" xmlns:r="http://schemas.openxmlformats.org/officeDocument/2006/relationships" xmlns:p="http://schemas.openxmlformats.org/presentationml/2006/main">
+  <p:cSld>
+    <p:spTree>
+      <p:nvGrpSpPr>
+        <p:cNvPr id="1" name=""/>
+        <p:cNvGrpSpPr/>
+        <p:nvPr/>
+      </p:nvGrpSpPr>
+      <p:grpSpPr>
+        <a:xfrm>
+          <a:off x="0" y="0"/>
+          <a:ext cx="0" cy="0"/>
+          <a:chOff x="0" y="0"/>
+          <a:chExt cx="0" cy="0"/>
+        </a:xfrm>
+      </p:grpSpPr>
+      <p:sp>
+        <p:nvSpPr>
+          <p:cNvPr id="2" name="TextBox 2"/>
+          <p:cNvSpPr txBox="1"/>
+          <p:nvPr/>
+        </p:nvSpPr>
+        <p:spPr>
+          <a:xfrm>
+            <a:off x="1028700" y="1690626"/>
+            <a:ext cx="10981377" cy="2945425"/>
+          </a:xfrm>
+          <a:prstGeom prst="rect">
+            <a:avLst/>
+          </a:prstGeom>
+        </p:spPr>
+        <p:txBody>
+          <a:bodyPr lIns="0" tIns="0" rIns="0" bIns="0" rtlCol="0" anchor="t">
+            <a:spAutoFit/>
+          </a:bodyPr>
+          <a:lstStyle/>
+          <a:p>
+            <a:pPr>
+              <a:lnSpc>
+                <a:spcPts val="11465"/>
+              </a:lnSpc>
+            </a:pPr>
+            <a:r>
+              <a:rPr lang="en-US" sz="10423" spc="-104">
+                <a:solidFill>
+                  <a:srgbClr val="3884FD"/>
+                </a:solidFill>
+                <a:latin typeface="Nunito Bold"/>
+              </a:rPr>
+              <a:t>Dashboard Estático</a:t>
+            </a:r>
+          </a:p>
+        </p:txBody>
+      </p:sp>
+      <p:grpSp>
+        <p:nvGrpSpPr>
+          <p:cNvPr id="3" name="Group 3"/>
+          <p:cNvGrpSpPr/>
+          <p:nvPr/>
+        </p:nvGrpSpPr>
+        <p:grpSpPr>
+          <a:xfrm>
+            <a:off x="8003817" y="4400854"/>
+            <a:ext cx="9217866" cy="4334932"/>
+            <a:chOff x="0" y="0"/>
+            <a:chExt cx="12290487" cy="5779909"/>
+          </a:xfrm>
+        </p:grpSpPr>
+        <p:pic>
+          <p:nvPicPr>
+            <p:cNvPr id="4" name="Picture 4"/>
+            <p:cNvPicPr>
+              <a:picLocks noChangeAspect="1"/>
+            </p:cNvPicPr>
+            <p:nvPr/>
+          </p:nvPicPr>
+          <p:blipFill>
+            <a:blip r:embed="rId2">
+              <a:extLst>
+                <a:ext uri="{28A0092B-C50C-407E-A947-70E740481C1C}">
+                  <a14:useLocalDpi xmlns:a14="http://schemas.microsoft.com/office/drawing/2010/main" val="0"/>
+                </a:ext>
+                <a:ext uri="{96DAC541-7B7A-43D3-8B79-37D633B846F1}">
+                  <asvg:svgBlip xmlns:asvg="http://schemas.microsoft.com/office/drawing/2016/SVG/main" r:embed="rId3"/>
+                </a:ext>
+              </a:extLst>
+            </a:blip>
+            <a:srcRect/>
+            <a:stretch>
+              <a:fillRect/>
+            </a:stretch>
+          </p:blipFill>
+          <p:spPr>
+            <a:xfrm>
+              <a:off x="598023" y="0"/>
+              <a:ext cx="5601257" cy="5779909"/>
+            </a:xfrm>
+            <a:prstGeom prst="rect">
+              <a:avLst/>
+            </a:prstGeom>
+          </p:spPr>
+        </p:pic>
+        <p:pic>
+          <p:nvPicPr>
+            <p:cNvPr id="5" name="Picture 5"/>
+            <p:cNvPicPr>
+              <a:picLocks noChangeAspect="1"/>
+            </p:cNvPicPr>
+            <p:nvPr/>
+          </p:nvPicPr>
+          <p:blipFill>
+            <a:blip r:embed="rId4">
+              <a:extLst>
+                <a:ext uri="{28A0092B-C50C-407E-A947-70E740481C1C}">
+                  <a14:useLocalDpi xmlns:a14="http://schemas.microsoft.com/office/drawing/2010/main" val="0"/>
+                </a:ext>
+                <a:ext uri="{96DAC541-7B7A-43D3-8B79-37D633B846F1}">
+                  <asvg:svgBlip xmlns:asvg="http://schemas.microsoft.com/office/drawing/2016/SVG/main" r:embed="rId5"/>
+                </a:ext>
+              </a:extLst>
+            </a:blip>
+            <a:srcRect/>
+            <a:stretch>
+              <a:fillRect/>
+            </a:stretch>
+          </p:blipFill>
+          <p:spPr>
+            <a:xfrm>
+              <a:off x="4661039" y="1594934"/>
+              <a:ext cx="5627716" cy="4184975"/>
+            </a:xfrm>
+            <a:prstGeom prst="rect">
+              <a:avLst/>
+            </a:prstGeom>
+          </p:spPr>
+        </p:pic>
+        <p:sp>
+          <p:nvSpPr>
+            <p:cNvPr id="6" name="AutoShape 6"/>
+            <p:cNvSpPr/>
+            <p:nvPr/>
+          </p:nvSpPr>
+          <p:spPr>
+            <a:xfrm>
+              <a:off x="0" y="5741346"/>
+              <a:ext cx="12290487" cy="0"/>
+            </a:xfrm>
+            <a:prstGeom prst="line">
+              <a:avLst/>
+            </a:prstGeom>
+            <a:ln w="30850" cap="rnd">
+              <a:solidFill>
+                <a:srgbClr val="243762"/>
+              </a:solidFill>
+              <a:prstDash val="solid"/>
+              <a:headEnd type="none" w="sm" len="sm"/>
+              <a:tailEnd type="none" w="sm" len="sm"/>
+            </a:ln>
+          </p:spPr>
+        </p:sp>
+      </p:grpSp>
+      <p:sp>
+        <p:nvSpPr>
+          <p:cNvPr id="9" name="TextBox 9"/>
+          <p:cNvSpPr txBox="1"/>
+          <p:nvPr/>
+        </p:nvSpPr>
+        <p:spPr>
+          <a:xfrm>
+            <a:off x="15106427" y="1321448"/>
+            <a:ext cx="2597624" cy="167879"/>
+          </a:xfrm>
+          <a:prstGeom prst="rect">
+            <a:avLst/>
+          </a:prstGeom>
+        </p:spPr>
+        <p:txBody>
+          <a:bodyPr lIns="0" tIns="0" rIns="0" bIns="0" rtlCol="0" anchor="t">
+            <a:spAutoFit/>
+          </a:bodyPr>
+          <a:lstStyle/>
+          <a:p>
+            <a:pPr>
+              <a:lnSpc>
+                <a:spcPts val="1439"/>
+              </a:lnSpc>
+            </a:pPr>
+            <a:endParaRPr/>
+          </a:p>
+        </p:txBody>
+      </p:sp>
+      <p:pic>
+        <p:nvPicPr>
+          <p:cNvPr id="11" name="Picture 3">
+            <a:extLst>
+              <a:ext uri="{FF2B5EF4-FFF2-40B4-BE49-F238E27FC236}">
+                <a16:creationId xmlns:a16="http://schemas.microsoft.com/office/drawing/2014/main" id="{E62888E2-3A12-4624-8771-B34467BB82DE}"/>
+              </a:ext>
+            </a:extLst>
+          </p:cNvPr>
+          <p:cNvPicPr>
+            <a:picLocks noChangeAspect="1"/>
+          </p:cNvPicPr>
+          <p:nvPr/>
+        </p:nvPicPr>
+        <p:blipFill>
+          <a:blip r:embed="rId6"/>
+          <a:srcRect/>
+          <a:stretch>
+            <a:fillRect/>
+          </a:stretch>
+        </p:blipFill>
+        <p:spPr>
+          <a:xfrm>
+            <a:off x="14115047" y="369727"/>
+            <a:ext cx="825172" cy="821093"/>
+          </a:xfrm>
+          <a:prstGeom prst="rect">
+            <a:avLst/>
+          </a:prstGeom>
+        </p:spPr>
+      </p:pic>
+      <p:sp>
+        <p:nvSpPr>
+          <p:cNvPr id="12" name="TextBox 6">
+            <a:extLst>
+              <a:ext uri="{FF2B5EF4-FFF2-40B4-BE49-F238E27FC236}">
+                <a16:creationId xmlns:a16="http://schemas.microsoft.com/office/drawing/2014/main" id="{35BCBEB1-0228-406B-BAF5-5B5C0A037371}"/>
+              </a:ext>
+            </a:extLst>
+          </p:cNvPr>
+          <p:cNvSpPr txBox="1"/>
+          <p:nvPr/>
+        </p:nvSpPr>
+        <p:spPr>
+          <a:xfrm>
+            <a:off x="15106427" y="592260"/>
+            <a:ext cx="2597624" cy="623026"/>
+          </a:xfrm>
+          <a:prstGeom prst="rect">
+            <a:avLst/>
+          </a:prstGeom>
+        </p:spPr>
+        <p:txBody>
+          <a:bodyPr lIns="0" tIns="0" rIns="0" bIns="0" rtlCol="0" anchor="t">
+            <a:spAutoFit/>
+          </a:bodyPr>
+          <a:lstStyle/>
+          <a:p>
+            <a:pPr>
+              <a:lnSpc>
+                <a:spcPts val="4737"/>
+              </a:lnSpc>
+            </a:pPr>
+            <a:r>
+              <a:rPr lang="en-US" sz="4307" spc="-43" dirty="0">
+                <a:solidFill>
+                  <a:srgbClr val="5879FA"/>
+                </a:solidFill>
+                <a:latin typeface="Nunito Bold"/>
+              </a:rPr>
+              <a:t>FastTech</a:t>
+            </a:r>
+          </a:p>
+        </p:txBody>
+      </p:sp>
+    </p:spTree>
+  </p:cSld>
+  <p:clrMapOvr>
+    <a:masterClrMapping/>
+  </p:clrMapOvr>
+  <mc:AlternateContent xmlns:mc="http://schemas.openxmlformats.org/markup-compatibility/2006" xmlns:p159="http://schemas.microsoft.com/office/powerpoint/2015/09/main">
+    <mc:Choice Requires="p159">
+      <p:transition xmlns:p14="http://schemas.microsoft.com/office/powerpoint/2010/main" spd="slow" p14:dur="2000">
+        <p159:morph option="byObject"/>
+      </p:transition>
+    </mc:Choice>
+    <mc:Fallback xmlns="">
+      <p:transition spd="slow">
+        <p:fade/>
+      </p:transition>
+    </mc:Fallback>
+  </mc:AlternateContent>
 </p:sld>
 </file>
 
